--- a/TechGear/TechGearCase.pptx
+++ b/TechGear/TechGearCase.pptx
@@ -215,7 +215,7 @@
           <a:p>
             <a:fld id="{12F0ACAD-2FDF-44D8-85A2-BF2803DE170C}" type="datetimeFigureOut">
               <a:rPr lang="en-US" smtClean="0"/>
-              <a:t>11/13/2025</a:t>
+              <a:t>11/14/2025</a:t>
             </a:fld>
             <a:endParaRPr lang="en-US"/>
           </a:p>
@@ -2042,17 +2042,74 @@
           <a:p>
             <a:r>
               <a:rPr lang="en-US" dirty="0"/>
-              <a:t>In our analysis we will use two  forecasting methods: 3-month moving average and An exponential smoothing.</a:t>
+              <a:t>In our analysis we will use two  forecasting methods: “3-month moving average” and “An exponential smoothing”.</a:t>
+            </a:r>
+          </a:p>
+          <a:p>
+            <a:r>
+              <a:rPr lang="en-US" dirty="0"/>
+              <a:t>“3-month moving average” helps smooth out short-term fluctuations in data to see the overall pattern. In our example we decided to take 3-month window size. A table on the left shows the forecasted values based on the 3-month moving averages. And as we calculated that the </a:t>
+            </a:r>
+            <a:r>
+              <a:rPr lang="en-US" b="0" i="0" dirty="0">
+                <a:solidFill>
+                  <a:srgbClr val="000000"/>
+                </a:solidFill>
+                <a:effectLst/>
+                <a:latin typeface="Arial"/>
+                <a:cs typeface="Arial"/>
+              </a:rPr>
+              <a:t>3-month moving average forecast for January 2025 equals 6059 Sales.</a:t>
+            </a:r>
+          </a:p>
+          <a:p>
+            <a:pPr marL="0" marR="0" lvl="0" indent="0" algn="l" defTabSz="914400" rtl="0" eaLnBrk="1" fontAlgn="auto" latinLnBrk="0" hangingPunct="1">
+              <a:lnSpc>
+                <a:spcPct val="100000"/>
+              </a:lnSpc>
+              <a:spcBef>
+                <a:spcPts val="0"/>
+              </a:spcBef>
+              <a:spcAft>
+                <a:spcPts val="0"/>
+              </a:spcAft>
+              <a:buClrTx/>
+              <a:buSzTx/>
+              <a:buFontTx/>
+              <a:buNone/>
+              <a:tabLst/>
+              <a:defRPr/>
+            </a:pPr>
+            <a:r>
+              <a:rPr lang="en-US" dirty="0"/>
+              <a:t>“An exponential smoothing” predicts future data points by giving more weight to recent data while still considering older data. In our calculations we use a smoothing parameter of 0.08. The column “An exponential smoothing” shows the forecasts for sales data.  And as we calculated that an exponential smoothing</a:t>
+            </a:r>
+            <a:r>
+              <a:rPr lang="en-US" b="0" i="0" dirty="0">
+                <a:solidFill>
+                  <a:srgbClr val="000000"/>
+                </a:solidFill>
+                <a:effectLst/>
+                <a:latin typeface="Arial"/>
+                <a:cs typeface="Arial"/>
+              </a:rPr>
+              <a:t> forecast for January 2025 equals 6032 Sales.</a:t>
             </a:r>
           </a:p>
           <a:p>
             <a:endParaRPr lang="en-US" dirty="0"/>
           </a:p>
           <a:p>
+            <a:endParaRPr lang="en-US" dirty="0"/>
+          </a:p>
+          <a:p>
             <a:r>
               <a:rPr lang="en-US" dirty="0"/>
-              <a:t>To access forecast accuracy there are three measures:</a:t>
-            </a:r>
+              <a:t>To access forecast accuracy there are three measures that we calculated:</a:t>
+            </a:r>
+          </a:p>
+          <a:p>
+            <a:endParaRPr lang="en-US" dirty="0"/>
           </a:p>
           <a:p>
             <a:endParaRPr lang="en-US" dirty="0"/>
@@ -3381,7 +3438,7 @@
           <a:p>
             <a:fld id="{6444479B-705B-4489-957E-7E8A228BDFA0}" type="datetime1">
               <a:rPr lang="en-US" smtClean="0"/>
-              <a:t>11/13/2025</a:t>
+              <a:t>11/14/2025</a:t>
             </a:fld>
             <a:endParaRPr lang="en-US"/>
           </a:p>
@@ -3581,7 +3638,7 @@
           <a:p>
             <a:fld id="{C07B66AD-7C08-490A-ADA4-B47E10FB2407}" type="datetime1">
               <a:rPr lang="en-US" smtClean="0"/>
-              <a:t>11/13/2025</a:t>
+              <a:t>11/14/2025</a:t>
             </a:fld>
             <a:endParaRPr lang="en-US"/>
           </a:p>
@@ -3840,7 +3897,7 @@
           <a:p>
             <a:fld id="{05B95027-4255-49E7-9841-CD21BCC99996}" type="datetime1">
               <a:rPr lang="en-US" smtClean="0"/>
-              <a:t>11/13/2025</a:t>
+              <a:t>11/14/2025</a:t>
             </a:fld>
             <a:endParaRPr lang="en-US"/>
           </a:p>
@@ -4081,7 +4138,7 @@
           <a:p>
             <a:fld id="{9F89F774-3FA6-43B8-9241-99959C8FD463}" type="datetime1">
               <a:rPr lang="en-US" smtClean="0"/>
-              <a:t>11/13/2025</a:t>
+              <a:t>11/14/2025</a:t>
             </a:fld>
             <a:endParaRPr lang="en-US"/>
           </a:p>
@@ -4408,7 +4465,7 @@
           <a:p>
             <a:fld id="{F9504452-5DCC-4FE2-A5C9-8A5EF6714D65}" type="datetime1">
               <a:rPr lang="en-US" smtClean="0"/>
-              <a:t>11/13/2025</a:t>
+              <a:t>11/14/2025</a:t>
             </a:fld>
             <a:endParaRPr lang="en-US"/>
           </a:p>
@@ -4718,7 +4775,7 @@
           <a:p>
             <a:fld id="{E579ABC2-0180-4F3A-A895-A85BC724D472}" type="datetime1">
               <a:rPr lang="en-US" smtClean="0"/>
-              <a:t>11/13/2025</a:t>
+              <a:t>11/14/2025</a:t>
             </a:fld>
             <a:endParaRPr lang="en-US"/>
           </a:p>
@@ -5136,7 +5193,7 @@
           <a:p>
             <a:fld id="{6AEEA9BA-4E8F-439E-BEA4-91FBA01E3F5F}" type="datetime1">
               <a:rPr lang="en-US" smtClean="0"/>
-              <a:t>11/13/2025</a:t>
+              <a:t>11/14/2025</a:t>
             </a:fld>
             <a:endParaRPr lang="en-US"/>
           </a:p>
@@ -5278,7 +5335,7 @@
           <a:p>
             <a:fld id="{BE15BF18-0007-481C-AA29-413124BC3EE7}" type="datetime1">
               <a:rPr lang="en-US" smtClean="0"/>
-              <a:t>11/13/2025</a:t>
+              <a:t>11/14/2025</a:t>
             </a:fld>
             <a:endParaRPr lang="en-US"/>
           </a:p>
@@ -5440,7 +5497,7 @@
           <a:p>
             <a:fld id="{09BE9870-3748-43AD-B547-02A075CB4A1D}" type="datetime1">
               <a:rPr lang="en-US" smtClean="0"/>
-              <a:t>11/13/2025</a:t>
+              <a:t>11/14/2025</a:t>
             </a:fld>
             <a:endParaRPr lang="en-US"/>
           </a:p>
@@ -5757,7 +5814,7 @@
           <a:p>
             <a:fld id="{558E7897-33C5-4F1A-9307-D068E37F3DC7}" type="datetime1">
               <a:rPr lang="en-US" smtClean="0"/>
-              <a:t>11/13/2025</a:t>
+              <a:t>11/14/2025</a:t>
             </a:fld>
             <a:endParaRPr lang="en-US"/>
           </a:p>
@@ -6052,7 +6109,7 @@
           <a:p>
             <a:fld id="{82E171BA-CC09-47C8-A6DF-F5C5CB59CEEC}" type="datetime1">
               <a:rPr lang="en-US" smtClean="0"/>
-              <a:t>11/13/2025</a:t>
+              <a:t>11/14/2025</a:t>
             </a:fld>
             <a:endParaRPr lang="en-US"/>
           </a:p>
@@ -6293,7 +6350,7 @@
           <a:p>
             <a:fld id="{7DA38F49-B3E2-4BF0-BEC7-C30D34ABBB8D}" type="datetime1">
               <a:rPr lang="en-US" smtClean="0"/>
-              <a:t>11/13/2025</a:t>
+              <a:t>11/14/2025</a:t>
             </a:fld>
             <a:endParaRPr lang="en-US"/>
           </a:p>
@@ -8601,8 +8658,8 @@
           </a:prstGeom>
         </p:spPr>
       </p:pic>
-      <mc:AlternateContent xmlns:mc="http://schemas.openxmlformats.org/markup-compatibility/2006">
-        <mc:Choice xmlns:a14="http://schemas.microsoft.com/office/drawing/2010/main" Requires="a14">
+      <mc:AlternateContent xmlns:mc="http://schemas.openxmlformats.org/markup-compatibility/2006" xmlns:a14="http://schemas.microsoft.com/office/drawing/2010/main">
+        <mc:Choice Requires="a14">
           <p:sp>
             <p:nvSpPr>
               <p:cNvPr id="7" name="TextBox 6">
@@ -8631,6 +8688,7 @@
               </a:bodyPr>
               <a:lstStyle/>
               <a:p>
+                <a:pPr/>
                 <a14:m>
                   <m:oMathPara xmlns:m="http://schemas.openxmlformats.org/officeDocument/2006/math">
                     <m:oMathParaPr>
@@ -8873,7 +8931,7 @@
             </p:txBody>
           </p:sp>
         </mc:Choice>
-        <mc:Fallback>
+        <mc:Fallback xmlns="">
           <p:sp>
             <p:nvSpPr>
               <p:cNvPr id="7" name="TextBox 6">
@@ -9065,8 +9123,8 @@
         </p:nvSpPr>
         <p:spPr>
           <a:xfrm>
-            <a:off x="457200" y="1350086"/>
-            <a:ext cx="3931920" cy="464730"/>
+            <a:off x="4031289" y="1381510"/>
+            <a:ext cx="3008750" cy="464730"/>
           </a:xfrm>
         </p:spPr>
         <p:txBody>
@@ -9111,7 +9169,7 @@
         </p:nvSpPr>
         <p:spPr>
           <a:xfrm>
-            <a:off x="7083552" y="1350086"/>
+            <a:off x="7609544" y="1366448"/>
             <a:ext cx="3931920" cy="464730"/>
           </a:xfrm>
           <a:prstGeom prst="rect">
@@ -9312,6 +9370,376 @@
           </a:p>
         </p:txBody>
       </p:sp>
+      <p:sp>
+        <p:nvSpPr>
+          <p:cNvPr id="11" name="Content Placeholder 2">
+            <a:extLst>
+              <a:ext uri="{FF2B5EF4-FFF2-40B4-BE49-F238E27FC236}">
+                <a16:creationId xmlns:a16="http://schemas.microsoft.com/office/drawing/2014/main" id="{80900E66-B005-C29D-1EE6-9C75CADA82E6}"/>
+              </a:ext>
+            </a:extLst>
+          </p:cNvPr>
+          <p:cNvSpPr txBox="1">
+            <a:spLocks/>
+          </p:cNvSpPr>
+          <p:nvPr/>
+        </p:nvSpPr>
+        <p:spPr>
+          <a:xfrm>
+            <a:off x="1743071" y="1366448"/>
+            <a:ext cx="1877502" cy="464730"/>
+          </a:xfrm>
+          <a:prstGeom prst="rect">
+            <a:avLst/>
+          </a:prstGeom>
+        </p:spPr>
+        <p:txBody>
+          <a:bodyPr vert="horz" lIns="91440" tIns="45720" rIns="91440" bIns="45720" rtlCol="0" anchor="t">
+            <a:normAutofit/>
+          </a:bodyPr>
+          <a:lstStyle>
+            <a:lvl1pPr marL="228600" indent="-228600" algn="l" defTabSz="914400" rtl="0" eaLnBrk="1" latinLnBrk="0" hangingPunct="1">
+              <a:lnSpc>
+                <a:spcPct val="120000"/>
+              </a:lnSpc>
+              <a:spcBef>
+                <a:spcPts val="1000"/>
+              </a:spcBef>
+              <a:buSzPct val="87000"/>
+              <a:buFont typeface="Arial" panose="020B0604020202020204" pitchFamily="34" charset="0"/>
+              <a:buChar char="•"/>
+              <a:defRPr sz="2000" kern="1200">
+                <a:solidFill>
+                  <a:schemeClr val="tx1"/>
+                </a:solidFill>
+                <a:latin typeface="+mn-lt"/>
+                <a:ea typeface="+mn-ea"/>
+                <a:cs typeface="+mn-cs"/>
+              </a:defRPr>
+            </a:lvl1pPr>
+            <a:lvl2pPr marL="493776" indent="-228600" algn="l" defTabSz="914400" rtl="0" eaLnBrk="1" latinLnBrk="0" hangingPunct="1">
+              <a:lnSpc>
+                <a:spcPct val="120000"/>
+              </a:lnSpc>
+              <a:spcBef>
+                <a:spcPts val="500"/>
+              </a:spcBef>
+              <a:buSzPct val="87000"/>
+              <a:buFont typeface="Arial" panose="020B0604020202020204" pitchFamily="34" charset="0"/>
+              <a:buChar char="•"/>
+              <a:defRPr sz="1800" kern="1200">
+                <a:solidFill>
+                  <a:schemeClr val="tx1"/>
+                </a:solidFill>
+                <a:latin typeface="+mn-lt"/>
+                <a:ea typeface="+mn-ea"/>
+                <a:cs typeface="+mn-cs"/>
+              </a:defRPr>
+            </a:lvl2pPr>
+            <a:lvl3pPr marL="731520" indent="-228600" algn="l" defTabSz="914400" rtl="0" eaLnBrk="1" latinLnBrk="0" hangingPunct="1">
+              <a:lnSpc>
+                <a:spcPct val="120000"/>
+              </a:lnSpc>
+              <a:spcBef>
+                <a:spcPts val="500"/>
+              </a:spcBef>
+              <a:buSzPct val="87000"/>
+              <a:buFont typeface="Arial" panose="020B0604020202020204" pitchFamily="34" charset="0"/>
+              <a:buChar char="•"/>
+              <a:defRPr sz="1600" kern="1200">
+                <a:solidFill>
+                  <a:schemeClr val="tx1"/>
+                </a:solidFill>
+                <a:latin typeface="+mn-lt"/>
+                <a:ea typeface="+mn-ea"/>
+                <a:cs typeface="+mn-cs"/>
+              </a:defRPr>
+            </a:lvl3pPr>
+            <a:lvl4pPr marL="1051560" indent="-285750" algn="l" defTabSz="914400" rtl="0" eaLnBrk="1" latinLnBrk="0" hangingPunct="1">
+              <a:lnSpc>
+                <a:spcPct val="120000"/>
+              </a:lnSpc>
+              <a:spcBef>
+                <a:spcPts val="500"/>
+              </a:spcBef>
+              <a:buSzPct val="87000"/>
+              <a:buFont typeface="Arial" panose="020B0604020202020204" pitchFamily="34" charset="0"/>
+              <a:buChar char="•"/>
+              <a:defRPr sz="1400" kern="1200">
+                <a:solidFill>
+                  <a:schemeClr val="tx1"/>
+                </a:solidFill>
+                <a:latin typeface="+mn-lt"/>
+                <a:ea typeface="+mn-ea"/>
+                <a:cs typeface="+mn-cs"/>
+              </a:defRPr>
+            </a:lvl4pPr>
+            <a:lvl5pPr marL="1298448" indent="-228600" algn="l" defTabSz="914400" rtl="0" eaLnBrk="1" latinLnBrk="0" hangingPunct="1">
+              <a:lnSpc>
+                <a:spcPct val="120000"/>
+              </a:lnSpc>
+              <a:spcBef>
+                <a:spcPts val="500"/>
+              </a:spcBef>
+              <a:buSzPct val="87000"/>
+              <a:buFont typeface="Arial" panose="020B0604020202020204" pitchFamily="34" charset="0"/>
+              <a:buChar char="•"/>
+              <a:defRPr sz="1400" kern="1200">
+                <a:solidFill>
+                  <a:schemeClr val="tx1"/>
+                </a:solidFill>
+                <a:latin typeface="+mn-lt"/>
+                <a:ea typeface="+mn-ea"/>
+                <a:cs typeface="+mn-cs"/>
+              </a:defRPr>
+            </a:lvl5pPr>
+            <a:lvl6pPr marL="2514600" indent="-228600" algn="l" defTabSz="914400" rtl="0" eaLnBrk="1" latinLnBrk="0" hangingPunct="1">
+              <a:lnSpc>
+                <a:spcPct val="90000"/>
+              </a:lnSpc>
+              <a:spcBef>
+                <a:spcPts val="500"/>
+              </a:spcBef>
+              <a:buFont typeface="Arial" panose="020B0604020202020204" pitchFamily="34" charset="0"/>
+              <a:buChar char="•"/>
+              <a:defRPr sz="1800" kern="1200">
+                <a:solidFill>
+                  <a:schemeClr val="tx1"/>
+                </a:solidFill>
+                <a:latin typeface="+mn-lt"/>
+                <a:ea typeface="+mn-ea"/>
+                <a:cs typeface="+mn-cs"/>
+              </a:defRPr>
+            </a:lvl6pPr>
+            <a:lvl7pPr marL="2971800" indent="-228600" algn="l" defTabSz="914400" rtl="0" eaLnBrk="1" latinLnBrk="0" hangingPunct="1">
+              <a:lnSpc>
+                <a:spcPct val="90000"/>
+              </a:lnSpc>
+              <a:spcBef>
+                <a:spcPts val="500"/>
+              </a:spcBef>
+              <a:buFont typeface="Arial" panose="020B0604020202020204" pitchFamily="34" charset="0"/>
+              <a:buChar char="•"/>
+              <a:defRPr sz="1800" kern="1200">
+                <a:solidFill>
+                  <a:schemeClr val="tx1"/>
+                </a:solidFill>
+                <a:latin typeface="+mn-lt"/>
+                <a:ea typeface="+mn-ea"/>
+                <a:cs typeface="+mn-cs"/>
+              </a:defRPr>
+            </a:lvl7pPr>
+            <a:lvl8pPr marL="3429000" indent="-228600" algn="l" defTabSz="914400" rtl="0" eaLnBrk="1" latinLnBrk="0" hangingPunct="1">
+              <a:lnSpc>
+                <a:spcPct val="90000"/>
+              </a:lnSpc>
+              <a:spcBef>
+                <a:spcPts val="500"/>
+              </a:spcBef>
+              <a:buFont typeface="Arial" panose="020B0604020202020204" pitchFamily="34" charset="0"/>
+              <a:buChar char="•"/>
+              <a:defRPr sz="1800" kern="1200">
+                <a:solidFill>
+                  <a:schemeClr val="tx1"/>
+                </a:solidFill>
+                <a:latin typeface="+mn-lt"/>
+                <a:ea typeface="+mn-ea"/>
+                <a:cs typeface="+mn-cs"/>
+              </a:defRPr>
+            </a:lvl8pPr>
+            <a:lvl9pPr marL="3886200" indent="-228600" algn="l" defTabSz="914400" rtl="0" eaLnBrk="1" latinLnBrk="0" hangingPunct="1">
+              <a:lnSpc>
+                <a:spcPct val="90000"/>
+              </a:lnSpc>
+              <a:spcBef>
+                <a:spcPts val="500"/>
+              </a:spcBef>
+              <a:buFont typeface="Arial" panose="020B0604020202020204" pitchFamily="34" charset="0"/>
+              <a:buChar char="•"/>
+              <a:defRPr sz="1800" kern="1200">
+                <a:solidFill>
+                  <a:schemeClr val="tx1"/>
+                </a:solidFill>
+                <a:latin typeface="+mn-lt"/>
+                <a:ea typeface="+mn-ea"/>
+                <a:cs typeface="+mn-cs"/>
+              </a:defRPr>
+            </a:lvl9pPr>
+          </a:lstStyle>
+          <a:p>
+            <a:pPr marL="0" indent="0" fontAlgn="base">
+              <a:lnSpc>
+                <a:spcPct val="100000"/>
+              </a:lnSpc>
+              <a:buFont typeface="Arial" panose="020B0604020202020204" pitchFamily="34" charset="0"/>
+              <a:buNone/>
+            </a:pPr>
+            <a:r>
+              <a:rPr lang="en-US" dirty="0">
+                <a:solidFill>
+                  <a:srgbClr val="000000"/>
+                </a:solidFill>
+                <a:latin typeface="Arial"/>
+                <a:cs typeface="Arial"/>
+              </a:rPr>
+              <a:t>Actual Values</a:t>
+            </a:r>
+          </a:p>
+        </p:txBody>
+      </p:sp>
+      <p:pic>
+        <p:nvPicPr>
+          <p:cNvPr id="15" name="Picture 14">
+            <a:extLst>
+              <a:ext uri="{FF2B5EF4-FFF2-40B4-BE49-F238E27FC236}">
+                <a16:creationId xmlns:a16="http://schemas.microsoft.com/office/drawing/2014/main" id="{10A007E4-1919-8A5B-7223-B8434530976D}"/>
+              </a:ext>
+            </a:extLst>
+          </p:cNvPr>
+          <p:cNvPicPr>
+            <a:picLocks noChangeAspect="1"/>
+          </p:cNvPicPr>
+          <p:nvPr/>
+        </p:nvPicPr>
+        <p:blipFill>
+          <a:blip r:embed="rId3"/>
+          <a:stretch>
+            <a:fillRect/>
+          </a:stretch>
+        </p:blipFill>
+        <p:spPr>
+          <a:xfrm>
+            <a:off x="314320" y="1814816"/>
+            <a:ext cx="2696489" cy="3415552"/>
+          </a:xfrm>
+          <a:prstGeom prst="rect">
+            <a:avLst/>
+          </a:prstGeom>
+        </p:spPr>
+      </p:pic>
+      <p:pic>
+        <p:nvPicPr>
+          <p:cNvPr id="17" name="Picture 16">
+            <a:extLst>
+              <a:ext uri="{FF2B5EF4-FFF2-40B4-BE49-F238E27FC236}">
+                <a16:creationId xmlns:a16="http://schemas.microsoft.com/office/drawing/2014/main" id="{44939D7C-180E-FB40-FC66-E68AF2F97689}"/>
+              </a:ext>
+            </a:extLst>
+          </p:cNvPr>
+          <p:cNvPicPr>
+            <a:picLocks noChangeAspect="1"/>
+          </p:cNvPicPr>
+          <p:nvPr/>
+        </p:nvPicPr>
+        <p:blipFill>
+          <a:blip r:embed="rId4"/>
+          <a:stretch>
+            <a:fillRect/>
+          </a:stretch>
+        </p:blipFill>
+        <p:spPr>
+          <a:xfrm>
+            <a:off x="4743584" y="1814817"/>
+            <a:ext cx="1544265" cy="3415551"/>
+          </a:xfrm>
+          <a:prstGeom prst="rect">
+            <a:avLst/>
+          </a:prstGeom>
+        </p:spPr>
+      </p:pic>
+      <p:sp>
+        <p:nvSpPr>
+          <p:cNvPr id="20" name="TextBox 19">
+            <a:extLst>
+              <a:ext uri="{FF2B5EF4-FFF2-40B4-BE49-F238E27FC236}">
+                <a16:creationId xmlns:a16="http://schemas.microsoft.com/office/drawing/2014/main" id="{8CBAD7FE-B5DB-C457-8D23-CE9E54E6E327}"/>
+              </a:ext>
+            </a:extLst>
+          </p:cNvPr>
+          <p:cNvSpPr txBox="1"/>
+          <p:nvPr/>
+        </p:nvSpPr>
+        <p:spPr>
+          <a:xfrm>
+            <a:off x="963023" y="5554184"/>
+            <a:ext cx="10265952" cy="954107"/>
+          </a:xfrm>
+          <a:prstGeom prst="rect">
+            <a:avLst/>
+          </a:prstGeom>
+          <a:noFill/>
+        </p:spPr>
+        <p:txBody>
+          <a:bodyPr wrap="none" rtlCol="0">
+            <a:spAutoFit/>
+          </a:bodyPr>
+          <a:lstStyle/>
+          <a:p>
+            <a:r>
+              <a:rPr lang="en-US" sz="2800" b="1" dirty="0"/>
+              <a:t>3-month moving average forecast for January 2025: </a:t>
+            </a:r>
+            <a:r>
+              <a:rPr lang="en-US" sz="2800" b="1" dirty="0">
+                <a:solidFill>
+                  <a:schemeClr val="tx2">
+                    <a:lumMod val="90000"/>
+                    <a:lumOff val="10000"/>
+                  </a:schemeClr>
+                </a:solidFill>
+              </a:rPr>
+              <a:t>6059 Sales</a:t>
+            </a:r>
+          </a:p>
+          <a:p>
+            <a:r>
+              <a:rPr lang="en-US" sz="2800" b="1" dirty="0"/>
+              <a:t>An exponential smoothing forecast for January 2025: </a:t>
+            </a:r>
+            <a:r>
+              <a:rPr lang="en-US" sz="2800" b="1" dirty="0">
+                <a:solidFill>
+                  <a:schemeClr val="tx2">
+                    <a:lumMod val="90000"/>
+                    <a:lumOff val="10000"/>
+                  </a:schemeClr>
+                </a:solidFill>
+              </a:rPr>
+              <a:t>6032 Sales</a:t>
+            </a:r>
+          </a:p>
+        </p:txBody>
+      </p:sp>
+      <p:pic>
+        <p:nvPicPr>
+          <p:cNvPr id="22" name="Picture 21">
+            <a:extLst>
+              <a:ext uri="{FF2B5EF4-FFF2-40B4-BE49-F238E27FC236}">
+                <a16:creationId xmlns:a16="http://schemas.microsoft.com/office/drawing/2014/main" id="{F6BC1600-D1B5-E53B-F2D2-1FC8E8C693F9}"/>
+              </a:ext>
+            </a:extLst>
+          </p:cNvPr>
+          <p:cNvPicPr>
+            <a:picLocks noChangeAspect="1"/>
+          </p:cNvPicPr>
+          <p:nvPr/>
+        </p:nvPicPr>
+        <p:blipFill>
+          <a:blip r:embed="rId5"/>
+          <a:stretch>
+            <a:fillRect/>
+          </a:stretch>
+        </p:blipFill>
+        <p:spPr>
+          <a:xfrm>
+            <a:off x="8020624" y="2066561"/>
+            <a:ext cx="2257232" cy="3239387"/>
+          </a:xfrm>
+          <a:prstGeom prst="rect">
+            <a:avLst/>
+          </a:prstGeom>
+        </p:spPr>
+      </p:pic>
     </p:spTree>
     <p:extLst>
       <p:ext uri="{BB962C8B-B14F-4D97-AF65-F5344CB8AC3E}">
@@ -10117,6 +10545,15 @@
 </file>
 
 <file path=customXml/item1.xml><?xml version="1.0" encoding="utf-8"?>
+<?mso-contentType ?>
+<FormTemplates xmlns="http://schemas.microsoft.com/sharepoint/v3/contenttype/forms">
+  <Display>DocumentLibraryForm</Display>
+  <Edit>DocumentLibraryForm</Edit>
+  <New>DocumentLibraryForm</New>
+</FormTemplates>
+</file>
+
+<file path=customXml/item2.xml><?xml version="1.0" encoding="utf-8"?>
 <ct:contentTypeSchema xmlns:ct="http://schemas.microsoft.com/office/2006/metadata/contentType" xmlns:ma="http://schemas.microsoft.com/office/2006/metadata/properties/metaAttributes" ct:_="" ma:_="" ma:contentTypeName="Document" ma:contentTypeID="0x010100DD084E42E705654B9CF1FB4D1B6F86C3" ma:contentTypeVersion="19" ma:contentTypeDescription="Create a new document." ma:contentTypeScope="" ma:versionID="537e09eec9479df6b3b9277a829eeea6">
   <xsd:schema xmlns:xsd="http://www.w3.org/2001/XMLSchema" xmlns:xs="http://www.w3.org/2001/XMLSchema" xmlns:p="http://schemas.microsoft.com/office/2006/metadata/properties" xmlns:ns2="cb71b97d-9a65-4f5a-80e4-73af0d9029ad" xmlns:ns3="c7bf0040-ac83-4da7-b072-3c1b65a214b3" targetNamespace="http://schemas.microsoft.com/office/2006/metadata/properties" ma:root="true" ma:fieldsID="954325e78edeaac226e03e3e0adada46" ns2:_="" ns3:_="">
     <xsd:import namespace="cb71b97d-9a65-4f5a-80e4-73af0d9029ad"/>
@@ -10380,15 +10817,6 @@
 </ct:contentTypeSchema>
 </file>
 
-<file path=customXml/item2.xml><?xml version="1.0" encoding="utf-8"?>
-<?mso-contentType ?>
-<FormTemplates xmlns="http://schemas.microsoft.com/sharepoint/v3/contenttype/forms">
-  <Display>DocumentLibraryForm</Display>
-  <Edit>DocumentLibraryForm</Edit>
-  <New>DocumentLibraryForm</New>
-</FormTemplates>
-</file>
-
 <file path=customXml/item3.xml><?xml version="1.0" encoding="utf-8"?>
 <p:properties xmlns:p="http://schemas.microsoft.com/office/2006/metadata/properties" xmlns:xsi="http://www.w3.org/2001/XMLSchema-instance" xmlns:pc="http://schemas.microsoft.com/office/infopath/2007/PartnerControls">
   <documentManagement>
@@ -10404,6 +10832,14 @@
 </file>
 
 <file path=customXml/itemProps1.xml><?xml version="1.0" encoding="utf-8"?>
+<ds:datastoreItem xmlns:ds="http://schemas.openxmlformats.org/officeDocument/2006/customXml" ds:itemID="{2F184BDE-BCF0-4A4C-AF39-985C7EC788E7}">
+  <ds:schemaRefs>
+    <ds:schemaRef ds:uri="http://schemas.microsoft.com/sharepoint/v3/contenttype/forms"/>
+  </ds:schemaRefs>
+</ds:datastoreItem>
+</file>
+
+<file path=customXml/itemProps2.xml><?xml version="1.0" encoding="utf-8"?>
 <ds:datastoreItem xmlns:ds="http://schemas.openxmlformats.org/officeDocument/2006/customXml" ds:itemID="{FE333F42-FFBA-4D39-81DC-C33E6413E0BD}">
   <ds:schemaRefs>
     <ds:schemaRef ds:uri="http://schemas.microsoft.com/office/2006/metadata/contentType"/>
@@ -10418,14 +10854,6 @@
     <ds:schemaRef ds:uri="http://purl.org/dc/elements/1.1/"/>
     <ds:schemaRef ds:uri="http://purl.org/dc/terms/"/>
     <ds:schemaRef ds:uri="http://schemas.microsoft.com/internal/obd"/>
-  </ds:schemaRefs>
-</ds:datastoreItem>
-</file>
-
-<file path=customXml/itemProps2.xml><?xml version="1.0" encoding="utf-8"?>
-<ds:datastoreItem xmlns:ds="http://schemas.openxmlformats.org/officeDocument/2006/customXml" ds:itemID="{2F184BDE-BCF0-4A4C-AF39-985C7EC788E7}">
-  <ds:schemaRefs>
-    <ds:schemaRef ds:uri="http://schemas.microsoft.com/sharepoint/v3/contenttype/forms"/>
   </ds:schemaRefs>
 </ds:datastoreItem>
 </file>

--- a/TechGear/TechGearCase.pptx
+++ b/TechGear/TechGearCase.pptx
@@ -5,19 +5,32 @@
     <p:sldMasterId id="2147483685" r:id="rId4"/>
   </p:sldMasterIdLst>
   <p:notesMasterIdLst>
-    <p:notesMasterId r:id="rId15"/>
+    <p:notesMasterId r:id="rId28"/>
   </p:notesMasterIdLst>
   <p:sldIdLst>
     <p:sldId id="256" r:id="rId5"/>
     <p:sldId id="257" r:id="rId6"/>
-    <p:sldId id="258" r:id="rId7"/>
-    <p:sldId id="259" r:id="rId8"/>
-    <p:sldId id="260" r:id="rId9"/>
-    <p:sldId id="261" r:id="rId10"/>
-    <p:sldId id="262" r:id="rId11"/>
-    <p:sldId id="263" r:id="rId12"/>
-    <p:sldId id="264" r:id="rId13"/>
-    <p:sldId id="265" r:id="rId14"/>
+    <p:sldId id="266" r:id="rId7"/>
+    <p:sldId id="258" r:id="rId8"/>
+    <p:sldId id="267" r:id="rId9"/>
+    <p:sldId id="277" r:id="rId10"/>
+    <p:sldId id="259" r:id="rId11"/>
+    <p:sldId id="268" r:id="rId12"/>
+    <p:sldId id="260" r:id="rId13"/>
+    <p:sldId id="269" r:id="rId14"/>
+    <p:sldId id="261" r:id="rId15"/>
+    <p:sldId id="270" r:id="rId16"/>
+    <p:sldId id="262" r:id="rId17"/>
+    <p:sldId id="271" r:id="rId18"/>
+    <p:sldId id="274" r:id="rId19"/>
+    <p:sldId id="263" r:id="rId20"/>
+    <p:sldId id="272" r:id="rId21"/>
+    <p:sldId id="275" r:id="rId22"/>
+    <p:sldId id="264" r:id="rId23"/>
+    <p:sldId id="273" r:id="rId24"/>
+    <p:sldId id="276" r:id="rId25"/>
+    <p:sldId id="265" r:id="rId26"/>
+    <p:sldId id="278" r:id="rId27"/>
   </p:sldIdLst>
   <p:sldSz cx="12192000" cy="6858000"/>
   <p:notesSz cx="6858000" cy="9144000"/>
@@ -215,7 +228,7 @@
           <a:p>
             <a:fld id="{12F0ACAD-2FDF-44D8-85A2-BF2803DE170C}" type="datetimeFigureOut">
               <a:rPr lang="en-US" smtClean="0"/>
-              <a:t>11/14/2025</a:t>
+              <a:t>11/15/2025</a:t>
             </a:fld>
             <a:endParaRPr lang="en-US"/>
           </a:p>
@@ -618,6 +631,114 @@
   <p:cSld>
     <p:spTree>
       <p:nvGrpSpPr>
+        <p:cNvPr id="1" name="">
+          <a:extLst>
+            <a:ext uri="{FF2B5EF4-FFF2-40B4-BE49-F238E27FC236}">
+              <a16:creationId xmlns:a16="http://schemas.microsoft.com/office/drawing/2014/main" id="{DD669CE1-DDAC-1411-90AF-3218A1F26CE9}"/>
+            </a:ext>
+          </a:extLst>
+        </p:cNvPr>
+        <p:cNvGrpSpPr/>
+        <p:nvPr/>
+      </p:nvGrpSpPr>
+      <p:grpSpPr>
+        <a:xfrm>
+          <a:off x="0" y="0"/>
+          <a:ext cx="0" cy="0"/>
+          <a:chOff x="0" y="0"/>
+          <a:chExt cx="0" cy="0"/>
+        </a:xfrm>
+      </p:grpSpPr>
+      <p:sp>
+        <p:nvSpPr>
+          <p:cNvPr id="2" name="Slide Image Placeholder 1">
+            <a:extLst>
+              <a:ext uri="{FF2B5EF4-FFF2-40B4-BE49-F238E27FC236}">
+                <a16:creationId xmlns:a16="http://schemas.microsoft.com/office/drawing/2014/main" id="{4A0D7041-A683-AE81-C8DD-7F06D467B3C7}"/>
+              </a:ext>
+            </a:extLst>
+          </p:cNvPr>
+          <p:cNvSpPr>
+            <a:spLocks noGrp="1" noRot="1" noChangeAspect="1"/>
+          </p:cNvSpPr>
+          <p:nvPr>
+            <p:ph type="sldImg"/>
+          </p:nvPr>
+        </p:nvSpPr>
+        <p:spPr/>
+      </p:sp>
+      <p:sp>
+        <p:nvSpPr>
+          <p:cNvPr id="3" name="Notes Placeholder 2">
+            <a:extLst>
+              <a:ext uri="{FF2B5EF4-FFF2-40B4-BE49-F238E27FC236}">
+                <a16:creationId xmlns:a16="http://schemas.microsoft.com/office/drawing/2014/main" id="{EB1315C3-D419-56F7-D774-79A1FA616B2A}"/>
+              </a:ext>
+            </a:extLst>
+          </p:cNvPr>
+          <p:cNvSpPr>
+            <a:spLocks noGrp="1"/>
+          </p:cNvSpPr>
+          <p:nvPr>
+            <p:ph type="body" idx="1"/>
+          </p:nvPr>
+        </p:nvSpPr>
+        <p:spPr/>
+        <p:txBody>
+          <a:bodyPr/>
+          <a:lstStyle/>
+          <a:p>
+            <a:endParaRPr lang="en-US" dirty="0"/>
+          </a:p>
+        </p:txBody>
+      </p:sp>
+      <p:sp>
+        <p:nvSpPr>
+          <p:cNvPr id="4" name="Slide Number Placeholder 3">
+            <a:extLst>
+              <a:ext uri="{FF2B5EF4-FFF2-40B4-BE49-F238E27FC236}">
+                <a16:creationId xmlns:a16="http://schemas.microsoft.com/office/drawing/2014/main" id="{1234B41F-9ED9-4DE3-5AF2-2EC108C1F71C}"/>
+              </a:ext>
+            </a:extLst>
+          </p:cNvPr>
+          <p:cNvSpPr>
+            <a:spLocks noGrp="1"/>
+          </p:cNvSpPr>
+          <p:nvPr>
+            <p:ph type="sldNum" sz="quarter" idx="5"/>
+          </p:nvPr>
+        </p:nvSpPr>
+        <p:spPr/>
+        <p:txBody>
+          <a:bodyPr/>
+          <a:lstStyle/>
+          <a:p>
+            <a:fld id="{05474E44-92FC-4A6B-B70E-C71180BCC9E7}" type="slidenum">
+              <a:rPr lang="en-US" smtClean="0"/>
+              <a:t>10</a:t>
+            </a:fld>
+            <a:endParaRPr lang="en-US"/>
+          </a:p>
+        </p:txBody>
+      </p:sp>
+    </p:spTree>
+    <p:extLst>
+      <p:ext uri="{BB962C8B-B14F-4D97-AF65-F5344CB8AC3E}">
+        <p14:creationId xmlns:p14="http://schemas.microsoft.com/office/powerpoint/2010/main" val="3431613214"/>
+      </p:ext>
+    </p:extLst>
+  </p:cSld>
+  <p:clrMapOvr>
+    <a:masterClrMapping/>
+  </p:clrMapOvr>
+</p:notes>
+</file>
+
+<file path=ppt/notesSlides/notesSlide11.xml><?xml version="1.0" encoding="utf-8"?>
+<p:notes xmlns:a="http://schemas.openxmlformats.org/drawingml/2006/main" xmlns:r="http://schemas.openxmlformats.org/officeDocument/2006/relationships" xmlns:p="http://schemas.openxmlformats.org/presentationml/2006/main">
+  <p:cSld>
+    <p:spTree>
+      <p:nvGrpSpPr>
         <p:cNvPr id="1" name=""/>
         <p:cNvGrpSpPr/>
         <p:nvPr/>
@@ -657,14 +778,15 @@
           <a:bodyPr/>
           <a:lstStyle/>
           <a:p>
-            <a:pPr marL="0" indent="0" algn="l" rtl="0" fontAlgn="base">
+            <a:pPr algn="l" rtl="0" fontAlgn="base">
               <a:lnSpc>
                 <a:spcPct val="100000"/>
               </a:lnSpc>
+              <a:buFont typeface="Arial" panose="020B0604020202020204" pitchFamily="34" charset="0"/>
               <a:buNone/>
             </a:pPr>
             <a:r>
-              <a:rPr lang="en-US" b="1" i="0" dirty="0">
+              <a:rPr lang="en-US" b="0" i="0" dirty="0">
                 <a:solidFill>
                   <a:srgbClr val="000000"/>
                 </a:solidFill>
@@ -672,7 +794,11 @@
                 <a:latin typeface="Arial"/>
                 <a:cs typeface="Arial"/>
               </a:rPr>
-              <a:t>Analysis Task:</a:t>
+              <a:t>Next step, we will explore multiple linear regression. </a:t>
+            </a:r>
+            <a:r>
+              <a:rPr lang="en-US" dirty="0"/>
+              <a:t>While simple linear regression involves one predictor variable, multiple linear regression allows us to include multiple explanatory variables to better understand and predict the response variable. In our example, we used Facebook ad spend to predict the number of sales. Multiple linear regression allows you to use more than one explanatory variable, which means we will use </a:t>
             </a:r>
             <a:r>
               <a:rPr lang="en-US" b="0" i="0" dirty="0">
@@ -683,18 +809,19 @@
                 <a:latin typeface="Arial"/>
                 <a:cs typeface="Arial"/>
               </a:rPr>
-              <a:t> </a:t>
-            </a:r>
-            <a:endParaRPr lang="en-US" dirty="0"/>
-          </a:p>
-          <a:p>
-            <a:pPr marL="493395" lvl="1" algn="l" rtl="0" fontAlgn="base">
+              <a:t>Facebook ad spend, Instagram ad spend, and discount rate to predict sales. Examining the calculations for R-squared, we can observe, R-squared increases with the multiple regression model. </a:t>
+            </a:r>
+          </a:p>
+          <a:p>
+            <a:pPr algn="l" rtl="0" fontAlgn="base">
               <a:lnSpc>
                 <a:spcPct val="100000"/>
               </a:lnSpc>
+              <a:buFont typeface="Arial" panose="020B0604020202020204" pitchFamily="34" charset="0"/>
+              <a:buNone/>
             </a:pPr>
             <a:r>
-              <a:rPr lang="en-US" sz="2000" b="0" i="0" dirty="0">
+              <a:rPr lang="en-US" b="0" i="0" dirty="0">
                 <a:solidFill>
                   <a:srgbClr val="000000"/>
                 </a:solidFill>
@@ -702,10 +829,19 @@
                 <a:latin typeface="Arial"/>
                 <a:cs typeface="Arial"/>
               </a:rPr>
-              <a:t>Use linear programming to optimize </a:t>
-            </a:r>
-            <a:r>
-              <a:rPr lang="en-US" sz="2000" b="0" i="0" dirty="0" err="1">
+              <a:t>R-squared Simple linear regression – 0.451</a:t>
+            </a:r>
+          </a:p>
+          <a:p>
+            <a:pPr algn="l" rtl="0" fontAlgn="base">
+              <a:lnSpc>
+                <a:spcPct val="100000"/>
+              </a:lnSpc>
+              <a:buFont typeface="Arial" panose="020B0604020202020204" pitchFamily="34" charset="0"/>
+              <a:buNone/>
+            </a:pPr>
+            <a:r>
+              <a:rPr lang="en-US" b="0" i="0" dirty="0">
                 <a:solidFill>
                   <a:srgbClr val="000000"/>
                 </a:solidFill>
@@ -713,10 +849,19 @@
                 <a:latin typeface="Arial"/>
                 <a:cs typeface="Arial"/>
               </a:rPr>
-              <a:t>TechGear’s</a:t>
-            </a:r>
-            <a:r>
-              <a:rPr lang="en-US" sz="2000" b="0" i="0" dirty="0">
+              <a:t>R-squared Multiple linear regression – 0.650</a:t>
+            </a:r>
+          </a:p>
+          <a:p>
+            <a:pPr algn="l" rtl="0" fontAlgn="base">
+              <a:lnSpc>
+                <a:spcPct val="100000"/>
+              </a:lnSpc>
+              <a:buFont typeface="Arial" panose="020B0604020202020204" pitchFamily="34" charset="0"/>
+              <a:buNone/>
+            </a:pPr>
+            <a:r>
+              <a:rPr lang="en-US" b="0" i="0" dirty="0">
                 <a:solidFill>
                   <a:srgbClr val="000000"/>
                 </a:solidFill>
@@ -724,17 +869,46 @@
                 <a:latin typeface="Arial"/>
                 <a:cs typeface="Arial"/>
               </a:rPr>
-              <a:t> monthly advertising budget allocation between Facebook and Instagram to maximize sales. </a:t>
-            </a:r>
-          </a:p>
-          <a:p>
-            <a:pPr marL="493395" lvl="1" algn="l" rtl="0" fontAlgn="base">
+              <a:t>This proves that including Instagram ad spend and discount rate improves the model’s predictive power.</a:t>
+            </a:r>
+          </a:p>
+          <a:p>
+            <a:pPr algn="l" rtl="0" fontAlgn="base">
               <a:lnSpc>
                 <a:spcPct val="100000"/>
               </a:lnSpc>
+              <a:buFont typeface="Arial" panose="020B0604020202020204" pitchFamily="34" charset="0"/>
+              <a:buNone/>
             </a:pPr>
-            <a:r>
-              <a:rPr lang="en-US" sz="2000" b="0" i="0" dirty="0">
+            <a:endParaRPr lang="en-US" b="0" i="0" dirty="0">
+              <a:solidFill>
+                <a:srgbClr val="000000"/>
+              </a:solidFill>
+              <a:effectLst/>
+              <a:latin typeface="Arial"/>
+              <a:cs typeface="Arial"/>
+            </a:endParaRPr>
+          </a:p>
+          <a:p>
+            <a:pPr marL="0" marR="0" lvl="0" indent="0" algn="l" defTabSz="914400" rtl="0" eaLnBrk="1" fontAlgn="base" latinLnBrk="0" hangingPunct="1">
+              <a:lnSpc>
+                <a:spcPct val="100000"/>
+              </a:lnSpc>
+              <a:spcBef>
+                <a:spcPts val="0"/>
+              </a:spcBef>
+              <a:spcAft>
+                <a:spcPts val="0"/>
+              </a:spcAft>
+              <a:buClrTx/>
+              <a:buSzTx/>
+              <a:buFont typeface="Arial" panose="020B0604020202020204" pitchFamily="34" charset="0"/>
+              <a:buNone/>
+              <a:tabLst/>
+              <a:defRPr/>
+            </a:pPr>
+            <a:r>
+              <a:rPr lang="en-US" b="0" i="0" dirty="0">
                 <a:solidFill>
                   <a:srgbClr val="000000"/>
                 </a:solidFill>
@@ -742,18 +916,10 @@
                 <a:latin typeface="Arial"/>
                 <a:cs typeface="Arial"/>
               </a:rPr>
-              <a:t>Ensure you meet all budget and constraint requirements. </a:t>
-            </a:r>
-          </a:p>
-          <a:p>
-            <a:pPr marL="0" indent="0" algn="l" rtl="0" fontAlgn="base">
-              <a:lnSpc>
-                <a:spcPct val="100000"/>
-              </a:lnSpc>
-              <a:buNone/>
-            </a:pPr>
-            <a:r>
-              <a:rPr lang="en-US" b="1" i="0" dirty="0">
+              <a:t>Using the regression output, the multiple linear regression model that predicted number of sales is given by </a:t>
+            </a:r>
+            <a:r>
+              <a:rPr lang="en-US" b="1" i="0" u="none" dirty="0">
                 <a:solidFill>
                   <a:srgbClr val="000000"/>
                 </a:solidFill>
@@ -761,7 +927,220 @@
                 <a:latin typeface="Arial"/>
                 <a:cs typeface="Arial"/>
               </a:rPr>
-              <a:t>Slide Content:</a:t>
+              <a:t>y = </a:t>
+            </a:r>
+            <a:r>
+              <a:rPr lang="en-US" sz="1200" b="1" i="0" u="none" kern="1200" dirty="0">
+                <a:solidFill>
+                  <a:schemeClr val="tx1"/>
+                </a:solidFill>
+                <a:effectLst/>
+                <a:latin typeface="+mn-lt"/>
+                <a:ea typeface="+mn-ea"/>
+                <a:cs typeface="+mn-cs"/>
+              </a:rPr>
+              <a:t>-1944.96 + 13.50 * x_1 + 15.60 * x_2 – 8.60 * x_3</a:t>
+            </a:r>
+          </a:p>
+        </p:txBody>
+      </p:sp>
+      <p:sp>
+        <p:nvSpPr>
+          <p:cNvPr id="4" name="Slide Number Placeholder 3"/>
+          <p:cNvSpPr>
+            <a:spLocks noGrp="1"/>
+          </p:cNvSpPr>
+          <p:nvPr>
+            <p:ph type="sldNum" sz="quarter" idx="5"/>
+          </p:nvPr>
+        </p:nvSpPr>
+        <p:spPr/>
+        <p:txBody>
+          <a:bodyPr/>
+          <a:lstStyle/>
+          <a:p>
+            <a:fld id="{05474E44-92FC-4A6B-B70E-C71180BCC9E7}" type="slidenum">
+              <a:rPr lang="en-US" smtClean="0"/>
+              <a:t>11</a:t>
+            </a:fld>
+            <a:endParaRPr lang="en-US"/>
+          </a:p>
+        </p:txBody>
+      </p:sp>
+    </p:spTree>
+    <p:extLst>
+      <p:ext uri="{BB962C8B-B14F-4D97-AF65-F5344CB8AC3E}">
+        <p14:creationId xmlns:p14="http://schemas.microsoft.com/office/powerpoint/2010/main" val="1278968685"/>
+      </p:ext>
+    </p:extLst>
+  </p:cSld>
+  <p:clrMapOvr>
+    <a:masterClrMapping/>
+  </p:clrMapOvr>
+</p:notes>
+</file>
+
+<file path=ppt/notesSlides/notesSlide12.xml><?xml version="1.0" encoding="utf-8"?>
+<p:notes xmlns:a="http://schemas.openxmlformats.org/drawingml/2006/main" xmlns:r="http://schemas.openxmlformats.org/officeDocument/2006/relationships" xmlns:p="http://schemas.openxmlformats.org/presentationml/2006/main">
+  <p:cSld>
+    <p:spTree>
+      <p:nvGrpSpPr>
+        <p:cNvPr id="1" name="">
+          <a:extLst>
+            <a:ext uri="{FF2B5EF4-FFF2-40B4-BE49-F238E27FC236}">
+              <a16:creationId xmlns:a16="http://schemas.microsoft.com/office/drawing/2014/main" id="{559B3D5F-68F4-46D3-38E8-FA585574B4D5}"/>
+            </a:ext>
+          </a:extLst>
+        </p:cNvPr>
+        <p:cNvGrpSpPr/>
+        <p:nvPr/>
+      </p:nvGrpSpPr>
+      <p:grpSpPr>
+        <a:xfrm>
+          <a:off x="0" y="0"/>
+          <a:ext cx="0" cy="0"/>
+          <a:chOff x="0" y="0"/>
+          <a:chExt cx="0" cy="0"/>
+        </a:xfrm>
+      </p:grpSpPr>
+      <p:sp>
+        <p:nvSpPr>
+          <p:cNvPr id="2" name="Slide Image Placeholder 1">
+            <a:extLst>
+              <a:ext uri="{FF2B5EF4-FFF2-40B4-BE49-F238E27FC236}">
+                <a16:creationId xmlns:a16="http://schemas.microsoft.com/office/drawing/2014/main" id="{E7A62310-E1AF-3835-B70C-648E0BF7F921}"/>
+              </a:ext>
+            </a:extLst>
+          </p:cNvPr>
+          <p:cNvSpPr>
+            <a:spLocks noGrp="1" noRot="1" noChangeAspect="1"/>
+          </p:cNvSpPr>
+          <p:nvPr>
+            <p:ph type="sldImg"/>
+          </p:nvPr>
+        </p:nvSpPr>
+        <p:spPr/>
+      </p:sp>
+      <p:sp>
+        <p:nvSpPr>
+          <p:cNvPr id="3" name="Notes Placeholder 2">
+            <a:extLst>
+              <a:ext uri="{FF2B5EF4-FFF2-40B4-BE49-F238E27FC236}">
+                <a16:creationId xmlns:a16="http://schemas.microsoft.com/office/drawing/2014/main" id="{45A2BA13-AD16-E939-2824-74D3BCE29F16}"/>
+              </a:ext>
+            </a:extLst>
+          </p:cNvPr>
+          <p:cNvSpPr>
+            <a:spLocks noGrp="1"/>
+          </p:cNvSpPr>
+          <p:nvPr>
+            <p:ph type="body" idx="1"/>
+          </p:nvPr>
+        </p:nvSpPr>
+        <p:spPr/>
+        <p:txBody>
+          <a:bodyPr/>
+          <a:lstStyle/>
+          <a:p>
+            <a:endParaRPr lang="en-US" dirty="0"/>
+          </a:p>
+        </p:txBody>
+      </p:sp>
+      <p:sp>
+        <p:nvSpPr>
+          <p:cNvPr id="4" name="Slide Number Placeholder 3">
+            <a:extLst>
+              <a:ext uri="{FF2B5EF4-FFF2-40B4-BE49-F238E27FC236}">
+                <a16:creationId xmlns:a16="http://schemas.microsoft.com/office/drawing/2014/main" id="{FABBC5B1-1EF5-0758-2021-D5BF2F496354}"/>
+              </a:ext>
+            </a:extLst>
+          </p:cNvPr>
+          <p:cNvSpPr>
+            <a:spLocks noGrp="1"/>
+          </p:cNvSpPr>
+          <p:nvPr>
+            <p:ph type="sldNum" sz="quarter" idx="5"/>
+          </p:nvPr>
+        </p:nvSpPr>
+        <p:spPr/>
+        <p:txBody>
+          <a:bodyPr/>
+          <a:lstStyle/>
+          <a:p>
+            <a:fld id="{05474E44-92FC-4A6B-B70E-C71180BCC9E7}" type="slidenum">
+              <a:rPr lang="en-US" smtClean="0"/>
+              <a:t>12</a:t>
+            </a:fld>
+            <a:endParaRPr lang="en-US"/>
+          </a:p>
+        </p:txBody>
+      </p:sp>
+    </p:spTree>
+    <p:extLst>
+      <p:ext uri="{BB962C8B-B14F-4D97-AF65-F5344CB8AC3E}">
+        <p14:creationId xmlns:p14="http://schemas.microsoft.com/office/powerpoint/2010/main" val="4019790490"/>
+      </p:ext>
+    </p:extLst>
+  </p:cSld>
+  <p:clrMapOvr>
+    <a:masterClrMapping/>
+  </p:clrMapOvr>
+</p:notes>
+</file>
+
+<file path=ppt/notesSlides/notesSlide13.xml><?xml version="1.0" encoding="utf-8"?>
+<p:notes xmlns:a="http://schemas.openxmlformats.org/drawingml/2006/main" xmlns:r="http://schemas.openxmlformats.org/officeDocument/2006/relationships" xmlns:p="http://schemas.openxmlformats.org/presentationml/2006/main">
+  <p:cSld>
+    <p:spTree>
+      <p:nvGrpSpPr>
+        <p:cNvPr id="1" name=""/>
+        <p:cNvGrpSpPr/>
+        <p:nvPr/>
+      </p:nvGrpSpPr>
+      <p:grpSpPr>
+        <a:xfrm>
+          <a:off x="0" y="0"/>
+          <a:ext cx="0" cy="0"/>
+          <a:chOff x="0" y="0"/>
+          <a:chExt cx="0" cy="0"/>
+        </a:xfrm>
+      </p:grpSpPr>
+      <p:sp>
+        <p:nvSpPr>
+          <p:cNvPr id="2" name="Slide Image Placeholder 1"/>
+          <p:cNvSpPr>
+            <a:spLocks noGrp="1" noRot="1" noChangeAspect="1"/>
+          </p:cNvSpPr>
+          <p:nvPr>
+            <p:ph type="sldImg"/>
+          </p:nvPr>
+        </p:nvSpPr>
+        <p:spPr/>
+      </p:sp>
+      <p:sp>
+        <p:nvSpPr>
+          <p:cNvPr id="3" name="Notes Placeholder 2"/>
+          <p:cNvSpPr>
+            <a:spLocks noGrp="1"/>
+          </p:cNvSpPr>
+          <p:nvPr>
+            <p:ph type="body" idx="1"/>
+          </p:nvPr>
+        </p:nvSpPr>
+        <p:spPr/>
+        <p:txBody>
+          <a:bodyPr/>
+          <a:lstStyle/>
+          <a:p>
+            <a:r>
+              <a:rPr lang="en-US" dirty="0"/>
+              <a:t>In our analysis we will use two  forecasting methods: “3-month moving average” and “An exponential smoothing”.</a:t>
+            </a:r>
+          </a:p>
+          <a:p>
+            <a:r>
+              <a:rPr lang="en-US" dirty="0"/>
+              <a:t>“3-month moving average” helps smooth out short-term fluctuations in data to see the overall pattern. In our example we decided to take 3-month window size. A table on the left shows the forecasted values based on the 3-month moving averages. And as we calculated that the </a:t>
             </a:r>
             <a:r>
               <a:rPr lang="en-US" b="0" i="0" dirty="0">
@@ -772,24 +1151,33 @@
                 <a:latin typeface="Arial"/>
                 <a:cs typeface="Arial"/>
               </a:rPr>
-              <a:t> </a:t>
-            </a:r>
-            <a:endParaRPr lang="en-US" dirty="0">
-              <a:solidFill>
-                <a:srgbClr val="000000"/>
-              </a:solidFill>
-              <a:latin typeface="Arial"/>
-              <a:cs typeface="Arial"/>
-            </a:endParaRPr>
-          </a:p>
-          <a:p>
-            <a:pPr marL="493395" lvl="1" algn="l" rtl="0" fontAlgn="base">
+              <a:t>3-month moving average forecast for January 2025 equals 6059 Sales.</a:t>
+            </a:r>
+          </a:p>
+          <a:p>
+            <a:pPr marL="0" marR="0" lvl="0" indent="0" algn="l" defTabSz="914400" rtl="0" eaLnBrk="1" fontAlgn="auto" latinLnBrk="0" hangingPunct="1">
               <a:lnSpc>
                 <a:spcPct val="100000"/>
               </a:lnSpc>
+              <a:spcBef>
+                <a:spcPts val="0"/>
+              </a:spcBef>
+              <a:spcAft>
+                <a:spcPts val="0"/>
+              </a:spcAft>
+              <a:buClrTx/>
+              <a:buSzTx/>
+              <a:buFontTx/>
+              <a:buNone/>
+              <a:tabLst/>
+              <a:defRPr/>
             </a:pPr>
             <a:r>
-              <a:rPr lang="en-US" sz="2000" b="0" i="0" dirty="0">
+              <a:rPr lang="en-US" dirty="0"/>
+              <a:t>“An exponential smoothing” predicts future data points by giving more weight to recent data while still considering older data. In our calculations we use a smoothing parameter of 0.08. The column “An exponential smoothing” shows the forecasts for sales data.  And as we calculated that an exponential smoothing</a:t>
+            </a:r>
+            <a:r>
+              <a:rPr lang="en-US" b="0" i="0" dirty="0">
                 <a:solidFill>
                   <a:srgbClr val="000000"/>
                 </a:solidFill>
@@ -797,18 +1185,331 @@
                 <a:latin typeface="Arial"/>
                 <a:cs typeface="Arial"/>
               </a:rPr>
-              <a:t>Optimal budget allocation and maximum sales result. </a:t>
-            </a:r>
-          </a:p>
-          <a:p>
-            <a:pPr marL="0" indent="0" algn="l" rtl="0" fontAlgn="base">
+              <a:t> forecast for January 2025 equals 6032 Sales.</a:t>
+            </a:r>
+          </a:p>
+        </p:txBody>
+      </p:sp>
+      <p:sp>
+        <p:nvSpPr>
+          <p:cNvPr id="4" name="Slide Number Placeholder 3"/>
+          <p:cNvSpPr>
+            <a:spLocks noGrp="1"/>
+          </p:cNvSpPr>
+          <p:nvPr>
+            <p:ph type="sldNum" sz="quarter" idx="5"/>
+          </p:nvPr>
+        </p:nvSpPr>
+        <p:spPr/>
+        <p:txBody>
+          <a:bodyPr/>
+          <a:lstStyle/>
+          <a:p>
+            <a:fld id="{05474E44-92FC-4A6B-B70E-C71180BCC9E7}" type="slidenum">
+              <a:rPr lang="en-US" smtClean="0"/>
+              <a:t>13</a:t>
+            </a:fld>
+            <a:endParaRPr lang="en-US"/>
+          </a:p>
+        </p:txBody>
+      </p:sp>
+    </p:spTree>
+    <p:extLst>
+      <p:ext uri="{BB962C8B-B14F-4D97-AF65-F5344CB8AC3E}">
+        <p14:creationId xmlns:p14="http://schemas.microsoft.com/office/powerpoint/2010/main" val="3837034738"/>
+      </p:ext>
+    </p:extLst>
+  </p:cSld>
+  <p:clrMapOvr>
+    <a:masterClrMapping/>
+  </p:clrMapOvr>
+</p:notes>
+</file>
+
+<file path=ppt/notesSlides/notesSlide14.xml><?xml version="1.0" encoding="utf-8"?>
+<p:notes xmlns:a="http://schemas.openxmlformats.org/drawingml/2006/main" xmlns:r="http://schemas.openxmlformats.org/officeDocument/2006/relationships" xmlns:p="http://schemas.openxmlformats.org/presentationml/2006/main">
+  <p:cSld>
+    <p:spTree>
+      <p:nvGrpSpPr>
+        <p:cNvPr id="1" name="">
+          <a:extLst>
+            <a:ext uri="{FF2B5EF4-FFF2-40B4-BE49-F238E27FC236}">
+              <a16:creationId xmlns:a16="http://schemas.microsoft.com/office/drawing/2014/main" id="{0C05DD2B-F373-9B03-B341-932C0C06E5F3}"/>
+            </a:ext>
+          </a:extLst>
+        </p:cNvPr>
+        <p:cNvGrpSpPr/>
+        <p:nvPr/>
+      </p:nvGrpSpPr>
+      <p:grpSpPr>
+        <a:xfrm>
+          <a:off x="0" y="0"/>
+          <a:ext cx="0" cy="0"/>
+          <a:chOff x="0" y="0"/>
+          <a:chExt cx="0" cy="0"/>
+        </a:xfrm>
+      </p:grpSpPr>
+      <p:sp>
+        <p:nvSpPr>
+          <p:cNvPr id="2" name="Slide Image Placeholder 1">
+            <a:extLst>
+              <a:ext uri="{FF2B5EF4-FFF2-40B4-BE49-F238E27FC236}">
+                <a16:creationId xmlns:a16="http://schemas.microsoft.com/office/drawing/2014/main" id="{29686925-B2EF-AFC1-4B7B-3DA41FCBF56F}"/>
+              </a:ext>
+            </a:extLst>
+          </p:cNvPr>
+          <p:cNvSpPr>
+            <a:spLocks noGrp="1" noRot="1" noChangeAspect="1"/>
+          </p:cNvSpPr>
+          <p:nvPr>
+            <p:ph type="sldImg"/>
+          </p:nvPr>
+        </p:nvSpPr>
+        <p:spPr/>
+      </p:sp>
+      <p:sp>
+        <p:nvSpPr>
+          <p:cNvPr id="3" name="Notes Placeholder 2">
+            <a:extLst>
+              <a:ext uri="{FF2B5EF4-FFF2-40B4-BE49-F238E27FC236}">
+                <a16:creationId xmlns:a16="http://schemas.microsoft.com/office/drawing/2014/main" id="{A204C74D-D004-63A2-CB4F-BB9EF30F229F}"/>
+              </a:ext>
+            </a:extLst>
+          </p:cNvPr>
+          <p:cNvSpPr>
+            <a:spLocks noGrp="1"/>
+          </p:cNvSpPr>
+          <p:nvPr>
+            <p:ph type="body" idx="1"/>
+          </p:nvPr>
+        </p:nvSpPr>
+        <p:spPr/>
+        <p:txBody>
+          <a:bodyPr/>
+          <a:lstStyle/>
+          <a:p>
+            <a:endParaRPr lang="en-US" dirty="0"/>
+          </a:p>
+        </p:txBody>
+      </p:sp>
+      <p:sp>
+        <p:nvSpPr>
+          <p:cNvPr id="4" name="Slide Number Placeholder 3">
+            <a:extLst>
+              <a:ext uri="{FF2B5EF4-FFF2-40B4-BE49-F238E27FC236}">
+                <a16:creationId xmlns:a16="http://schemas.microsoft.com/office/drawing/2014/main" id="{0CD0436B-C252-C6FC-0475-2F4D0CAED08C}"/>
+              </a:ext>
+            </a:extLst>
+          </p:cNvPr>
+          <p:cNvSpPr>
+            <a:spLocks noGrp="1"/>
+          </p:cNvSpPr>
+          <p:nvPr>
+            <p:ph type="sldNum" sz="quarter" idx="5"/>
+          </p:nvPr>
+        </p:nvSpPr>
+        <p:spPr/>
+        <p:txBody>
+          <a:bodyPr/>
+          <a:lstStyle/>
+          <a:p>
+            <a:fld id="{05474E44-92FC-4A6B-B70E-C71180BCC9E7}" type="slidenum">
+              <a:rPr lang="en-US" smtClean="0"/>
+              <a:t>14</a:t>
+            </a:fld>
+            <a:endParaRPr lang="en-US"/>
+          </a:p>
+        </p:txBody>
+      </p:sp>
+    </p:spTree>
+    <p:extLst>
+      <p:ext uri="{BB962C8B-B14F-4D97-AF65-F5344CB8AC3E}">
+        <p14:creationId xmlns:p14="http://schemas.microsoft.com/office/powerpoint/2010/main" val="2493483964"/>
+      </p:ext>
+    </p:extLst>
+  </p:cSld>
+  <p:clrMapOvr>
+    <a:masterClrMapping/>
+  </p:clrMapOvr>
+</p:notes>
+</file>
+
+<file path=ppt/notesSlides/notesSlide15.xml><?xml version="1.0" encoding="utf-8"?>
+<p:notes xmlns:a="http://schemas.openxmlformats.org/drawingml/2006/main" xmlns:r="http://schemas.openxmlformats.org/officeDocument/2006/relationships" xmlns:p="http://schemas.openxmlformats.org/presentationml/2006/main">
+  <p:cSld>
+    <p:spTree>
+      <p:nvGrpSpPr>
+        <p:cNvPr id="1" name="">
+          <a:extLst>
+            <a:ext uri="{FF2B5EF4-FFF2-40B4-BE49-F238E27FC236}">
+              <a16:creationId xmlns:a16="http://schemas.microsoft.com/office/drawing/2014/main" id="{4DA9C026-C0F0-E2BB-5722-8063B8A54549}"/>
+            </a:ext>
+          </a:extLst>
+        </p:cNvPr>
+        <p:cNvGrpSpPr/>
+        <p:nvPr/>
+      </p:nvGrpSpPr>
+      <p:grpSpPr>
+        <a:xfrm>
+          <a:off x="0" y="0"/>
+          <a:ext cx="0" cy="0"/>
+          <a:chOff x="0" y="0"/>
+          <a:chExt cx="0" cy="0"/>
+        </a:xfrm>
+      </p:grpSpPr>
+      <p:sp>
+        <p:nvSpPr>
+          <p:cNvPr id="2" name="Slide Image Placeholder 1">
+            <a:extLst>
+              <a:ext uri="{FF2B5EF4-FFF2-40B4-BE49-F238E27FC236}">
+                <a16:creationId xmlns:a16="http://schemas.microsoft.com/office/drawing/2014/main" id="{FC4C5244-D545-678F-3DF7-DE80B02B7BEA}"/>
+              </a:ext>
+            </a:extLst>
+          </p:cNvPr>
+          <p:cNvSpPr>
+            <a:spLocks noGrp="1" noRot="1" noChangeAspect="1"/>
+          </p:cNvSpPr>
+          <p:nvPr>
+            <p:ph type="sldImg"/>
+          </p:nvPr>
+        </p:nvSpPr>
+        <p:spPr/>
+      </p:sp>
+      <p:sp>
+        <p:nvSpPr>
+          <p:cNvPr id="3" name="Notes Placeholder 2">
+            <a:extLst>
+              <a:ext uri="{FF2B5EF4-FFF2-40B4-BE49-F238E27FC236}">
+                <a16:creationId xmlns:a16="http://schemas.microsoft.com/office/drawing/2014/main" id="{5C2FA4E0-D207-17B2-AB44-81A09FE820A8}"/>
+              </a:ext>
+            </a:extLst>
+          </p:cNvPr>
+          <p:cNvSpPr>
+            <a:spLocks noGrp="1"/>
+          </p:cNvSpPr>
+          <p:nvPr>
+            <p:ph type="body" idx="1"/>
+          </p:nvPr>
+        </p:nvSpPr>
+        <p:spPr/>
+        <p:txBody>
+          <a:bodyPr/>
+          <a:lstStyle/>
+          <a:p>
+            <a:endParaRPr lang="en-US" dirty="0"/>
+          </a:p>
+        </p:txBody>
+      </p:sp>
+      <p:sp>
+        <p:nvSpPr>
+          <p:cNvPr id="4" name="Slide Number Placeholder 3">
+            <a:extLst>
+              <a:ext uri="{FF2B5EF4-FFF2-40B4-BE49-F238E27FC236}">
+                <a16:creationId xmlns:a16="http://schemas.microsoft.com/office/drawing/2014/main" id="{18AA6A92-5A24-9763-9FFC-BDFAA9CCFCD5}"/>
+              </a:ext>
+            </a:extLst>
+          </p:cNvPr>
+          <p:cNvSpPr>
+            <a:spLocks noGrp="1"/>
+          </p:cNvSpPr>
+          <p:nvPr>
+            <p:ph type="sldNum" sz="quarter" idx="5"/>
+          </p:nvPr>
+        </p:nvSpPr>
+        <p:spPr/>
+        <p:txBody>
+          <a:bodyPr/>
+          <a:lstStyle/>
+          <a:p>
+            <a:fld id="{05474E44-92FC-4A6B-B70E-C71180BCC9E7}" type="slidenum">
+              <a:rPr lang="en-US" smtClean="0"/>
+              <a:t>15</a:t>
+            </a:fld>
+            <a:endParaRPr lang="en-US"/>
+          </a:p>
+        </p:txBody>
+      </p:sp>
+    </p:spTree>
+    <p:extLst>
+      <p:ext uri="{BB962C8B-B14F-4D97-AF65-F5344CB8AC3E}">
+        <p14:creationId xmlns:p14="http://schemas.microsoft.com/office/powerpoint/2010/main" val="2202869988"/>
+      </p:ext>
+    </p:extLst>
+  </p:cSld>
+  <p:clrMapOvr>
+    <a:masterClrMapping/>
+  </p:clrMapOvr>
+</p:notes>
+</file>
+
+<file path=ppt/notesSlides/notesSlide16.xml><?xml version="1.0" encoding="utf-8"?>
+<p:notes xmlns:a="http://schemas.openxmlformats.org/drawingml/2006/main" xmlns:r="http://schemas.openxmlformats.org/officeDocument/2006/relationships" xmlns:p="http://schemas.openxmlformats.org/presentationml/2006/main">
+  <p:cSld>
+    <p:spTree>
+      <p:nvGrpSpPr>
+        <p:cNvPr id="1" name=""/>
+        <p:cNvGrpSpPr/>
+        <p:nvPr/>
+      </p:nvGrpSpPr>
+      <p:grpSpPr>
+        <a:xfrm>
+          <a:off x="0" y="0"/>
+          <a:ext cx="0" cy="0"/>
+          <a:chOff x="0" y="0"/>
+          <a:chExt cx="0" cy="0"/>
+        </a:xfrm>
+      </p:grpSpPr>
+      <p:sp>
+        <p:nvSpPr>
+          <p:cNvPr id="2" name="Slide Image Placeholder 1"/>
+          <p:cNvSpPr>
+            <a:spLocks noGrp="1" noRot="1" noChangeAspect="1"/>
+          </p:cNvSpPr>
+          <p:nvPr>
+            <p:ph type="sldImg"/>
+          </p:nvPr>
+        </p:nvSpPr>
+        <p:spPr/>
+      </p:sp>
+      <p:sp>
+        <p:nvSpPr>
+          <p:cNvPr id="3" name="Notes Placeholder 2"/>
+          <p:cNvSpPr>
+            <a:spLocks noGrp="1"/>
+          </p:cNvSpPr>
+          <p:nvPr>
+            <p:ph type="body" idx="1"/>
+          </p:nvPr>
+        </p:nvSpPr>
+        <p:spPr/>
+        <p:txBody>
+          <a:bodyPr/>
+          <a:lstStyle/>
+          <a:p>
+            <a:pPr algn="l" rtl="0" fontAlgn="base">
               <a:lnSpc>
                 <a:spcPct val="100000"/>
               </a:lnSpc>
+              <a:buFont typeface="Arial" panose="020B0604020202020204" pitchFamily="34" charset="0"/>
               <a:buNone/>
             </a:pPr>
             <a:r>
-              <a:rPr lang="en-US" b="1" i="0" dirty="0">
+              <a:rPr lang="en-US" dirty="0"/>
+              <a:t>In this step, we </a:t>
+            </a:r>
+            <a:r>
+              <a:rPr lang="en-US" sz="1200" dirty="0">
+                <a:latin typeface="Arial"/>
+                <a:cs typeface="Arial"/>
+              </a:rPr>
+              <a:t>build a multiple linear regression model using 5-fold cross-validation to </a:t>
+            </a:r>
+            <a:r>
+              <a:rPr lang="en-US" dirty="0"/>
+              <a:t>model the relationship between a target variable and a set of features. In our model, the target variable is sales, and the features are </a:t>
+            </a:r>
+            <a:r>
+              <a:rPr lang="en-US" b="0" i="0" dirty="0">
                 <a:solidFill>
                   <a:srgbClr val="000000"/>
                 </a:solidFill>
@@ -816,8 +1517,17 @@
                 <a:latin typeface="Arial"/>
                 <a:cs typeface="Arial"/>
               </a:rPr>
-              <a:t>Speaker Notes:</a:t>
-            </a:r>
+              <a:t>Facebook ad spend, Instagram ad spend, and discount rate. We calculated Root Mean Square Error (RMSE) to represent how far, on average, the model’s predictions are from the actual values.</a:t>
+            </a:r>
+          </a:p>
+          <a:p>
+            <a:pPr algn="l" rtl="0" fontAlgn="base">
+              <a:lnSpc>
+                <a:spcPct val="100000"/>
+              </a:lnSpc>
+              <a:buFont typeface="Arial" panose="020B0604020202020204" pitchFamily="34" charset="0"/>
+              <a:buNone/>
+            </a:pPr>
             <a:r>
               <a:rPr lang="en-US" b="0" i="0" dirty="0">
                 <a:solidFill>
@@ -827,54 +1537,597 @@
                 <a:latin typeface="Arial"/>
                 <a:cs typeface="Arial"/>
               </a:rPr>
-              <a:t> </a:t>
-            </a:r>
-            <a:endParaRPr lang="en-US" dirty="0">
+              <a:t>RMSE value of 626 sales indicates the average deviation of the predicted sales from the actual sales, the model’s predictions are off by 626 sales. This level of accuracy might be acceptable depending on the company’s tolerance for prediction discrepancies.</a:t>
+            </a:r>
+          </a:p>
+          <a:p>
+            <a:pPr algn="l" rtl="0" fontAlgn="base">
+              <a:lnSpc>
+                <a:spcPct val="100000"/>
+              </a:lnSpc>
+              <a:buFont typeface="Arial" panose="020B0604020202020204" pitchFamily="34" charset="0"/>
+              <a:buNone/>
+            </a:pPr>
+            <a:endParaRPr lang="en-US" b="0" i="0" dirty="0">
               <a:solidFill>
                 <a:srgbClr val="000000"/>
               </a:solidFill>
+              <a:effectLst/>
               <a:latin typeface="Arial"/>
               <a:cs typeface="Arial"/>
             </a:endParaRPr>
           </a:p>
           <a:p>
-            <a:pPr marL="493395" lvl="1" algn="l" rtl="0" fontAlgn="base">
+            <a:pPr algn="l" rtl="0" fontAlgn="base">
               <a:lnSpc>
                 <a:spcPct val="100000"/>
               </a:lnSpc>
+              <a:buFont typeface="Arial" panose="020B0604020202020204" pitchFamily="34" charset="0"/>
+              <a:buNone/>
             </a:pPr>
             <a:r>
-              <a:rPr lang="en-US" sz="2000" b="0" i="0" dirty="0">
+              <a:rPr lang="en-US" sz="1200" b="0" i="0" kern="1200" dirty="0">
+                <a:solidFill>
+                  <a:schemeClr val="tx1"/>
+                </a:solidFill>
+                <a:effectLst/>
+                <a:latin typeface="+mn-lt"/>
+                <a:ea typeface="+mn-ea"/>
+                <a:cs typeface="+mn-cs"/>
+              </a:rPr>
+              <a:t>After evaluating both the multiple linear regression model and the decision tree model using 5-fold cross validation, it is observed that the multiple linear regression model has an average RMSE of 626 points, while the decision tree model has an average RMSE of 911 points. This indicates that the multiple linear regression model provides more accurate predictions with lower error compared to the decision tree model for this particular data set. Therefore, we will recommend using the multiple linear regression model for predicting the target variable - Sales, as it demonstrates better performance in our case. However, the company needs to continue monitoring and potential model improvements are always advisable.</a:t>
+            </a:r>
+            <a:endParaRPr lang="en-US" dirty="0"/>
+          </a:p>
+          <a:p>
+            <a:endParaRPr lang="en-US" dirty="0"/>
+          </a:p>
+        </p:txBody>
+      </p:sp>
+      <p:sp>
+        <p:nvSpPr>
+          <p:cNvPr id="4" name="Slide Number Placeholder 3"/>
+          <p:cNvSpPr>
+            <a:spLocks noGrp="1"/>
+          </p:cNvSpPr>
+          <p:nvPr>
+            <p:ph type="sldNum" sz="quarter" idx="5"/>
+          </p:nvPr>
+        </p:nvSpPr>
+        <p:spPr/>
+        <p:txBody>
+          <a:bodyPr/>
+          <a:lstStyle/>
+          <a:p>
+            <a:fld id="{05474E44-92FC-4A6B-B70E-C71180BCC9E7}" type="slidenum">
+              <a:rPr lang="en-US" smtClean="0"/>
+              <a:t>16</a:t>
+            </a:fld>
+            <a:endParaRPr lang="en-US"/>
+          </a:p>
+        </p:txBody>
+      </p:sp>
+    </p:spTree>
+    <p:extLst>
+      <p:ext uri="{BB962C8B-B14F-4D97-AF65-F5344CB8AC3E}">
+        <p14:creationId xmlns:p14="http://schemas.microsoft.com/office/powerpoint/2010/main" val="1258461964"/>
+      </p:ext>
+    </p:extLst>
+  </p:cSld>
+  <p:clrMapOvr>
+    <a:masterClrMapping/>
+  </p:clrMapOvr>
+</p:notes>
+</file>
+
+<file path=ppt/notesSlides/notesSlide17.xml><?xml version="1.0" encoding="utf-8"?>
+<p:notes xmlns:a="http://schemas.openxmlformats.org/drawingml/2006/main" xmlns:r="http://schemas.openxmlformats.org/officeDocument/2006/relationships" xmlns:p="http://schemas.openxmlformats.org/presentationml/2006/main">
+  <p:cSld>
+    <p:spTree>
+      <p:nvGrpSpPr>
+        <p:cNvPr id="1" name="">
+          <a:extLst>
+            <a:ext uri="{FF2B5EF4-FFF2-40B4-BE49-F238E27FC236}">
+              <a16:creationId xmlns:a16="http://schemas.microsoft.com/office/drawing/2014/main" id="{64F24697-335C-2162-41B1-F4D8681A12D8}"/>
+            </a:ext>
+          </a:extLst>
+        </p:cNvPr>
+        <p:cNvGrpSpPr/>
+        <p:nvPr/>
+      </p:nvGrpSpPr>
+      <p:grpSpPr>
+        <a:xfrm>
+          <a:off x="0" y="0"/>
+          <a:ext cx="0" cy="0"/>
+          <a:chOff x="0" y="0"/>
+          <a:chExt cx="0" cy="0"/>
+        </a:xfrm>
+      </p:grpSpPr>
+      <p:sp>
+        <p:nvSpPr>
+          <p:cNvPr id="2" name="Slide Image Placeholder 1">
+            <a:extLst>
+              <a:ext uri="{FF2B5EF4-FFF2-40B4-BE49-F238E27FC236}">
+                <a16:creationId xmlns:a16="http://schemas.microsoft.com/office/drawing/2014/main" id="{8F8100B9-6405-4C3C-997A-647BB8C1E5EC}"/>
+              </a:ext>
+            </a:extLst>
+          </p:cNvPr>
+          <p:cNvSpPr>
+            <a:spLocks noGrp="1" noRot="1" noChangeAspect="1"/>
+          </p:cNvSpPr>
+          <p:nvPr>
+            <p:ph type="sldImg"/>
+          </p:nvPr>
+        </p:nvSpPr>
+        <p:spPr/>
+      </p:sp>
+      <p:sp>
+        <p:nvSpPr>
+          <p:cNvPr id="3" name="Notes Placeholder 2">
+            <a:extLst>
+              <a:ext uri="{FF2B5EF4-FFF2-40B4-BE49-F238E27FC236}">
+                <a16:creationId xmlns:a16="http://schemas.microsoft.com/office/drawing/2014/main" id="{44B43531-68C1-C0FD-64F5-88F7F3184283}"/>
+              </a:ext>
+            </a:extLst>
+          </p:cNvPr>
+          <p:cNvSpPr>
+            <a:spLocks noGrp="1"/>
+          </p:cNvSpPr>
+          <p:nvPr>
+            <p:ph type="body" idx="1"/>
+          </p:nvPr>
+        </p:nvSpPr>
+        <p:spPr/>
+        <p:txBody>
+          <a:bodyPr/>
+          <a:lstStyle/>
+          <a:p>
+            <a:endParaRPr lang="en-US" dirty="0"/>
+          </a:p>
+        </p:txBody>
+      </p:sp>
+      <p:sp>
+        <p:nvSpPr>
+          <p:cNvPr id="4" name="Slide Number Placeholder 3">
+            <a:extLst>
+              <a:ext uri="{FF2B5EF4-FFF2-40B4-BE49-F238E27FC236}">
+                <a16:creationId xmlns:a16="http://schemas.microsoft.com/office/drawing/2014/main" id="{91168F8A-3670-A8FB-05C1-672EF820C5D2}"/>
+              </a:ext>
+            </a:extLst>
+          </p:cNvPr>
+          <p:cNvSpPr>
+            <a:spLocks noGrp="1"/>
+          </p:cNvSpPr>
+          <p:nvPr>
+            <p:ph type="sldNum" sz="quarter" idx="5"/>
+          </p:nvPr>
+        </p:nvSpPr>
+        <p:spPr/>
+        <p:txBody>
+          <a:bodyPr/>
+          <a:lstStyle/>
+          <a:p>
+            <a:fld id="{05474E44-92FC-4A6B-B70E-C71180BCC9E7}" type="slidenum">
+              <a:rPr lang="en-US" smtClean="0"/>
+              <a:t>17</a:t>
+            </a:fld>
+            <a:endParaRPr lang="en-US"/>
+          </a:p>
+        </p:txBody>
+      </p:sp>
+    </p:spTree>
+    <p:extLst>
+      <p:ext uri="{BB962C8B-B14F-4D97-AF65-F5344CB8AC3E}">
+        <p14:creationId xmlns:p14="http://schemas.microsoft.com/office/powerpoint/2010/main" val="3864456332"/>
+      </p:ext>
+    </p:extLst>
+  </p:cSld>
+  <p:clrMapOvr>
+    <a:masterClrMapping/>
+  </p:clrMapOvr>
+</p:notes>
+</file>
+
+<file path=ppt/notesSlides/notesSlide18.xml><?xml version="1.0" encoding="utf-8"?>
+<p:notes xmlns:a="http://schemas.openxmlformats.org/drawingml/2006/main" xmlns:r="http://schemas.openxmlformats.org/officeDocument/2006/relationships" xmlns:p="http://schemas.openxmlformats.org/presentationml/2006/main">
+  <p:cSld>
+    <p:spTree>
+      <p:nvGrpSpPr>
+        <p:cNvPr id="1" name="">
+          <a:extLst>
+            <a:ext uri="{FF2B5EF4-FFF2-40B4-BE49-F238E27FC236}">
+              <a16:creationId xmlns:a16="http://schemas.microsoft.com/office/drawing/2014/main" id="{08DC5873-56C4-CF95-0D5C-4E9C598CD539}"/>
+            </a:ext>
+          </a:extLst>
+        </p:cNvPr>
+        <p:cNvGrpSpPr/>
+        <p:nvPr/>
+      </p:nvGrpSpPr>
+      <p:grpSpPr>
+        <a:xfrm>
+          <a:off x="0" y="0"/>
+          <a:ext cx="0" cy="0"/>
+          <a:chOff x="0" y="0"/>
+          <a:chExt cx="0" cy="0"/>
+        </a:xfrm>
+      </p:grpSpPr>
+      <p:sp>
+        <p:nvSpPr>
+          <p:cNvPr id="2" name="Slide Image Placeholder 1">
+            <a:extLst>
+              <a:ext uri="{FF2B5EF4-FFF2-40B4-BE49-F238E27FC236}">
+                <a16:creationId xmlns:a16="http://schemas.microsoft.com/office/drawing/2014/main" id="{9DB6B1B4-9040-AA6E-5555-014AE3CFC5C8}"/>
+              </a:ext>
+            </a:extLst>
+          </p:cNvPr>
+          <p:cNvSpPr>
+            <a:spLocks noGrp="1" noRot="1" noChangeAspect="1"/>
+          </p:cNvSpPr>
+          <p:nvPr>
+            <p:ph type="sldImg"/>
+          </p:nvPr>
+        </p:nvSpPr>
+        <p:spPr/>
+      </p:sp>
+      <p:sp>
+        <p:nvSpPr>
+          <p:cNvPr id="3" name="Notes Placeholder 2">
+            <a:extLst>
+              <a:ext uri="{FF2B5EF4-FFF2-40B4-BE49-F238E27FC236}">
+                <a16:creationId xmlns:a16="http://schemas.microsoft.com/office/drawing/2014/main" id="{22F706BD-E368-30ED-77E3-84754B01C7D1}"/>
+              </a:ext>
+            </a:extLst>
+          </p:cNvPr>
+          <p:cNvSpPr>
+            <a:spLocks noGrp="1"/>
+          </p:cNvSpPr>
+          <p:nvPr>
+            <p:ph type="body" idx="1"/>
+          </p:nvPr>
+        </p:nvSpPr>
+        <p:spPr/>
+        <p:txBody>
+          <a:bodyPr/>
+          <a:lstStyle/>
+          <a:p>
+            <a:endParaRPr lang="en-US" dirty="0"/>
+          </a:p>
+        </p:txBody>
+      </p:sp>
+      <p:sp>
+        <p:nvSpPr>
+          <p:cNvPr id="4" name="Slide Number Placeholder 3">
+            <a:extLst>
+              <a:ext uri="{FF2B5EF4-FFF2-40B4-BE49-F238E27FC236}">
+                <a16:creationId xmlns:a16="http://schemas.microsoft.com/office/drawing/2014/main" id="{89849597-E24A-5370-0C87-C7A00DC06066}"/>
+              </a:ext>
+            </a:extLst>
+          </p:cNvPr>
+          <p:cNvSpPr>
+            <a:spLocks noGrp="1"/>
+          </p:cNvSpPr>
+          <p:nvPr>
+            <p:ph type="sldNum" sz="quarter" idx="5"/>
+          </p:nvPr>
+        </p:nvSpPr>
+        <p:spPr/>
+        <p:txBody>
+          <a:bodyPr/>
+          <a:lstStyle/>
+          <a:p>
+            <a:fld id="{05474E44-92FC-4A6B-B70E-C71180BCC9E7}" type="slidenum">
+              <a:rPr lang="en-US" smtClean="0"/>
+              <a:t>18</a:t>
+            </a:fld>
+            <a:endParaRPr lang="en-US"/>
+          </a:p>
+        </p:txBody>
+      </p:sp>
+    </p:spTree>
+    <p:extLst>
+      <p:ext uri="{BB962C8B-B14F-4D97-AF65-F5344CB8AC3E}">
+        <p14:creationId xmlns:p14="http://schemas.microsoft.com/office/powerpoint/2010/main" val="1683248734"/>
+      </p:ext>
+    </p:extLst>
+  </p:cSld>
+  <p:clrMapOvr>
+    <a:masterClrMapping/>
+  </p:clrMapOvr>
+</p:notes>
+</file>
+
+<file path=ppt/notesSlides/notesSlide19.xml><?xml version="1.0" encoding="utf-8"?>
+<p:notes xmlns:a="http://schemas.openxmlformats.org/drawingml/2006/main" xmlns:r="http://schemas.openxmlformats.org/officeDocument/2006/relationships" xmlns:p="http://schemas.openxmlformats.org/presentationml/2006/main">
+  <p:cSld>
+    <p:spTree>
+      <p:nvGrpSpPr>
+        <p:cNvPr id="1" name=""/>
+        <p:cNvGrpSpPr/>
+        <p:nvPr/>
+      </p:nvGrpSpPr>
+      <p:grpSpPr>
+        <a:xfrm>
+          <a:off x="0" y="0"/>
+          <a:ext cx="0" cy="0"/>
+          <a:chOff x="0" y="0"/>
+          <a:chExt cx="0" cy="0"/>
+        </a:xfrm>
+      </p:grpSpPr>
+      <p:sp>
+        <p:nvSpPr>
+          <p:cNvPr id="2" name="Slide Image Placeholder 1"/>
+          <p:cNvSpPr>
+            <a:spLocks noGrp="1" noRot="1" noChangeAspect="1"/>
+          </p:cNvSpPr>
+          <p:nvPr>
+            <p:ph type="sldImg"/>
+          </p:nvPr>
+        </p:nvSpPr>
+        <p:spPr/>
+      </p:sp>
+      <p:sp>
+        <p:nvSpPr>
+          <p:cNvPr id="3" name="Notes Placeholder 2"/>
+          <p:cNvSpPr>
+            <a:spLocks noGrp="1"/>
+          </p:cNvSpPr>
+          <p:nvPr>
+            <p:ph type="body" idx="1"/>
+          </p:nvPr>
+        </p:nvSpPr>
+        <p:spPr/>
+        <p:txBody>
+          <a:bodyPr/>
+          <a:lstStyle/>
+          <a:p>
+            <a:r>
+              <a:rPr lang="en-US" dirty="0"/>
+              <a:t>The best way to make accurate predictions of the future sales is to use Monte Carlo Simulation. This simulation will help to see a range of possible sales outcomes and understand the risks involved. We will construct the Montecarlo simulation based on the requirement below:</a:t>
+            </a:r>
+          </a:p>
+          <a:p>
+            <a:r>
+              <a:rPr lang="en-US" dirty="0"/>
+              <a:t>1. Examining sales data for the past 60 months we observed that daily sales can be vary between 2,299 and 7,702. And we can assume the daily sales follow a uniform distribution.</a:t>
+            </a:r>
+          </a:p>
+          <a:p>
+            <a:r>
+              <a:rPr lang="en-US" dirty="0"/>
+              <a:t>2. Use a random seed value of 42 so that the results will be reproducible.</a:t>
+            </a:r>
+          </a:p>
+          <a:p>
+            <a:r>
+              <a:rPr lang="en-US" dirty="0"/>
+              <a:t>3. </a:t>
+            </a:r>
+            <a:r>
+              <a:rPr lang="en-US" sz="1200" dirty="0">
+                <a:solidFill>
+                  <a:srgbClr val="000000"/>
+                </a:solidFill>
+                <a:latin typeface="Arial"/>
+                <a:ea typeface="+mn-lt"/>
+                <a:cs typeface="+mn-lt"/>
+              </a:rPr>
+              <a:t>Estimate the average and median monthly sales by running </a:t>
+            </a:r>
+            <a:r>
+              <a:rPr lang="en-US" sz="1200" b="0" i="0" dirty="0">
                 <a:solidFill>
                   <a:srgbClr val="000000"/>
                 </a:solidFill>
                 <a:effectLst/>
                 <a:latin typeface="Arial"/>
-                <a:cs typeface="Arial"/>
+                <a:ea typeface="+mn-lt"/>
+                <a:cs typeface="+mn-lt"/>
               </a:rPr>
-              <a:t>Explain the optimal allocation between Facebook and Instagram advertising. </a:t>
-            </a:r>
-          </a:p>
-          <a:p>
-            <a:pPr marL="493395" lvl="1" algn="l" rtl="0" fontAlgn="base">
+              <a:t>1,000 simulations.</a:t>
+            </a:r>
+          </a:p>
+          <a:p>
+            <a:r>
+              <a:rPr lang="en-US" sz="1200" b="0" i="0" dirty="0">
+                <a:solidFill>
+                  <a:srgbClr val="000000"/>
+                </a:solidFill>
+                <a:effectLst/>
+                <a:latin typeface="Arial"/>
+                <a:ea typeface="+mn-lt"/>
+                <a:cs typeface="+mn-lt"/>
+              </a:rPr>
+              <a:t>4. Number of days in a month – 30.</a:t>
+            </a:r>
+            <a:endParaRPr lang="en-US" dirty="0"/>
+          </a:p>
+          <a:p>
+            <a:endParaRPr lang="en-US" dirty="0"/>
+          </a:p>
+          <a:p>
+            <a:r>
+              <a:rPr lang="en-US" dirty="0"/>
+              <a:t>To summarize the results, we created a histogram “Distribution of Simulated Monthly Revenue”. </a:t>
+            </a:r>
+          </a:p>
+          <a:p>
+            <a:pPr marL="0" marR="0" lvl="0" indent="0" algn="l" defTabSz="914400" rtl="0" eaLnBrk="1" fontAlgn="auto" latinLnBrk="0" hangingPunct="1">
               <a:lnSpc>
                 <a:spcPct val="100000"/>
               </a:lnSpc>
+              <a:spcBef>
+                <a:spcPts val="0"/>
+              </a:spcBef>
+              <a:spcAft>
+                <a:spcPts val="0"/>
+              </a:spcAft>
+              <a:buClrTx/>
+              <a:buSzTx/>
+              <a:buFontTx/>
+              <a:buNone/>
+              <a:tabLst/>
+              <a:defRPr/>
             </a:pPr>
             <a:r>
-              <a:rPr lang="en-US" sz="2000" b="0" i="0" dirty="0">
-                <a:solidFill>
-                  <a:srgbClr val="000000"/>
-                </a:solidFill>
-                <a:effectLst/>
-                <a:latin typeface="Arial"/>
-                <a:cs typeface="Arial"/>
+              <a:rPr lang="en-US" sz="1200" dirty="0">
+                <a:solidFill>
+                  <a:schemeClr val="tx2">
+                    <a:lumMod val="90000"/>
+                    <a:lumOff val="10000"/>
+                  </a:schemeClr>
+                </a:solidFill>
+                <a:latin typeface="Arial" panose="020B0604020202020204" pitchFamily="34" charset="0"/>
+                <a:cs typeface="Arial" panose="020B0604020202020204" pitchFamily="34" charset="0"/>
               </a:rPr>
-              <a:t>Describe the maximum achievable sales and how this allocation aligns with business goals. </a:t>
+              <a:t>Estimated Average Monthly Revenue: </a:t>
+            </a:r>
+            <a:r>
+              <a:rPr lang="en-US" sz="1200" b="1" dirty="0">
+                <a:solidFill>
+                  <a:srgbClr val="FF0000"/>
+                </a:solidFill>
+                <a:latin typeface="Arial" panose="020B0604020202020204" pitchFamily="34" charset="0"/>
+                <a:cs typeface="Arial" panose="020B0604020202020204" pitchFamily="34" charset="0"/>
+              </a:rPr>
+              <a:t>$149,890.15. </a:t>
+            </a:r>
+            <a:r>
+              <a:rPr lang="en-US" sz="1200" b="0" dirty="0">
+                <a:solidFill>
+                  <a:srgbClr val="FF0000"/>
+                </a:solidFill>
+                <a:latin typeface="Arial" panose="020B0604020202020204" pitchFamily="34" charset="0"/>
+                <a:cs typeface="Arial" panose="020B0604020202020204" pitchFamily="34" charset="0"/>
+              </a:rPr>
+              <a:t>The average monthly revenue provides an estimate of what the typical monthly revenue might be, considering the variability in daily revenues due to different factors (holidays, market trends, etc.). This information is useful for budgeting, financial planning, and setting sales targets.</a:t>
             </a:r>
           </a:p>
           <a:p>
             <a:endParaRPr lang="en-US" dirty="0"/>
+          </a:p>
+          <a:p>
+            <a:r>
+              <a:rPr lang="en-US" sz="1200" dirty="0">
+                <a:solidFill>
+                  <a:schemeClr val="tx2">
+                    <a:lumMod val="90000"/>
+                    <a:lumOff val="10000"/>
+                  </a:schemeClr>
+                </a:solidFill>
+                <a:latin typeface="Arial" panose="020B0604020202020204" pitchFamily="34" charset="0"/>
+                <a:cs typeface="Arial" panose="020B0604020202020204" pitchFamily="34" charset="0"/>
+              </a:rPr>
+              <a:t>Median Monthly Revenue: </a:t>
+            </a:r>
+            <a:r>
+              <a:rPr lang="en-US" sz="1200" b="1" dirty="0">
+                <a:solidFill>
+                  <a:srgbClr val="00B050"/>
+                </a:solidFill>
+                <a:latin typeface="Arial" panose="020B0604020202020204" pitchFamily="34" charset="0"/>
+                <a:cs typeface="Arial" panose="020B0604020202020204" pitchFamily="34" charset="0"/>
+              </a:rPr>
+              <a:t>$149,894.50. </a:t>
+            </a:r>
+            <a:r>
+              <a:rPr lang="en-US" sz="1200" b="0" dirty="0">
+                <a:solidFill>
+                  <a:srgbClr val="00B050"/>
+                </a:solidFill>
+                <a:latin typeface="Arial" panose="020B0604020202020204" pitchFamily="34" charset="0"/>
+                <a:cs typeface="Arial" panose="020B0604020202020204" pitchFamily="34" charset="0"/>
+              </a:rPr>
+              <a:t>The median monthly revenue represents the point at which half of the simulated monthly revenues are below and half are above. The median gives more robust measures of the central tendency of the monthly revenue.</a:t>
+            </a:r>
+          </a:p>
+          <a:p>
+            <a:endParaRPr lang="en-US" sz="1200" b="0" dirty="0">
+              <a:solidFill>
+                <a:srgbClr val="00B050"/>
+              </a:solidFill>
+              <a:latin typeface="Arial" panose="020B0604020202020204" pitchFamily="34" charset="0"/>
+              <a:cs typeface="Arial" panose="020B0604020202020204" pitchFamily="34" charset="0"/>
+            </a:endParaRPr>
+          </a:p>
+          <a:p>
+            <a:r>
+              <a:rPr lang="en-US" sz="1200" b="0" dirty="0">
+                <a:solidFill>
+                  <a:srgbClr val="00B050"/>
+                </a:solidFill>
+                <a:latin typeface="Arial" panose="020B0604020202020204" pitchFamily="34" charset="0"/>
+                <a:cs typeface="Arial" panose="020B0604020202020204" pitchFamily="34" charset="0"/>
+              </a:rPr>
+              <a:t>Both the average and monthly revenue help the company set realistic budgets and financial plans. The average helps in setting optimistic targets, while the median ensures that targets are realistic and not overly influenced by outliers.</a:t>
+            </a:r>
+          </a:p>
+          <a:p>
+            <a:endParaRPr lang="en-US" dirty="0"/>
+          </a:p>
+          <a:p>
+            <a:pPr marL="0" marR="0" lvl="0" indent="0" algn="l" defTabSz="914400" rtl="0" eaLnBrk="1" fontAlgn="auto" latinLnBrk="0" hangingPunct="1">
+              <a:lnSpc>
+                <a:spcPct val="100000"/>
+              </a:lnSpc>
+              <a:spcBef>
+                <a:spcPts val="0"/>
+              </a:spcBef>
+              <a:spcAft>
+                <a:spcPts val="0"/>
+              </a:spcAft>
+              <a:buClrTx/>
+              <a:buSzTx/>
+              <a:buFontTx/>
+              <a:buNone/>
+              <a:tabLst/>
+              <a:defRPr/>
+            </a:pPr>
+            <a:r>
+              <a:rPr lang="en-US" sz="1200" dirty="0">
+                <a:solidFill>
+                  <a:schemeClr val="tx2">
+                    <a:lumMod val="90000"/>
+                    <a:lumOff val="10000"/>
+                  </a:schemeClr>
+                </a:solidFill>
+                <a:latin typeface="Arial" panose="020B0604020202020204" pitchFamily="34" charset="0"/>
+                <a:cs typeface="Arial" panose="020B0604020202020204" pitchFamily="34" charset="0"/>
+              </a:rPr>
+              <a:t>The Standard Deviation of Monthly Revenue equals </a:t>
+            </a:r>
+            <a:r>
+              <a:rPr lang="en-US" sz="1200" b="1" dirty="0">
+                <a:solidFill>
+                  <a:srgbClr val="7030A0"/>
+                </a:solidFill>
+                <a:latin typeface="Arial" panose="020B0604020202020204" pitchFamily="34" charset="0"/>
+                <a:cs typeface="Arial" panose="020B0604020202020204" pitchFamily="34" charset="0"/>
+              </a:rPr>
+              <a:t>$8,165.60 </a:t>
+            </a:r>
+            <a:r>
+              <a:rPr lang="en-US" sz="1200" b="0" dirty="0">
+                <a:solidFill>
+                  <a:srgbClr val="7030A0"/>
+                </a:solidFill>
+                <a:latin typeface="Arial" panose="020B0604020202020204" pitchFamily="34" charset="0"/>
+                <a:cs typeface="Arial" panose="020B0604020202020204" pitchFamily="34" charset="0"/>
+              </a:rPr>
+              <a:t>represents the variability or dispersion in the simulated monthly revenues. This value provides insights into how much the monthly revenues are expected to fluctuate around the average monthly revenue. This is crucial for managing financial risks and ensuring that the business can sustain operations even during less profitable months. </a:t>
+            </a:r>
+            <a:r>
+              <a:rPr lang="en-US" dirty="0"/>
+              <a:t>This information is essential for making informed decisions about inventory, staffing, and risk management, ultimately helping the business operate more efficiently and sustainably. </a:t>
+            </a:r>
+          </a:p>
+          <a:p>
+            <a:endParaRPr lang="en-US" dirty="0"/>
+          </a:p>
+          <a:p>
+            <a:r>
+              <a:rPr lang="en-US" dirty="0"/>
+              <a:t>Understand and managing these risks and uncertainties through Monte Carlo simulations allows businesses to make more informed and strategic decisions.</a:t>
+            </a:r>
           </a:p>
         </p:txBody>
       </p:sp>
@@ -895,7 +2148,7 @@
           <a:p>
             <a:fld id="{05474E44-92FC-4A6B-B70E-C71180BCC9E7}" type="slidenum">
               <a:rPr lang="en-US" smtClean="0"/>
-              <a:t>10</a:t>
+              <a:t>19</a:t>
             </a:fld>
             <a:endParaRPr lang="en-US"/>
           </a:p>
@@ -904,7 +2157,7 @@
     </p:spTree>
     <p:extLst>
       <p:ext uri="{BB962C8B-B14F-4D97-AF65-F5344CB8AC3E}">
-        <p14:creationId xmlns:p14="http://schemas.microsoft.com/office/powerpoint/2010/main" val="1074188771"/>
+        <p14:creationId xmlns:p14="http://schemas.microsoft.com/office/powerpoint/2010/main" val="2396721358"/>
       </p:ext>
     </p:extLst>
   </p:cSld>
@@ -1001,6 +2254,632 @@
 </p:notes>
 </file>
 
+<file path=ppt/notesSlides/notesSlide20.xml><?xml version="1.0" encoding="utf-8"?>
+<p:notes xmlns:a="http://schemas.openxmlformats.org/drawingml/2006/main" xmlns:r="http://schemas.openxmlformats.org/officeDocument/2006/relationships" xmlns:p="http://schemas.openxmlformats.org/presentationml/2006/main">
+  <p:cSld>
+    <p:spTree>
+      <p:nvGrpSpPr>
+        <p:cNvPr id="1" name="">
+          <a:extLst>
+            <a:ext uri="{FF2B5EF4-FFF2-40B4-BE49-F238E27FC236}">
+              <a16:creationId xmlns:a16="http://schemas.microsoft.com/office/drawing/2014/main" id="{EDC64E42-5C3A-1CBC-C1E3-07F825F75FC4}"/>
+            </a:ext>
+          </a:extLst>
+        </p:cNvPr>
+        <p:cNvGrpSpPr/>
+        <p:nvPr/>
+      </p:nvGrpSpPr>
+      <p:grpSpPr>
+        <a:xfrm>
+          <a:off x="0" y="0"/>
+          <a:ext cx="0" cy="0"/>
+          <a:chOff x="0" y="0"/>
+          <a:chExt cx="0" cy="0"/>
+        </a:xfrm>
+      </p:grpSpPr>
+      <p:sp>
+        <p:nvSpPr>
+          <p:cNvPr id="2" name="Slide Image Placeholder 1">
+            <a:extLst>
+              <a:ext uri="{FF2B5EF4-FFF2-40B4-BE49-F238E27FC236}">
+                <a16:creationId xmlns:a16="http://schemas.microsoft.com/office/drawing/2014/main" id="{C1E98C11-C89A-594F-8260-FCC7658A7CA5}"/>
+              </a:ext>
+            </a:extLst>
+          </p:cNvPr>
+          <p:cNvSpPr>
+            <a:spLocks noGrp="1" noRot="1" noChangeAspect="1"/>
+          </p:cNvSpPr>
+          <p:nvPr>
+            <p:ph type="sldImg"/>
+          </p:nvPr>
+        </p:nvSpPr>
+        <p:spPr/>
+      </p:sp>
+      <p:sp>
+        <p:nvSpPr>
+          <p:cNvPr id="3" name="Notes Placeholder 2">
+            <a:extLst>
+              <a:ext uri="{FF2B5EF4-FFF2-40B4-BE49-F238E27FC236}">
+                <a16:creationId xmlns:a16="http://schemas.microsoft.com/office/drawing/2014/main" id="{EBE99C3B-E5DE-D5EB-82C9-E1227A37F98A}"/>
+              </a:ext>
+            </a:extLst>
+          </p:cNvPr>
+          <p:cNvSpPr>
+            <a:spLocks noGrp="1"/>
+          </p:cNvSpPr>
+          <p:nvPr>
+            <p:ph type="body" idx="1"/>
+          </p:nvPr>
+        </p:nvSpPr>
+        <p:spPr/>
+        <p:txBody>
+          <a:bodyPr/>
+          <a:lstStyle/>
+          <a:p>
+            <a:endParaRPr lang="en-US" dirty="0"/>
+          </a:p>
+        </p:txBody>
+      </p:sp>
+      <p:sp>
+        <p:nvSpPr>
+          <p:cNvPr id="4" name="Slide Number Placeholder 3">
+            <a:extLst>
+              <a:ext uri="{FF2B5EF4-FFF2-40B4-BE49-F238E27FC236}">
+                <a16:creationId xmlns:a16="http://schemas.microsoft.com/office/drawing/2014/main" id="{6F428088-5C18-A0BA-888F-78C54D0A8C31}"/>
+              </a:ext>
+            </a:extLst>
+          </p:cNvPr>
+          <p:cNvSpPr>
+            <a:spLocks noGrp="1"/>
+          </p:cNvSpPr>
+          <p:nvPr>
+            <p:ph type="sldNum" sz="quarter" idx="5"/>
+          </p:nvPr>
+        </p:nvSpPr>
+        <p:spPr/>
+        <p:txBody>
+          <a:bodyPr/>
+          <a:lstStyle/>
+          <a:p>
+            <a:fld id="{05474E44-92FC-4A6B-B70E-C71180BCC9E7}" type="slidenum">
+              <a:rPr lang="en-US" smtClean="0"/>
+              <a:t>20</a:t>
+            </a:fld>
+            <a:endParaRPr lang="en-US"/>
+          </a:p>
+        </p:txBody>
+      </p:sp>
+    </p:spTree>
+    <p:extLst>
+      <p:ext uri="{BB962C8B-B14F-4D97-AF65-F5344CB8AC3E}">
+        <p14:creationId xmlns:p14="http://schemas.microsoft.com/office/powerpoint/2010/main" val="3922789135"/>
+      </p:ext>
+    </p:extLst>
+  </p:cSld>
+  <p:clrMapOvr>
+    <a:masterClrMapping/>
+  </p:clrMapOvr>
+</p:notes>
+</file>
+
+<file path=ppt/notesSlides/notesSlide21.xml><?xml version="1.0" encoding="utf-8"?>
+<p:notes xmlns:a="http://schemas.openxmlformats.org/drawingml/2006/main" xmlns:r="http://schemas.openxmlformats.org/officeDocument/2006/relationships" xmlns:p="http://schemas.openxmlformats.org/presentationml/2006/main">
+  <p:cSld>
+    <p:spTree>
+      <p:nvGrpSpPr>
+        <p:cNvPr id="1" name="">
+          <a:extLst>
+            <a:ext uri="{FF2B5EF4-FFF2-40B4-BE49-F238E27FC236}">
+              <a16:creationId xmlns:a16="http://schemas.microsoft.com/office/drawing/2014/main" id="{2D6EEC25-9F6D-14FE-D9D8-0AAE0F5F2B59}"/>
+            </a:ext>
+          </a:extLst>
+        </p:cNvPr>
+        <p:cNvGrpSpPr/>
+        <p:nvPr/>
+      </p:nvGrpSpPr>
+      <p:grpSpPr>
+        <a:xfrm>
+          <a:off x="0" y="0"/>
+          <a:ext cx="0" cy="0"/>
+          <a:chOff x="0" y="0"/>
+          <a:chExt cx="0" cy="0"/>
+        </a:xfrm>
+      </p:grpSpPr>
+      <p:sp>
+        <p:nvSpPr>
+          <p:cNvPr id="2" name="Slide Image Placeholder 1">
+            <a:extLst>
+              <a:ext uri="{FF2B5EF4-FFF2-40B4-BE49-F238E27FC236}">
+                <a16:creationId xmlns:a16="http://schemas.microsoft.com/office/drawing/2014/main" id="{40818518-A414-C532-08CD-FB755844A3B9}"/>
+              </a:ext>
+            </a:extLst>
+          </p:cNvPr>
+          <p:cNvSpPr>
+            <a:spLocks noGrp="1" noRot="1" noChangeAspect="1"/>
+          </p:cNvSpPr>
+          <p:nvPr>
+            <p:ph type="sldImg"/>
+          </p:nvPr>
+        </p:nvSpPr>
+        <p:spPr/>
+      </p:sp>
+      <p:sp>
+        <p:nvSpPr>
+          <p:cNvPr id="3" name="Notes Placeholder 2">
+            <a:extLst>
+              <a:ext uri="{FF2B5EF4-FFF2-40B4-BE49-F238E27FC236}">
+                <a16:creationId xmlns:a16="http://schemas.microsoft.com/office/drawing/2014/main" id="{291F5940-23F4-7AD1-EDBA-2D4109F6947A}"/>
+              </a:ext>
+            </a:extLst>
+          </p:cNvPr>
+          <p:cNvSpPr>
+            <a:spLocks noGrp="1"/>
+          </p:cNvSpPr>
+          <p:nvPr>
+            <p:ph type="body" idx="1"/>
+          </p:nvPr>
+        </p:nvSpPr>
+        <p:spPr/>
+        <p:txBody>
+          <a:bodyPr/>
+          <a:lstStyle/>
+          <a:p>
+            <a:endParaRPr lang="en-US" dirty="0"/>
+          </a:p>
+        </p:txBody>
+      </p:sp>
+      <p:sp>
+        <p:nvSpPr>
+          <p:cNvPr id="4" name="Slide Number Placeholder 3">
+            <a:extLst>
+              <a:ext uri="{FF2B5EF4-FFF2-40B4-BE49-F238E27FC236}">
+                <a16:creationId xmlns:a16="http://schemas.microsoft.com/office/drawing/2014/main" id="{0A881D82-A8BD-0BBB-A549-38B417DFCA8E}"/>
+              </a:ext>
+            </a:extLst>
+          </p:cNvPr>
+          <p:cNvSpPr>
+            <a:spLocks noGrp="1"/>
+          </p:cNvSpPr>
+          <p:nvPr>
+            <p:ph type="sldNum" sz="quarter" idx="5"/>
+          </p:nvPr>
+        </p:nvSpPr>
+        <p:spPr/>
+        <p:txBody>
+          <a:bodyPr/>
+          <a:lstStyle/>
+          <a:p>
+            <a:fld id="{05474E44-92FC-4A6B-B70E-C71180BCC9E7}" type="slidenum">
+              <a:rPr lang="en-US" smtClean="0"/>
+              <a:t>21</a:t>
+            </a:fld>
+            <a:endParaRPr lang="en-US"/>
+          </a:p>
+        </p:txBody>
+      </p:sp>
+    </p:spTree>
+    <p:extLst>
+      <p:ext uri="{BB962C8B-B14F-4D97-AF65-F5344CB8AC3E}">
+        <p14:creationId xmlns:p14="http://schemas.microsoft.com/office/powerpoint/2010/main" val="3713932545"/>
+      </p:ext>
+    </p:extLst>
+  </p:cSld>
+  <p:clrMapOvr>
+    <a:masterClrMapping/>
+  </p:clrMapOvr>
+</p:notes>
+</file>
+
+<file path=ppt/notesSlides/notesSlide22.xml><?xml version="1.0" encoding="utf-8"?>
+<p:notes xmlns:a="http://schemas.openxmlformats.org/drawingml/2006/main" xmlns:r="http://schemas.openxmlformats.org/officeDocument/2006/relationships" xmlns:p="http://schemas.openxmlformats.org/presentationml/2006/main">
+  <p:cSld>
+    <p:spTree>
+      <p:nvGrpSpPr>
+        <p:cNvPr id="1" name=""/>
+        <p:cNvGrpSpPr/>
+        <p:nvPr/>
+      </p:nvGrpSpPr>
+      <p:grpSpPr>
+        <a:xfrm>
+          <a:off x="0" y="0"/>
+          <a:ext cx="0" cy="0"/>
+          <a:chOff x="0" y="0"/>
+          <a:chExt cx="0" cy="0"/>
+        </a:xfrm>
+      </p:grpSpPr>
+      <p:sp>
+        <p:nvSpPr>
+          <p:cNvPr id="2" name="Slide Image Placeholder 1"/>
+          <p:cNvSpPr>
+            <a:spLocks noGrp="1" noRot="1" noChangeAspect="1"/>
+          </p:cNvSpPr>
+          <p:nvPr>
+            <p:ph type="sldImg"/>
+          </p:nvPr>
+        </p:nvSpPr>
+        <p:spPr/>
+      </p:sp>
+      <p:sp>
+        <p:nvSpPr>
+          <p:cNvPr id="3" name="Notes Placeholder 2"/>
+          <p:cNvSpPr>
+            <a:spLocks noGrp="1"/>
+          </p:cNvSpPr>
+          <p:nvPr>
+            <p:ph type="body" idx="1"/>
+          </p:nvPr>
+        </p:nvSpPr>
+        <p:spPr/>
+        <p:txBody>
+          <a:bodyPr/>
+          <a:lstStyle/>
+          <a:p>
+            <a:r>
+              <a:rPr lang="en-US" dirty="0"/>
+              <a:t>The company has a fixed advertising budget of $10,000 per month, and we need to determine the optimal distribution of this budget between Facebook and Instagram advertising to achieve the maximum possible sales.</a:t>
+            </a:r>
+          </a:p>
+          <a:p>
+            <a:r>
+              <a:rPr lang="en-US" dirty="0"/>
+              <a:t>Other constraints:</a:t>
+            </a:r>
+          </a:p>
+          <a:p>
+            <a:pPr marL="228600" indent="-228600">
+              <a:buAutoNum type="arabicPeriod"/>
+            </a:pPr>
+            <a:r>
+              <a:rPr lang="en-US" sz="1200" b="0" i="0" kern="1200" dirty="0">
+                <a:solidFill>
+                  <a:schemeClr val="tx1"/>
+                </a:solidFill>
+                <a:effectLst/>
+                <a:latin typeface="+mn-lt"/>
+                <a:ea typeface="+mn-ea"/>
+                <a:cs typeface="+mn-cs"/>
+              </a:rPr>
+              <a:t>Must spend at least $2,000 on Facebook advertising to maintain its presence on the platform.</a:t>
+            </a:r>
+          </a:p>
+          <a:p>
+            <a:pPr marL="228600" indent="-228600">
+              <a:buAutoNum type="arabicPeriod"/>
+            </a:pPr>
+            <a:r>
+              <a:rPr lang="en-US" sz="1200" b="0" i="0" kern="1200" dirty="0">
+                <a:solidFill>
+                  <a:schemeClr val="tx1"/>
+                </a:solidFill>
+                <a:effectLst/>
+                <a:latin typeface="+mn-lt"/>
+                <a:ea typeface="+mn-ea"/>
+                <a:cs typeface="+mn-cs"/>
+              </a:rPr>
+              <a:t>Must spend a minimum of $1,000 and no more than $7,000 on Instagram advertising due to platform-specific constraints.</a:t>
+            </a:r>
+          </a:p>
+          <a:p>
+            <a:pPr marL="228600" indent="-228600">
+              <a:buAutoNum type="arabicPeriod"/>
+            </a:pPr>
+            <a:r>
+              <a:rPr lang="en-US" sz="1200" b="0" i="0" kern="1200" dirty="0">
+                <a:solidFill>
+                  <a:schemeClr val="tx1"/>
+                </a:solidFill>
+                <a:effectLst/>
+                <a:latin typeface="+mn-lt"/>
+                <a:ea typeface="+mn-ea"/>
+                <a:cs typeface="+mn-cs"/>
+              </a:rPr>
+              <a:t>The amount spent on Instagram advertising should be at least 50% of the amount spent on Facebook advertising to ensure balanced marketing efforts.</a:t>
+            </a:r>
+          </a:p>
+          <a:p>
+            <a:pPr marL="0" indent="0">
+              <a:buNone/>
+            </a:pPr>
+            <a:r>
+              <a:rPr lang="en-US" sz="1200" b="0" i="0" kern="1200" dirty="0">
+                <a:solidFill>
+                  <a:schemeClr val="tx1"/>
+                </a:solidFill>
+                <a:effectLst/>
+                <a:latin typeface="+mn-lt"/>
+                <a:ea typeface="+mn-ea"/>
+                <a:cs typeface="+mn-cs"/>
+              </a:rPr>
+              <a:t>Objectives:</a:t>
+            </a:r>
+          </a:p>
+          <a:p>
+            <a:pPr marL="0" indent="0">
+              <a:buNone/>
+            </a:pPr>
+            <a:r>
+              <a:rPr lang="en-US" sz="1200" b="0" i="0" kern="1200" dirty="0">
+                <a:solidFill>
+                  <a:schemeClr val="tx1"/>
+                </a:solidFill>
+                <a:effectLst/>
+                <a:latin typeface="+mn-lt"/>
+                <a:ea typeface="+mn-ea"/>
+                <a:cs typeface="+mn-cs"/>
+              </a:rPr>
+              <a:t>1. Sales from Facebook: SF = 5F, where F is the Facebook ad spend</a:t>
+            </a:r>
+          </a:p>
+          <a:p>
+            <a:pPr marL="0" marR="0" lvl="0" indent="0" algn="l" defTabSz="914400" rtl="0" eaLnBrk="1" fontAlgn="auto" latinLnBrk="0" hangingPunct="1">
+              <a:lnSpc>
+                <a:spcPct val="100000"/>
+              </a:lnSpc>
+              <a:spcBef>
+                <a:spcPts val="0"/>
+              </a:spcBef>
+              <a:spcAft>
+                <a:spcPts val="0"/>
+              </a:spcAft>
+              <a:buClrTx/>
+              <a:buSzTx/>
+              <a:buFontTx/>
+              <a:buNone/>
+              <a:tabLst/>
+              <a:defRPr/>
+            </a:pPr>
+            <a:r>
+              <a:rPr lang="en-US" sz="1200" b="0" i="0" kern="1200" dirty="0">
+                <a:solidFill>
+                  <a:schemeClr val="tx1"/>
+                </a:solidFill>
+                <a:effectLst/>
+                <a:latin typeface="+mn-lt"/>
+                <a:ea typeface="+mn-ea"/>
+                <a:cs typeface="+mn-cs"/>
+              </a:rPr>
+              <a:t>2. Sales from Instagram: SI = 5I, where F is the Instagram ad spend</a:t>
+            </a:r>
+          </a:p>
+          <a:p>
+            <a:pPr marL="0" marR="0" lvl="0" indent="0" algn="l" defTabSz="914400" rtl="0" eaLnBrk="1" fontAlgn="auto" latinLnBrk="0" hangingPunct="1">
+              <a:lnSpc>
+                <a:spcPct val="100000"/>
+              </a:lnSpc>
+              <a:spcBef>
+                <a:spcPts val="0"/>
+              </a:spcBef>
+              <a:spcAft>
+                <a:spcPts val="0"/>
+              </a:spcAft>
+              <a:buClrTx/>
+              <a:buSzTx/>
+              <a:buFontTx/>
+              <a:buNone/>
+              <a:tabLst/>
+              <a:defRPr/>
+            </a:pPr>
+            <a:endParaRPr lang="en-US" sz="1200" b="0" i="0" kern="1200" dirty="0">
+              <a:solidFill>
+                <a:schemeClr val="tx1"/>
+              </a:solidFill>
+              <a:effectLst/>
+              <a:latin typeface="+mn-lt"/>
+              <a:ea typeface="+mn-ea"/>
+              <a:cs typeface="+mn-cs"/>
+            </a:endParaRPr>
+          </a:p>
+          <a:p>
+            <a:pPr marL="0" marR="0" lvl="0" indent="0" algn="l" defTabSz="914400" rtl="0" eaLnBrk="1" fontAlgn="auto" latinLnBrk="0" hangingPunct="1">
+              <a:lnSpc>
+                <a:spcPct val="100000"/>
+              </a:lnSpc>
+              <a:spcBef>
+                <a:spcPts val="0"/>
+              </a:spcBef>
+              <a:spcAft>
+                <a:spcPts val="0"/>
+              </a:spcAft>
+              <a:buClrTx/>
+              <a:buSzTx/>
+              <a:buFontTx/>
+              <a:buNone/>
+              <a:tabLst/>
+              <a:defRPr/>
+            </a:pPr>
+            <a:r>
+              <a:rPr lang="en-US" sz="1200" b="0" i="0" kern="1200" dirty="0">
+                <a:solidFill>
+                  <a:schemeClr val="tx1"/>
+                </a:solidFill>
+                <a:effectLst/>
+                <a:latin typeface="+mn-lt"/>
+                <a:ea typeface="+mn-ea"/>
+                <a:cs typeface="+mn-cs"/>
+              </a:rPr>
+              <a:t>The optimal budget allocation for Facebook - $6,666; for Instagram $3,333. Under these conditions the company can achieve maximum sales revenue of $43,333.</a:t>
+            </a:r>
+          </a:p>
+          <a:p>
+            <a:pPr marL="0" marR="0" lvl="0" indent="0" algn="l" defTabSz="914400" rtl="0" eaLnBrk="1" fontAlgn="auto" latinLnBrk="0" hangingPunct="1">
+              <a:lnSpc>
+                <a:spcPct val="100000"/>
+              </a:lnSpc>
+              <a:spcBef>
+                <a:spcPts val="0"/>
+              </a:spcBef>
+              <a:spcAft>
+                <a:spcPts val="0"/>
+              </a:spcAft>
+              <a:buClrTx/>
+              <a:buSzTx/>
+              <a:buFontTx/>
+              <a:buNone/>
+              <a:tabLst/>
+              <a:defRPr/>
+            </a:pPr>
+            <a:endParaRPr lang="en-US" sz="1200" b="0" i="0" kern="1200" dirty="0">
+              <a:solidFill>
+                <a:schemeClr val="tx1"/>
+              </a:solidFill>
+              <a:effectLst/>
+              <a:latin typeface="+mn-lt"/>
+              <a:ea typeface="+mn-ea"/>
+              <a:cs typeface="+mn-cs"/>
+            </a:endParaRPr>
+          </a:p>
+          <a:p>
+            <a:pPr marL="0" indent="0">
+              <a:buNone/>
+            </a:pPr>
+            <a:endParaRPr lang="en-US" dirty="0"/>
+          </a:p>
+        </p:txBody>
+      </p:sp>
+      <p:sp>
+        <p:nvSpPr>
+          <p:cNvPr id="4" name="Slide Number Placeholder 3"/>
+          <p:cNvSpPr>
+            <a:spLocks noGrp="1"/>
+          </p:cNvSpPr>
+          <p:nvPr>
+            <p:ph type="sldNum" sz="quarter" idx="5"/>
+          </p:nvPr>
+        </p:nvSpPr>
+        <p:spPr/>
+        <p:txBody>
+          <a:bodyPr/>
+          <a:lstStyle/>
+          <a:p>
+            <a:fld id="{05474E44-92FC-4A6B-B70E-C71180BCC9E7}" type="slidenum">
+              <a:rPr lang="en-US" smtClean="0"/>
+              <a:t>22</a:t>
+            </a:fld>
+            <a:endParaRPr lang="en-US"/>
+          </a:p>
+        </p:txBody>
+      </p:sp>
+    </p:spTree>
+    <p:extLst>
+      <p:ext uri="{BB962C8B-B14F-4D97-AF65-F5344CB8AC3E}">
+        <p14:creationId xmlns:p14="http://schemas.microsoft.com/office/powerpoint/2010/main" val="1074188771"/>
+      </p:ext>
+    </p:extLst>
+  </p:cSld>
+  <p:clrMapOvr>
+    <a:masterClrMapping/>
+  </p:clrMapOvr>
+</p:notes>
+</file>
+
+<file path=ppt/notesSlides/notesSlide23.xml><?xml version="1.0" encoding="utf-8"?>
+<p:notes xmlns:a="http://schemas.openxmlformats.org/drawingml/2006/main" xmlns:r="http://schemas.openxmlformats.org/officeDocument/2006/relationships" xmlns:p="http://schemas.openxmlformats.org/presentationml/2006/main">
+  <p:cSld>
+    <p:spTree>
+      <p:nvGrpSpPr>
+        <p:cNvPr id="1" name="">
+          <a:extLst>
+            <a:ext uri="{FF2B5EF4-FFF2-40B4-BE49-F238E27FC236}">
+              <a16:creationId xmlns:a16="http://schemas.microsoft.com/office/drawing/2014/main" id="{3814A26B-F552-DAB9-1A23-58B86C58451F}"/>
+            </a:ext>
+          </a:extLst>
+        </p:cNvPr>
+        <p:cNvGrpSpPr/>
+        <p:nvPr/>
+      </p:nvGrpSpPr>
+      <p:grpSpPr>
+        <a:xfrm>
+          <a:off x="0" y="0"/>
+          <a:ext cx="0" cy="0"/>
+          <a:chOff x="0" y="0"/>
+          <a:chExt cx="0" cy="0"/>
+        </a:xfrm>
+      </p:grpSpPr>
+      <p:sp>
+        <p:nvSpPr>
+          <p:cNvPr id="2" name="Slide Image Placeholder 1">
+            <a:extLst>
+              <a:ext uri="{FF2B5EF4-FFF2-40B4-BE49-F238E27FC236}">
+                <a16:creationId xmlns:a16="http://schemas.microsoft.com/office/drawing/2014/main" id="{E51818AB-82FC-B988-D093-DD460F9A8D38}"/>
+              </a:ext>
+            </a:extLst>
+          </p:cNvPr>
+          <p:cNvSpPr>
+            <a:spLocks noGrp="1" noRot="1" noChangeAspect="1"/>
+          </p:cNvSpPr>
+          <p:nvPr>
+            <p:ph type="sldImg"/>
+          </p:nvPr>
+        </p:nvSpPr>
+        <p:spPr/>
+      </p:sp>
+      <p:sp>
+        <p:nvSpPr>
+          <p:cNvPr id="3" name="Notes Placeholder 2">
+            <a:extLst>
+              <a:ext uri="{FF2B5EF4-FFF2-40B4-BE49-F238E27FC236}">
+                <a16:creationId xmlns:a16="http://schemas.microsoft.com/office/drawing/2014/main" id="{39769AD5-E49E-6FA0-0B5B-6037BFF91B67}"/>
+              </a:ext>
+            </a:extLst>
+          </p:cNvPr>
+          <p:cNvSpPr>
+            <a:spLocks noGrp="1"/>
+          </p:cNvSpPr>
+          <p:nvPr>
+            <p:ph type="body" idx="1"/>
+          </p:nvPr>
+        </p:nvSpPr>
+        <p:spPr/>
+        <p:txBody>
+          <a:bodyPr/>
+          <a:lstStyle/>
+          <a:p>
+            <a:endParaRPr lang="en-US" dirty="0"/>
+          </a:p>
+        </p:txBody>
+      </p:sp>
+      <p:sp>
+        <p:nvSpPr>
+          <p:cNvPr id="4" name="Slide Number Placeholder 3">
+            <a:extLst>
+              <a:ext uri="{FF2B5EF4-FFF2-40B4-BE49-F238E27FC236}">
+                <a16:creationId xmlns:a16="http://schemas.microsoft.com/office/drawing/2014/main" id="{CA6A8A09-00A9-C2C5-2634-D7FBCA590395}"/>
+              </a:ext>
+            </a:extLst>
+          </p:cNvPr>
+          <p:cNvSpPr>
+            <a:spLocks noGrp="1"/>
+          </p:cNvSpPr>
+          <p:nvPr>
+            <p:ph type="sldNum" sz="quarter" idx="5"/>
+          </p:nvPr>
+        </p:nvSpPr>
+        <p:spPr/>
+        <p:txBody>
+          <a:bodyPr/>
+          <a:lstStyle/>
+          <a:p>
+            <a:fld id="{05474E44-92FC-4A6B-B70E-C71180BCC9E7}" type="slidenum">
+              <a:rPr lang="en-US" smtClean="0"/>
+              <a:t>23</a:t>
+            </a:fld>
+            <a:endParaRPr lang="en-US"/>
+          </a:p>
+        </p:txBody>
+      </p:sp>
+    </p:spTree>
+    <p:extLst>
+      <p:ext uri="{BB962C8B-B14F-4D97-AF65-F5344CB8AC3E}">
+        <p14:creationId xmlns:p14="http://schemas.microsoft.com/office/powerpoint/2010/main" val="2072319316"/>
+      </p:ext>
+    </p:extLst>
+  </p:cSld>
+  <p:clrMapOvr>
+    <a:masterClrMapping/>
+  </p:clrMapOvr>
+</p:notes>
+</file>
+
 <file path=ppt/notesSlides/notesSlide3.xml><?xml version="1.0" encoding="utf-8"?>
 <p:notes xmlns:a="http://schemas.openxmlformats.org/drawingml/2006/main" xmlns:r="http://schemas.openxmlformats.org/officeDocument/2006/relationships" xmlns:p="http://schemas.openxmlformats.org/presentationml/2006/main">
   <p:cSld>
@@ -1045,84 +2924,7 @@
           <a:bodyPr/>
           <a:lstStyle/>
           <a:p>
-            <a:pPr marL="0" marR="0" lvl="0" indent="0" algn="l" defTabSz="914400" rtl="0" eaLnBrk="1" fontAlgn="auto" latinLnBrk="0" hangingPunct="1">
-              <a:lnSpc>
-                <a:spcPct val="100000"/>
-              </a:lnSpc>
-              <a:spcBef>
-                <a:spcPts val="0"/>
-              </a:spcBef>
-              <a:spcAft>
-                <a:spcPts val="0"/>
-              </a:spcAft>
-              <a:buClrTx/>
-              <a:buSzTx/>
-              <a:buFontTx/>
-              <a:buNone/>
-              <a:tabLst/>
-              <a:defRPr/>
-            </a:pPr>
-            <a:r>
-              <a:rPr lang="en-US" dirty="0"/>
-              <a:t>Data visualization allows us to see patterns, relationship, and trends that may not be apparent from analyzing raw data alone. To visualize the relationship between sales and each of variable (</a:t>
-            </a:r>
-            <a:r>
-              <a:rPr lang="en-US" sz="1200" b="0" i="0" dirty="0">
-                <a:solidFill>
-                  <a:srgbClr val="000000"/>
-                </a:solidFill>
-                <a:effectLst/>
-                <a:latin typeface="Arial"/>
-                <a:cs typeface="Arial"/>
-              </a:rPr>
-              <a:t>Facebook ad spend, Instagram ad spend, Discount rate), we created three scatter plots. </a:t>
-            </a:r>
-            <a:r>
-              <a:rPr lang="en-US" sz="1200" b="0" i="0" kern="1200" dirty="0">
-                <a:solidFill>
-                  <a:schemeClr val="tx1"/>
-                </a:solidFill>
-                <a:effectLst/>
-                <a:latin typeface="+mn-lt"/>
-                <a:ea typeface="+mn-ea"/>
-                <a:cs typeface="+mn-cs"/>
-              </a:rPr>
-              <a:t>The first two scatter plots show that Facebook and Instagram ad spend and Number of Sales have a positive linear relationship. The linear relationship of the plotted points indicates moderate spread, suggesting there is a medium or strong correlation, which typically means that as one variable increases, the other variable also tends to increase. The next steps are to calculate the correlation coefficient and conduct a regression analysis to demonstrate the strength of this relationship. </a:t>
-            </a:r>
-            <a:endParaRPr lang="en-US" sz="1200" b="0" i="0" dirty="0">
-              <a:solidFill>
-                <a:srgbClr val="000000"/>
-              </a:solidFill>
-              <a:effectLst/>
-              <a:latin typeface="Arial"/>
-              <a:cs typeface="Arial"/>
-            </a:endParaRPr>
-          </a:p>
-          <a:p>
-            <a:pPr marL="0" marR="0" lvl="0" indent="0" algn="l" defTabSz="914400" rtl="0" eaLnBrk="1" fontAlgn="auto" latinLnBrk="0" hangingPunct="1">
-              <a:lnSpc>
-                <a:spcPct val="100000"/>
-              </a:lnSpc>
-              <a:spcBef>
-                <a:spcPts val="0"/>
-              </a:spcBef>
-              <a:spcAft>
-                <a:spcPts val="0"/>
-              </a:spcAft>
-              <a:buClrTx/>
-              <a:buSzTx/>
-              <a:buFontTx/>
-              <a:buNone/>
-              <a:tabLst/>
-              <a:defRPr/>
-            </a:pPr>
             <a:endParaRPr lang="en-US" dirty="0"/>
-          </a:p>
-          <a:p>
-            <a:r>
-              <a:rPr lang="en-US" dirty="0"/>
-              <a:t>According to the “Discount Rate vs Sales” scatter plot, the relationship between the two variables is weakly correlated. The points are widely dispersed, making a linear trend difficult to detect visually.</a:t>
-            </a:r>
           </a:p>
         </p:txBody>
       </p:sp>
@@ -1152,7 +2954,7 @@
     </p:spTree>
     <p:extLst>
       <p:ext uri="{BB962C8B-B14F-4D97-AF65-F5344CB8AC3E}">
-        <p14:creationId xmlns:p14="http://schemas.microsoft.com/office/powerpoint/2010/main" val="3144986935"/>
+        <p14:creationId xmlns:p14="http://schemas.microsoft.com/office/powerpoint/2010/main" val="3239338164"/>
       </p:ext>
     </p:extLst>
   </p:cSld>
@@ -1225,7 +3027,18 @@
             </a:pPr>
             <a:r>
               <a:rPr lang="en-US" dirty="0"/>
-              <a:t>Now, we will run a regression analysis to find a simple linear regression that we can use to examine the relationship between two variables: Facebook ad spend and Sales. </a:t>
+              <a:t>Data visualization allows us to see patterns, relationship, and trends that may not be apparent from analyzing raw data alone. To visualize the relationship between sales and each of variable (</a:t>
+            </a:r>
+            <a:r>
+              <a:rPr lang="en-US" sz="1200" b="0" i="0" dirty="0">
+                <a:solidFill>
+                  <a:srgbClr val="000000"/>
+                </a:solidFill>
+                <a:effectLst/>
+                <a:latin typeface="Arial"/>
+                <a:cs typeface="Arial"/>
+              </a:rPr>
+              <a:t>Facebook ad spend, Instagram ad spend, Discount rate), we created three scatter plots. </a:t>
             </a:r>
             <a:r>
               <a:rPr lang="en-US" sz="1200" b="0" i="0" kern="1200" dirty="0">
@@ -1237,48 +3050,16 @@
                 <a:ea typeface="+mn-ea"/>
                 <a:cs typeface="+mn-cs"/>
               </a:rPr>
-              <a:t>A Simple Linear Regression</a:t>
-            </a:r>
-            <a:r>
-              <a:rPr lang="en-US" dirty="0"/>
-              <a:t> y = 1,141.28 + 12.86 * x, where x is independent variable, which in our case is the Facebook ad spend; y is dependent variable, which in our case is predicted number of sales; 1,141.28 is the y-intercept and 12.86 is the slope in this statistical model. We can use the model to predict the number of s</a:t>
-            </a:r>
-            <a:r>
-              <a:rPr lang="en-US" sz="1200" b="0" i="0" kern="1200" dirty="0">
-                <a:solidFill>
-                  <a:schemeClr val="tx1"/>
-                </a:solidFill>
-                <a:effectLst/>
-                <a:latin typeface="+mn-lt"/>
-                <a:ea typeface="+mn-ea"/>
-                <a:cs typeface="+mn-cs"/>
-              </a:rPr>
-              <a:t>ales after a particular Facebook ad spend in a month. For example, if the company spends $300 per month on Facebook ads, the predicted number of sales would be y = </a:t>
-            </a:r>
-            <a:r>
-              <a:rPr lang="en-US" dirty="0"/>
-              <a:t>1,141.28 + 12.86 *</a:t>
-            </a:r>
-            <a:r>
-              <a:rPr lang="en-US" sz="1200" b="0" i="0" kern="1200" dirty="0">
-                <a:solidFill>
-                  <a:schemeClr val="tx1"/>
-                </a:solidFill>
-                <a:effectLst/>
-                <a:latin typeface="+mn-lt"/>
-                <a:ea typeface="+mn-ea"/>
-                <a:cs typeface="+mn-cs"/>
-              </a:rPr>
-              <a:t> 300 = 4,999. Overall, Facebook advertising spending is beneficial for the business</a:t>
-            </a:r>
-            <a:r>
-              <a:rPr lang="en-US" sz="1200" dirty="0">
-                <a:latin typeface="Calibri"/>
-                <a:ea typeface="Calibri"/>
-                <a:cs typeface="Calibri"/>
-              </a:rPr>
-              <a:t>. However, if we look at the coefficient of determination (R-squared) value, which measured the proportion of variance in the response variable explained by the explanatory variable, R-squared = 0.451. This suggests that the model provides a useful, moderate explanation of the variability in the data, but there is a still a large portion of variation that the current predictors do not capture.</a:t>
-            </a:r>
+              <a:t>The first two scatter plots show that Facebook and Instagram ad spend, and Number of Sales have a positive linear relationship. The linear relationship of the plotted points indicates moderate spread, suggesting there is a medium or strong correlation, which typically means that as one variable increases, the other variable also tends to increase. The next steps are to calculate the correlation coefficient and conduct a regression analysis to demonstrate the strength of this relationship. </a:t>
+            </a:r>
+            <a:endParaRPr lang="en-US" sz="1200" b="0" i="0" dirty="0">
+              <a:solidFill>
+                <a:srgbClr val="000000"/>
+              </a:solidFill>
+              <a:effectLst/>
+              <a:latin typeface="Arial"/>
+              <a:cs typeface="Arial"/>
+            </a:endParaRPr>
           </a:p>
           <a:p>
             <a:pPr marL="0" marR="0" lvl="0" indent="0" algn="l" defTabSz="914400" rtl="0" eaLnBrk="1" fontAlgn="auto" latinLnBrk="0" hangingPunct="1">
@@ -1301,7 +3082,10 @@
             <a:endParaRPr lang="en-US" dirty="0"/>
           </a:p>
           <a:p>
-            <a:endParaRPr lang="en-US" dirty="0"/>
+            <a:r>
+              <a:rPr lang="en-US" dirty="0"/>
+              <a:t>According to the “Discount Rate vs Sales” scatter plot, the relationship between the two variables is weakly correlated. The points are widely dispersed, making a linear trend difficult to detect visually.</a:t>
+            </a:r>
           </a:p>
         </p:txBody>
       </p:sp>
@@ -1331,7 +3115,7 @@
     </p:spTree>
     <p:extLst>
       <p:ext uri="{BB962C8B-B14F-4D97-AF65-F5344CB8AC3E}">
-        <p14:creationId xmlns:p14="http://schemas.microsoft.com/office/powerpoint/2010/main" val="783408791"/>
+        <p14:creationId xmlns:p14="http://schemas.microsoft.com/office/powerpoint/2010/main" val="3144986935"/>
       </p:ext>
     </p:extLst>
   </p:cSld>
@@ -1346,7 +3130,13 @@
   <p:cSld>
     <p:spTree>
       <p:nvGrpSpPr>
-        <p:cNvPr id="1" name=""/>
+        <p:cNvPr id="1" name="">
+          <a:extLst>
+            <a:ext uri="{FF2B5EF4-FFF2-40B4-BE49-F238E27FC236}">
+              <a16:creationId xmlns:a16="http://schemas.microsoft.com/office/drawing/2014/main" id="{B6BAC2A9-AB80-3BFA-DBF9-DDEB85496440}"/>
+            </a:ext>
+          </a:extLst>
+        </p:cNvPr>
         <p:cNvGrpSpPr/>
         <p:nvPr/>
       </p:nvGrpSpPr>
@@ -1360,7 +3150,13 @@
       </p:grpSpPr>
       <p:sp>
         <p:nvSpPr>
-          <p:cNvPr id="2" name="Slide Image Placeholder 1"/>
+          <p:cNvPr id="2" name="Slide Image Placeholder 1">
+            <a:extLst>
+              <a:ext uri="{FF2B5EF4-FFF2-40B4-BE49-F238E27FC236}">
+                <a16:creationId xmlns:a16="http://schemas.microsoft.com/office/drawing/2014/main" id="{43627A81-A7A9-BC9D-FFFE-7E2F7B4F9665}"/>
+              </a:ext>
+            </a:extLst>
+          </p:cNvPr>
           <p:cNvSpPr>
             <a:spLocks noGrp="1" noRot="1" noChangeAspect="1"/>
           </p:cNvSpPr>
@@ -1372,7 +3168,13 @@
       </p:sp>
       <p:sp>
         <p:nvSpPr>
-          <p:cNvPr id="3" name="Notes Placeholder 2"/>
+          <p:cNvPr id="3" name="Notes Placeholder 2">
+            <a:extLst>
+              <a:ext uri="{FF2B5EF4-FFF2-40B4-BE49-F238E27FC236}">
+                <a16:creationId xmlns:a16="http://schemas.microsoft.com/office/drawing/2014/main" id="{7C2DD5EE-CEDA-06A9-2A00-EB121125965E}"/>
+              </a:ext>
+            </a:extLst>
+          </p:cNvPr>
           <p:cNvSpPr>
             <a:spLocks noGrp="1"/>
           </p:cNvSpPr>
@@ -1385,63 +3187,19 @@
           <a:bodyPr/>
           <a:lstStyle/>
           <a:p>
-            <a:pPr algn="l" rtl="0" fontAlgn="base">
-              <a:lnSpc>
-                <a:spcPct val="100000"/>
-              </a:lnSpc>
-              <a:buFont typeface="Arial" panose="020B0604020202020204" pitchFamily="34" charset="0"/>
-              <a:buNone/>
-            </a:pPr>
-            <a:r>
-              <a:rPr lang="en-US" b="0" i="0" dirty="0">
-                <a:solidFill>
-                  <a:srgbClr val="000000"/>
-                </a:solidFill>
-                <a:effectLst/>
-                <a:latin typeface="Arial"/>
-                <a:cs typeface="Arial"/>
-              </a:rPr>
-              <a:t>Next, we will evaluate performance of the simple linear regression by analyzing residuals. On the slide we can see two plots. The plot on the left (Residuals vs Fitted Values) shows residuals from a linear relationship. The residuals are randomly scattered around the horizontal axis (zero lane), indicating that the simple linear regression model from the previous step is a good fit for the data. It also shows that the residuals have a consistent spread, which indicates that the model’s residuals are evenly distributed.</a:t>
-            </a:r>
-          </a:p>
-          <a:p>
-            <a:pPr algn="l" rtl="0" fontAlgn="base">
-              <a:lnSpc>
-                <a:spcPct val="100000"/>
-              </a:lnSpc>
-              <a:buFont typeface="Arial" panose="020B0604020202020204" pitchFamily="34" charset="0"/>
-              <a:buNone/>
-            </a:pPr>
-            <a:r>
-              <a:rPr lang="en-US" b="0" i="0" dirty="0">
-                <a:solidFill>
-                  <a:srgbClr val="000000"/>
-                </a:solidFill>
-                <a:effectLst/>
-                <a:latin typeface="Arial"/>
-                <a:cs typeface="Arial"/>
-              </a:rPr>
-              <a:t>The plot on the right, Q-Q Plot of Residuals, help us to indicate if the model’s residuals are normally distributed. In practice, minor deviations are often acceptable, especially in large datasets. As we can see from the plot, we do not have significant deviations from the line. A few points near -1.5 a little bit far from the line might indicate outliers, which can affect normality, but overall pattern shows the residuals are likely normally distributed and small deviations are usually acceptable. T</a:t>
-            </a:r>
-            <a:r>
-              <a:rPr lang="en-US" sz="1200" b="0" i="0" kern="1200" dirty="0">
-                <a:solidFill>
-                  <a:schemeClr val="tx1"/>
-                </a:solidFill>
-                <a:effectLst/>
-                <a:latin typeface="+mn-lt"/>
-                <a:ea typeface="+mn-ea"/>
-                <a:cs typeface="+mn-cs"/>
-              </a:rPr>
-              <a:t>his suggests that the assumption of normality for the residuals in the regression model is reasonably met, supporting the reliability of the model's predictions.</a:t>
-            </a:r>
             <a:endParaRPr lang="en-US" dirty="0"/>
           </a:p>
         </p:txBody>
       </p:sp>
       <p:sp>
         <p:nvSpPr>
-          <p:cNvPr id="4" name="Slide Number Placeholder 3"/>
+          <p:cNvPr id="4" name="Slide Number Placeholder 3">
+            <a:extLst>
+              <a:ext uri="{FF2B5EF4-FFF2-40B4-BE49-F238E27FC236}">
+                <a16:creationId xmlns:a16="http://schemas.microsoft.com/office/drawing/2014/main" id="{A90BB79B-148C-6C92-A2A2-84C9231DE29D}"/>
+              </a:ext>
+            </a:extLst>
+          </p:cNvPr>
           <p:cNvSpPr>
             <a:spLocks noGrp="1"/>
           </p:cNvSpPr>
@@ -1465,7 +3223,7 @@
     </p:spTree>
     <p:extLst>
       <p:ext uri="{BB962C8B-B14F-4D97-AF65-F5344CB8AC3E}">
-        <p14:creationId xmlns:p14="http://schemas.microsoft.com/office/powerpoint/2010/main" val="1365575268"/>
+        <p14:creationId xmlns:p14="http://schemas.microsoft.com/office/powerpoint/2010/main" val="3341846070"/>
       </p:ext>
     </p:extLst>
   </p:cSld>
@@ -1480,7 +3238,13 @@
   <p:cSld>
     <p:spTree>
       <p:nvGrpSpPr>
-        <p:cNvPr id="1" name=""/>
+        <p:cNvPr id="1" name="">
+          <a:extLst>
+            <a:ext uri="{FF2B5EF4-FFF2-40B4-BE49-F238E27FC236}">
+              <a16:creationId xmlns:a16="http://schemas.microsoft.com/office/drawing/2014/main" id="{277975AD-E2A0-9C17-B570-E8F2DF7064D5}"/>
+            </a:ext>
+          </a:extLst>
+        </p:cNvPr>
         <p:cNvGrpSpPr/>
         <p:nvPr/>
       </p:nvGrpSpPr>
@@ -1494,7 +3258,13 @@
       </p:grpSpPr>
       <p:sp>
         <p:nvSpPr>
-          <p:cNvPr id="2" name="Slide Image Placeholder 1"/>
+          <p:cNvPr id="2" name="Slide Image Placeholder 1">
+            <a:extLst>
+              <a:ext uri="{FF2B5EF4-FFF2-40B4-BE49-F238E27FC236}">
+                <a16:creationId xmlns:a16="http://schemas.microsoft.com/office/drawing/2014/main" id="{E7E74630-B50F-6995-333A-F3DAE12B5329}"/>
+              </a:ext>
+            </a:extLst>
+          </p:cNvPr>
           <p:cNvSpPr>
             <a:spLocks noGrp="1" noRot="1" noChangeAspect="1"/>
           </p:cNvSpPr>
@@ -1506,7 +3276,13 @@
       </p:sp>
       <p:sp>
         <p:nvSpPr>
-          <p:cNvPr id="3" name="Notes Placeholder 2"/>
+          <p:cNvPr id="3" name="Notes Placeholder 2">
+            <a:extLst>
+              <a:ext uri="{FF2B5EF4-FFF2-40B4-BE49-F238E27FC236}">
+                <a16:creationId xmlns:a16="http://schemas.microsoft.com/office/drawing/2014/main" id="{76D90203-8D56-6A92-2261-DF0B312C910B}"/>
+              </a:ext>
+            </a:extLst>
+          </p:cNvPr>
           <p:cNvSpPr>
             <a:spLocks noGrp="1"/>
           </p:cNvSpPr>
@@ -1519,175 +3295,19 @@
           <a:bodyPr/>
           <a:lstStyle/>
           <a:p>
-            <a:pPr algn="l" rtl="0" fontAlgn="base">
-              <a:lnSpc>
-                <a:spcPct val="100000"/>
-              </a:lnSpc>
-              <a:buFont typeface="Arial" panose="020B0604020202020204" pitchFamily="34" charset="0"/>
-              <a:buNone/>
-            </a:pPr>
-            <a:r>
-              <a:rPr lang="en-US" b="0" i="0" dirty="0">
-                <a:solidFill>
-                  <a:srgbClr val="000000"/>
-                </a:solidFill>
-                <a:effectLst/>
-                <a:latin typeface="Arial"/>
-                <a:cs typeface="Arial"/>
-              </a:rPr>
-              <a:t>Next step, we will explore multiple linear regression. </a:t>
-            </a:r>
-            <a:r>
-              <a:rPr lang="en-US" dirty="0"/>
-              <a:t>While simple linear regression involves one predictor variable, multiple linear regression allows us to include multiple explanatory variables to better understand and predict the response variable. In our example, we used Facebook ad spend to predict the number of sales. Multiple linear regression allows you to use more than one explanatory variable, which means we will use </a:t>
-            </a:r>
-            <a:r>
-              <a:rPr lang="en-US" b="0" i="0" dirty="0">
-                <a:solidFill>
-                  <a:srgbClr val="000000"/>
-                </a:solidFill>
-                <a:effectLst/>
-                <a:latin typeface="Arial"/>
-                <a:cs typeface="Arial"/>
-              </a:rPr>
-              <a:t>Facebook ad spend, Instagram ad spend, and discount rate to predict sales. Examining the calculations for R-squared, we can observe, R-squared increases with the multiple regression model. </a:t>
-            </a:r>
-          </a:p>
-          <a:p>
-            <a:pPr algn="l" rtl="0" fontAlgn="base">
-              <a:lnSpc>
-                <a:spcPct val="100000"/>
-              </a:lnSpc>
-              <a:buFont typeface="Arial" panose="020B0604020202020204" pitchFamily="34" charset="0"/>
-              <a:buNone/>
-            </a:pPr>
-            <a:r>
-              <a:rPr lang="en-US" b="0" i="0" dirty="0">
-                <a:solidFill>
-                  <a:srgbClr val="000000"/>
-                </a:solidFill>
-                <a:effectLst/>
-                <a:latin typeface="Arial"/>
-                <a:cs typeface="Arial"/>
-              </a:rPr>
-              <a:t>R-squared Simple linear regression – 0.451</a:t>
-            </a:r>
-          </a:p>
-          <a:p>
-            <a:pPr algn="l" rtl="0" fontAlgn="base">
-              <a:lnSpc>
-                <a:spcPct val="100000"/>
-              </a:lnSpc>
-              <a:buFont typeface="Arial" panose="020B0604020202020204" pitchFamily="34" charset="0"/>
-              <a:buNone/>
-            </a:pPr>
-            <a:r>
-              <a:rPr lang="en-US" b="0" i="0" dirty="0">
-                <a:solidFill>
-                  <a:srgbClr val="000000"/>
-                </a:solidFill>
-                <a:effectLst/>
-                <a:latin typeface="Arial"/>
-                <a:cs typeface="Arial"/>
-              </a:rPr>
-              <a:t>R-squared Multiple linear regression – 0.650</a:t>
-            </a:r>
-          </a:p>
-          <a:p>
-            <a:pPr algn="l" rtl="0" fontAlgn="base">
-              <a:lnSpc>
-                <a:spcPct val="100000"/>
-              </a:lnSpc>
-              <a:buFont typeface="Arial" panose="020B0604020202020204" pitchFamily="34" charset="0"/>
-              <a:buNone/>
-            </a:pPr>
-            <a:r>
-              <a:rPr lang="en-US" b="0" i="0" dirty="0">
-                <a:solidFill>
-                  <a:srgbClr val="000000"/>
-                </a:solidFill>
-                <a:effectLst/>
-                <a:latin typeface="Arial"/>
-                <a:cs typeface="Arial"/>
-              </a:rPr>
-              <a:t>This proves that including Instagram ad spend and discount rate improves the model’s predictive power.</a:t>
-            </a:r>
-          </a:p>
-          <a:p>
-            <a:pPr algn="l" rtl="0" fontAlgn="base">
-              <a:lnSpc>
-                <a:spcPct val="100000"/>
-              </a:lnSpc>
-              <a:buFont typeface="Arial" panose="020B0604020202020204" pitchFamily="34" charset="0"/>
-              <a:buNone/>
-            </a:pPr>
-            <a:endParaRPr lang="en-US" b="0" i="0" dirty="0">
-              <a:solidFill>
-                <a:srgbClr val="000000"/>
-              </a:solidFill>
-              <a:effectLst/>
-              <a:latin typeface="Arial"/>
-              <a:cs typeface="Arial"/>
-            </a:endParaRPr>
-          </a:p>
-          <a:p>
-            <a:pPr marL="0" marR="0" lvl="0" indent="0" algn="l" defTabSz="914400" rtl="0" eaLnBrk="1" fontAlgn="base" latinLnBrk="0" hangingPunct="1">
-              <a:lnSpc>
-                <a:spcPct val="100000"/>
-              </a:lnSpc>
-              <a:spcBef>
-                <a:spcPts val="0"/>
-              </a:spcBef>
-              <a:spcAft>
-                <a:spcPts val="0"/>
-              </a:spcAft>
-              <a:buClrTx/>
-              <a:buSzTx/>
-              <a:buFont typeface="Arial" panose="020B0604020202020204" pitchFamily="34" charset="0"/>
-              <a:buNone/>
-              <a:tabLst/>
-              <a:defRPr/>
-            </a:pPr>
-            <a:r>
-              <a:rPr lang="en-US" b="0" i="0" dirty="0">
-                <a:solidFill>
-                  <a:srgbClr val="000000"/>
-                </a:solidFill>
-                <a:effectLst/>
-                <a:latin typeface="Arial"/>
-                <a:cs typeface="Arial"/>
-              </a:rPr>
-              <a:t>Using the regression output, the multiple linear regression model that predicted number of sales is given by </a:t>
-            </a:r>
-            <a:r>
-              <a:rPr lang="en-US" b="1" i="0" u="none" dirty="0">
-                <a:solidFill>
-                  <a:srgbClr val="000000"/>
-                </a:solidFill>
-                <a:effectLst/>
-                <a:latin typeface="Arial"/>
-                <a:cs typeface="Arial"/>
-              </a:rPr>
-              <a:t>y = </a:t>
-            </a:r>
-            <a:r>
-              <a:rPr lang="en-US" sz="1200" b="1" i="0" u="none" kern="1200" dirty="0">
-                <a:solidFill>
-                  <a:schemeClr val="tx1"/>
-                </a:solidFill>
-                <a:effectLst/>
-                <a:latin typeface="+mn-lt"/>
-                <a:ea typeface="+mn-ea"/>
-                <a:cs typeface="+mn-cs"/>
-              </a:rPr>
-              <a:t>-1944.96 + 13.50 * x_1 + 15.60 * x_2 – 8.60 * x_3</a:t>
-            </a:r>
-          </a:p>
-        </p:txBody>
-      </p:sp>
-      <p:sp>
-        <p:nvSpPr>
-          <p:cNvPr id="4" name="Slide Number Placeholder 3"/>
+            <a:endParaRPr lang="en-US" dirty="0"/>
+          </a:p>
+        </p:txBody>
+      </p:sp>
+      <p:sp>
+        <p:nvSpPr>
+          <p:cNvPr id="4" name="Slide Number Placeholder 3">
+            <a:extLst>
+              <a:ext uri="{FF2B5EF4-FFF2-40B4-BE49-F238E27FC236}">
+                <a16:creationId xmlns:a16="http://schemas.microsoft.com/office/drawing/2014/main" id="{E5696F72-33C4-DA2F-5D7E-C13AA1908F76}"/>
+              </a:ext>
+            </a:extLst>
+          </p:cNvPr>
           <p:cNvSpPr>
             <a:spLocks noGrp="1"/>
           </p:cNvSpPr>
@@ -1711,7 +3331,7 @@
     </p:spTree>
     <p:extLst>
       <p:ext uri="{BB962C8B-B14F-4D97-AF65-F5344CB8AC3E}">
-        <p14:creationId xmlns:p14="http://schemas.microsoft.com/office/powerpoint/2010/main" val="1278968685"/>
+        <p14:creationId xmlns:p14="http://schemas.microsoft.com/office/powerpoint/2010/main" val="392227172"/>
       </p:ext>
     </p:extLst>
   </p:cSld>
@@ -1765,304 +3385,6 @@
           <a:bodyPr/>
           <a:lstStyle/>
           <a:p>
-            <a:pPr marL="0" indent="0" algn="l" rtl="0" fontAlgn="base">
-              <a:lnSpc>
-                <a:spcPct val="100000"/>
-              </a:lnSpc>
-              <a:buNone/>
-            </a:pPr>
-            <a:r>
-              <a:rPr lang="en-US" b="1" i="0" dirty="0">
-                <a:solidFill>
-                  <a:srgbClr val="000000"/>
-                </a:solidFill>
-                <a:effectLst/>
-                <a:latin typeface="Arial"/>
-                <a:cs typeface="Arial"/>
-              </a:rPr>
-              <a:t>Analysis Task:</a:t>
-            </a:r>
-            <a:r>
-              <a:rPr lang="en-US" b="0" i="0" dirty="0">
-                <a:solidFill>
-                  <a:srgbClr val="000000"/>
-                </a:solidFill>
-                <a:effectLst/>
-                <a:latin typeface="Arial"/>
-                <a:cs typeface="Arial"/>
-              </a:rPr>
-              <a:t> </a:t>
-            </a:r>
-            <a:endParaRPr lang="en-US" dirty="0"/>
-          </a:p>
-          <a:p>
-            <a:pPr algn="l" rtl="0" fontAlgn="base">
-              <a:lnSpc>
-                <a:spcPct val="100000"/>
-              </a:lnSpc>
-              <a:buFont typeface="Arial" panose="020B0604020202020204" pitchFamily="34" charset="0"/>
-              <a:buChar char="•"/>
-            </a:pPr>
-            <a:r>
-              <a:rPr lang="en-US" b="0" i="0" dirty="0">
-                <a:solidFill>
-                  <a:srgbClr val="000000"/>
-                </a:solidFill>
-                <a:effectLst/>
-                <a:latin typeface="Arial"/>
-                <a:cs typeface="Arial"/>
-              </a:rPr>
-              <a:t>Construct both a 3-month moving average forecast and an exponential smoothing forecast for January 2025 (use a smoothing parameter of 0.80). </a:t>
-            </a:r>
-          </a:p>
-          <a:p>
-            <a:pPr algn="l" rtl="0" fontAlgn="base">
-              <a:lnSpc>
-                <a:spcPct val="100000"/>
-              </a:lnSpc>
-              <a:buFont typeface="Arial" panose="020B0604020202020204" pitchFamily="34" charset="0"/>
-              <a:buChar char="•"/>
-            </a:pPr>
-            <a:r>
-              <a:rPr lang="en-US" b="0" i="0" dirty="0">
-                <a:solidFill>
-                  <a:srgbClr val="000000"/>
-                </a:solidFill>
-                <a:effectLst/>
-                <a:latin typeface="Arial"/>
-                <a:cs typeface="Arial"/>
-              </a:rPr>
-              <a:t>Choose the most reliable method based on </a:t>
-            </a:r>
-            <a:r>
-              <a:rPr lang="en-US" b="0" i="0" dirty="0" err="1">
-                <a:solidFill>
-                  <a:srgbClr val="000000"/>
-                </a:solidFill>
-                <a:effectLst/>
-                <a:latin typeface="Arial"/>
-                <a:cs typeface="Arial"/>
-              </a:rPr>
-              <a:t>TechGear’s</a:t>
-            </a:r>
-            <a:r>
-              <a:rPr lang="en-US" b="0" i="0" dirty="0">
-                <a:solidFill>
-                  <a:srgbClr val="000000"/>
-                </a:solidFill>
-                <a:effectLst/>
-                <a:latin typeface="Arial"/>
-                <a:cs typeface="Arial"/>
-              </a:rPr>
-              <a:t> preference for recent sales trends. </a:t>
-            </a:r>
-          </a:p>
-          <a:p>
-            <a:pPr marL="0" indent="0" algn="l" rtl="0" fontAlgn="base">
-              <a:lnSpc>
-                <a:spcPct val="100000"/>
-              </a:lnSpc>
-              <a:buNone/>
-            </a:pPr>
-            <a:r>
-              <a:rPr lang="en-US" b="1" i="0" dirty="0">
-                <a:solidFill>
-                  <a:srgbClr val="000000"/>
-                </a:solidFill>
-                <a:effectLst/>
-                <a:latin typeface="Arial"/>
-                <a:cs typeface="Arial"/>
-              </a:rPr>
-              <a:t>Slide Content:</a:t>
-            </a:r>
-            <a:r>
-              <a:rPr lang="en-US" b="0" i="0" dirty="0">
-                <a:solidFill>
-                  <a:srgbClr val="000000"/>
-                </a:solidFill>
-                <a:effectLst/>
-                <a:latin typeface="Arial"/>
-                <a:cs typeface="Arial"/>
-              </a:rPr>
-              <a:t> </a:t>
-            </a:r>
-            <a:endParaRPr lang="en-US" dirty="0">
-              <a:solidFill>
-                <a:srgbClr val="000000"/>
-              </a:solidFill>
-              <a:latin typeface="Arial"/>
-              <a:cs typeface="Arial"/>
-            </a:endParaRPr>
-          </a:p>
-          <a:p>
-            <a:pPr algn="l" rtl="0" fontAlgn="base">
-              <a:lnSpc>
-                <a:spcPct val="100000"/>
-              </a:lnSpc>
-              <a:buFont typeface="Arial" panose="020B0604020202020204" pitchFamily="34" charset="0"/>
-              <a:buChar char="•"/>
-            </a:pPr>
-            <a:r>
-              <a:rPr lang="en-US" b="0" i="0" dirty="0">
-                <a:solidFill>
-                  <a:srgbClr val="000000"/>
-                </a:solidFill>
-                <a:effectLst/>
-                <a:latin typeface="Arial"/>
-                <a:cs typeface="Arial"/>
-              </a:rPr>
-              <a:t>Forecast results from both methods. </a:t>
-            </a:r>
-          </a:p>
-          <a:p>
-            <a:pPr algn="l" rtl="0" fontAlgn="base">
-              <a:lnSpc>
-                <a:spcPct val="100000"/>
-              </a:lnSpc>
-              <a:buFont typeface="Arial" panose="020B0604020202020204" pitchFamily="34" charset="0"/>
-              <a:buChar char="•"/>
-            </a:pPr>
-            <a:r>
-              <a:rPr lang="en-US" b="0" i="0" dirty="0">
-                <a:solidFill>
-                  <a:srgbClr val="000000"/>
-                </a:solidFill>
-                <a:effectLst/>
-                <a:latin typeface="Arial"/>
-                <a:cs typeface="Arial"/>
-              </a:rPr>
-              <a:t>Recommendation of the most reliable method. </a:t>
-            </a:r>
-          </a:p>
-          <a:p>
-            <a:pPr marL="0" indent="0" algn="l" rtl="0" fontAlgn="base">
-              <a:lnSpc>
-                <a:spcPct val="100000"/>
-              </a:lnSpc>
-              <a:buNone/>
-            </a:pPr>
-            <a:r>
-              <a:rPr lang="en-US" b="1" i="0" dirty="0">
-                <a:solidFill>
-                  <a:srgbClr val="000000"/>
-                </a:solidFill>
-                <a:effectLst/>
-                <a:latin typeface="Arial"/>
-                <a:cs typeface="Arial"/>
-              </a:rPr>
-              <a:t>Speaker Notes:</a:t>
-            </a:r>
-            <a:r>
-              <a:rPr lang="en-US" b="0" i="0" dirty="0">
-                <a:solidFill>
-                  <a:srgbClr val="000000"/>
-                </a:solidFill>
-                <a:effectLst/>
-                <a:latin typeface="Arial"/>
-                <a:cs typeface="Arial"/>
-              </a:rPr>
-              <a:t> </a:t>
-            </a:r>
-            <a:endParaRPr lang="en-US" dirty="0">
-              <a:solidFill>
-                <a:srgbClr val="000000"/>
-              </a:solidFill>
-              <a:latin typeface="Arial"/>
-              <a:cs typeface="Arial"/>
-            </a:endParaRPr>
-          </a:p>
-          <a:p>
-            <a:pPr algn="l" rtl="0" fontAlgn="base">
-              <a:lnSpc>
-                <a:spcPct val="100000"/>
-              </a:lnSpc>
-              <a:buFont typeface="Arial" panose="020B0604020202020204" pitchFamily="34" charset="0"/>
-              <a:buChar char="•"/>
-            </a:pPr>
-            <a:r>
-              <a:rPr lang="en-US" b="0" i="0" dirty="0">
-                <a:solidFill>
-                  <a:srgbClr val="000000"/>
-                </a:solidFill>
-                <a:effectLst/>
-                <a:latin typeface="Arial"/>
-                <a:cs typeface="Arial"/>
-              </a:rPr>
-              <a:t>Justify your choice of forecasting method. </a:t>
-            </a:r>
-          </a:p>
-          <a:p>
-            <a:pPr algn="l" rtl="0" fontAlgn="base">
-              <a:lnSpc>
-                <a:spcPct val="100000"/>
-              </a:lnSpc>
-              <a:buFont typeface="Arial" panose="020B0604020202020204" pitchFamily="34" charset="0"/>
-              <a:buChar char="•"/>
-            </a:pPr>
-            <a:r>
-              <a:rPr lang="en-US" b="0" i="0" dirty="0">
-                <a:solidFill>
-                  <a:srgbClr val="000000"/>
-                </a:solidFill>
-                <a:effectLst/>
-                <a:latin typeface="Arial"/>
-                <a:cs typeface="Arial"/>
-              </a:rPr>
-              <a:t>Provide recommendations on how </a:t>
-            </a:r>
-            <a:r>
-              <a:rPr lang="en-US" b="0" i="0" dirty="0" err="1">
-                <a:solidFill>
-                  <a:srgbClr val="000000"/>
-                </a:solidFill>
-                <a:effectLst/>
-                <a:latin typeface="Arial"/>
-                <a:cs typeface="Arial"/>
-              </a:rPr>
-              <a:t>TechGear</a:t>
-            </a:r>
-            <a:r>
-              <a:rPr lang="en-US" b="0" i="0" dirty="0">
-                <a:solidFill>
-                  <a:srgbClr val="000000"/>
-                </a:solidFill>
-                <a:effectLst/>
-                <a:latin typeface="Arial"/>
-                <a:cs typeface="Arial"/>
-              </a:rPr>
-              <a:t> can use the forecast to optimize marketing strategies. </a:t>
-            </a:r>
-          </a:p>
-          <a:p>
-            <a:endParaRPr lang="en-US" dirty="0"/>
-          </a:p>
-          <a:p>
-            <a:endParaRPr lang="en-US" dirty="0"/>
-          </a:p>
-          <a:p>
-            <a:r>
-              <a:rPr lang="en-US" dirty="0"/>
-              <a:t>In our analysis we will use two  forecasting methods: “3-month moving average” and “An exponential smoothing”.</a:t>
-            </a:r>
-          </a:p>
-          <a:p>
-            <a:r>
-              <a:rPr lang="en-US" dirty="0"/>
-              <a:t>“3-month moving average” helps smooth out short-term fluctuations in data to see the overall pattern. In our example we decided to take 3-month window size. A table on the left shows the forecasted values based on the 3-month moving averages. And as we calculated that the </a:t>
-            </a:r>
-            <a:r>
-              <a:rPr lang="en-US" b="0" i="0" dirty="0">
-                <a:solidFill>
-                  <a:srgbClr val="000000"/>
-                </a:solidFill>
-                <a:effectLst/>
-                <a:latin typeface="Arial"/>
-                <a:cs typeface="Arial"/>
-              </a:rPr>
-              <a:t>3-month moving average forecast for January 2025 equals 6059 Sales.</a:t>
-            </a:r>
-          </a:p>
-          <a:p>
             <a:pPr marL="0" marR="0" lvl="0" indent="0" algn="l" defTabSz="914400" rtl="0" eaLnBrk="1" fontAlgn="auto" latinLnBrk="0" hangingPunct="1">
               <a:lnSpc>
                 <a:spcPct val="100000"/>
@@ -2082,33 +3404,79 @@
             </a:pPr>
             <a:r>
               <a:rPr lang="en-US" dirty="0"/>
-              <a:t>“An exponential smoothing” predicts future data points by giving more weight to recent data while still considering older data. In our calculations we use a smoothing parameter of 0.08. The column “An exponential smoothing” shows the forecasts for sales data.  And as we calculated that an exponential smoothing</a:t>
-            </a:r>
-            <a:r>
-              <a:rPr lang="en-US" b="0" i="0" dirty="0">
-                <a:solidFill>
-                  <a:srgbClr val="000000"/>
+              <a:t>Now, we will run a regression analysis to find a simple linear regression that we can use to examine the relationship between two variables: Facebook ad spend and Sales. </a:t>
+            </a:r>
+            <a:r>
+              <a:rPr lang="en-US" sz="1200" b="0" i="0" kern="1200" dirty="0">
+                <a:solidFill>
+                  <a:schemeClr val="tx1"/>
                 </a:solidFill>
                 <a:effectLst/>
-                <a:latin typeface="Arial"/>
-                <a:cs typeface="Arial"/>
+                <a:latin typeface="+mn-lt"/>
+                <a:ea typeface="+mn-ea"/>
+                <a:cs typeface="+mn-cs"/>
               </a:rPr>
-              <a:t> forecast for January 2025 equals 6032 Sales.</a:t>
-            </a:r>
-          </a:p>
-          <a:p>
-            <a:endParaRPr lang="en-US" dirty="0"/>
-          </a:p>
-          <a:p>
-            <a:endParaRPr lang="en-US" dirty="0"/>
-          </a:p>
-          <a:p>
+              <a:t>A Simple Linear Regression</a:t>
+            </a:r>
             <a:r>
               <a:rPr lang="en-US" dirty="0"/>
-              <a:t>To access forecast accuracy there are three measures that we calculated:</a:t>
-            </a:r>
-          </a:p>
-          <a:p>
+              <a:t> y = 1,141.28 + 12.86 * x, where x is independent variable, which in our case is the Facebook ad spend; y is dependent variable, which in our case is predicted number of sales; 1,141.28 is the y-intercept and 12.86 is the slope in this statistical model. We can use the model to predict the number of s</a:t>
+            </a:r>
+            <a:r>
+              <a:rPr lang="en-US" sz="1200" b="0" i="0" kern="1200" dirty="0">
+                <a:solidFill>
+                  <a:schemeClr val="tx1"/>
+                </a:solidFill>
+                <a:effectLst/>
+                <a:latin typeface="+mn-lt"/>
+                <a:ea typeface="+mn-ea"/>
+                <a:cs typeface="+mn-cs"/>
+              </a:rPr>
+              <a:t>ales after a particular Facebook ad spend in a month. For example, if the company spends $300 per month on Facebook ads, the predicted number of sales would be y = </a:t>
+            </a:r>
+            <a:r>
+              <a:rPr lang="en-US" dirty="0"/>
+              <a:t>1,141.28 + 12.86 *</a:t>
+            </a:r>
+            <a:r>
+              <a:rPr lang="en-US" sz="1200" b="0" i="0" kern="1200" dirty="0">
+                <a:solidFill>
+                  <a:schemeClr val="tx1"/>
+                </a:solidFill>
+                <a:effectLst/>
+                <a:latin typeface="+mn-lt"/>
+                <a:ea typeface="+mn-ea"/>
+                <a:cs typeface="+mn-cs"/>
+              </a:rPr>
+              <a:t> 300 = 4,999. Overall, Facebook advertising spending is beneficial for the business</a:t>
+            </a:r>
+            <a:r>
+              <a:rPr lang="en-US" sz="1200" dirty="0">
+                <a:latin typeface="Calibri"/>
+                <a:ea typeface="Calibri"/>
+                <a:cs typeface="Calibri"/>
+              </a:rPr>
+              <a:t>. However, if we look at the coefficient of determination (R-squared) value, which measured the proportion of variance in the response variable explained by the explanatory variable, R-squared = 0.451. This suggests that the model provides a useful, moderate explanation of the variability in the data, but there is a still a large portion of variation that the current predictors do not capture.</a:t>
+            </a:r>
+          </a:p>
+          <a:p>
+            <a:pPr marL="0" marR="0" lvl="0" indent="0" algn="l" defTabSz="914400" rtl="0" eaLnBrk="1" fontAlgn="auto" latinLnBrk="0" hangingPunct="1">
+              <a:lnSpc>
+                <a:spcPct val="100000"/>
+              </a:lnSpc>
+              <a:spcBef>
+                <a:spcPts val="0"/>
+              </a:spcBef>
+              <a:spcAft>
+                <a:spcPts val="0"/>
+              </a:spcAft>
+              <a:buClrTx/>
+              <a:buSzTx/>
+              <a:buFontTx/>
+              <a:buNone/>
+              <a:tabLst/>
+              <a:defRPr/>
+            </a:pPr>
             <a:endParaRPr lang="en-US" dirty="0"/>
           </a:p>
           <a:p>
@@ -2142,7 +3510,7 @@
     </p:spTree>
     <p:extLst>
       <p:ext uri="{BB962C8B-B14F-4D97-AF65-F5344CB8AC3E}">
-        <p14:creationId xmlns:p14="http://schemas.microsoft.com/office/powerpoint/2010/main" val="3837034738"/>
+        <p14:creationId xmlns:p14="http://schemas.microsoft.com/office/powerpoint/2010/main" val="783408791"/>
       </p:ext>
     </p:extLst>
   </p:cSld>
@@ -2157,7 +3525,13 @@
   <p:cSld>
     <p:spTree>
       <p:nvGrpSpPr>
-        <p:cNvPr id="1" name=""/>
+        <p:cNvPr id="1" name="">
+          <a:extLst>
+            <a:ext uri="{FF2B5EF4-FFF2-40B4-BE49-F238E27FC236}">
+              <a16:creationId xmlns:a16="http://schemas.microsoft.com/office/drawing/2014/main" id="{1C64C662-A508-8291-E838-A6C84EF3A2E3}"/>
+            </a:ext>
+          </a:extLst>
+        </p:cNvPr>
         <p:cNvGrpSpPr/>
         <p:nvPr/>
       </p:nvGrpSpPr>
@@ -2171,7 +3545,13 @@
       </p:grpSpPr>
       <p:sp>
         <p:nvSpPr>
-          <p:cNvPr id="2" name="Slide Image Placeholder 1"/>
+          <p:cNvPr id="2" name="Slide Image Placeholder 1">
+            <a:extLst>
+              <a:ext uri="{FF2B5EF4-FFF2-40B4-BE49-F238E27FC236}">
+                <a16:creationId xmlns:a16="http://schemas.microsoft.com/office/drawing/2014/main" id="{B926A0E0-65DD-F9ED-1BD3-AA10A6802188}"/>
+              </a:ext>
+            </a:extLst>
+          </p:cNvPr>
           <p:cNvSpPr>
             <a:spLocks noGrp="1" noRot="1" noChangeAspect="1"/>
           </p:cNvSpPr>
@@ -2183,7 +3563,13 @@
       </p:sp>
       <p:sp>
         <p:nvSpPr>
-          <p:cNvPr id="3" name="Notes Placeholder 2"/>
+          <p:cNvPr id="3" name="Notes Placeholder 2">
+            <a:extLst>
+              <a:ext uri="{FF2B5EF4-FFF2-40B4-BE49-F238E27FC236}">
+                <a16:creationId xmlns:a16="http://schemas.microsoft.com/office/drawing/2014/main" id="{E26213CD-3F0C-83C1-6A24-6608E6D4DAA9}"/>
+              </a:ext>
+            </a:extLst>
+          </p:cNvPr>
           <p:cNvSpPr>
             <a:spLocks noGrp="1"/>
           </p:cNvSpPr>
@@ -2196,437 +3582,19 @@
           <a:bodyPr/>
           <a:lstStyle/>
           <a:p>
-            <a:pPr marL="0" indent="0" algn="l" rtl="0" fontAlgn="base">
-              <a:lnSpc>
-                <a:spcPct val="100000"/>
-              </a:lnSpc>
-              <a:buNone/>
-            </a:pPr>
-            <a:r>
-              <a:rPr lang="en-US" b="1" i="0" dirty="0">
-                <a:solidFill>
-                  <a:srgbClr val="000000"/>
-                </a:solidFill>
-                <a:effectLst/>
-                <a:latin typeface="Arial"/>
-                <a:cs typeface="Arial"/>
-              </a:rPr>
-              <a:t>Analysis Task:</a:t>
-            </a:r>
-            <a:r>
-              <a:rPr lang="en-US" b="0" i="0" dirty="0">
-                <a:solidFill>
-                  <a:srgbClr val="000000"/>
-                </a:solidFill>
-                <a:effectLst/>
-                <a:latin typeface="Arial"/>
-                <a:cs typeface="Arial"/>
-              </a:rPr>
-              <a:t> </a:t>
-            </a:r>
             <a:endParaRPr lang="en-US" dirty="0"/>
           </a:p>
-          <a:p>
-            <a:pPr marL="493395" lvl="1">
-              <a:lnSpc>
-                <a:spcPct val="100000"/>
-              </a:lnSpc>
-            </a:pPr>
-            <a:r>
-              <a:rPr lang="en-US" sz="2000" dirty="0">
-                <a:latin typeface="Arial"/>
-                <a:cs typeface="Arial"/>
-              </a:rPr>
-              <a:t>Build a multiple linear regression model using 5-fold cross-validation to predict future sales. </a:t>
-            </a:r>
-          </a:p>
-          <a:p>
-            <a:pPr marL="493395" lvl="1">
-              <a:lnSpc>
-                <a:spcPct val="100000"/>
-              </a:lnSpc>
-            </a:pPr>
-            <a:r>
-              <a:rPr lang="en-US" sz="2000" dirty="0">
-                <a:latin typeface="Arial"/>
-                <a:cs typeface="Arial"/>
-              </a:rPr>
-              <a:t>Build a decision tree model using 5-fold cross-validation to predict future sales. </a:t>
-            </a:r>
-          </a:p>
-          <a:p>
-            <a:pPr marL="493395" lvl="1">
-              <a:lnSpc>
-                <a:spcPct val="100000"/>
-              </a:lnSpc>
-            </a:pPr>
-            <a:r>
-              <a:rPr lang="en-US" sz="2000" dirty="0">
-                <a:latin typeface="Arial"/>
-                <a:cs typeface="Arial"/>
-              </a:rPr>
-              <a:t>Compare the performance of these models using RMSE and determine which one </a:t>
-            </a:r>
-            <a:r>
-              <a:rPr lang="en-US" sz="2000" dirty="0" err="1">
-                <a:latin typeface="Arial"/>
-                <a:cs typeface="Arial"/>
-              </a:rPr>
-              <a:t>TechGear</a:t>
-            </a:r>
-            <a:r>
-              <a:rPr lang="en-US" sz="2000" dirty="0">
-                <a:latin typeface="Arial"/>
-                <a:cs typeface="Arial"/>
-              </a:rPr>
-              <a:t> should select. Provide a reason for why </a:t>
-            </a:r>
-            <a:r>
-              <a:rPr lang="en-US" sz="2000" dirty="0" err="1">
-                <a:latin typeface="Arial"/>
-                <a:cs typeface="Arial"/>
-              </a:rPr>
-              <a:t>TechGear</a:t>
-            </a:r>
-            <a:r>
-              <a:rPr lang="en-US" sz="2000" dirty="0">
-                <a:latin typeface="Arial"/>
-                <a:cs typeface="Arial"/>
-              </a:rPr>
-              <a:t> should select the model you are suggesting.  </a:t>
-            </a:r>
-          </a:p>
-          <a:p>
-            <a:pPr marL="0" indent="0">
-              <a:lnSpc>
-                <a:spcPct val="100000"/>
-              </a:lnSpc>
-              <a:buNone/>
-            </a:pPr>
-            <a:r>
-              <a:rPr lang="en-US" b="1" dirty="0">
-                <a:solidFill>
-                  <a:srgbClr val="000000"/>
-                </a:solidFill>
-                <a:latin typeface="Arial"/>
-                <a:ea typeface="+mn-lt"/>
-                <a:cs typeface="Arial"/>
-              </a:rPr>
-              <a:t>Slide</a:t>
-            </a:r>
-            <a:r>
-              <a:rPr lang="en-US" b="1" i="0" dirty="0">
-                <a:solidFill>
-                  <a:srgbClr val="000000"/>
-                </a:solidFill>
-                <a:effectLst/>
-                <a:latin typeface="Arial"/>
-                <a:cs typeface="Arial"/>
-              </a:rPr>
-              <a:t> Content:</a:t>
-            </a:r>
-            <a:r>
-              <a:rPr lang="en-US" b="0" i="0" dirty="0">
-                <a:solidFill>
-                  <a:srgbClr val="000000"/>
-                </a:solidFill>
-                <a:effectLst/>
-                <a:latin typeface="Arial"/>
-                <a:cs typeface="Arial"/>
-              </a:rPr>
-              <a:t> </a:t>
-            </a:r>
-            <a:endParaRPr lang="en-US" dirty="0">
-              <a:solidFill>
-                <a:srgbClr val="000000"/>
-              </a:solidFill>
-              <a:latin typeface="Arial"/>
-              <a:cs typeface="Arial"/>
-            </a:endParaRPr>
-          </a:p>
-          <a:p>
-            <a:pPr marL="493395" lvl="1" algn="l" rtl="0" fontAlgn="base">
-              <a:lnSpc>
-                <a:spcPct val="100000"/>
-              </a:lnSpc>
-              <a:buFont typeface="Arial" panose="020B0604020202020204" pitchFamily="34" charset="0"/>
-              <a:buChar char="•"/>
-            </a:pPr>
-            <a:r>
-              <a:rPr lang="en-US" sz="2000" b="0" i="0" dirty="0">
-                <a:solidFill>
-                  <a:srgbClr val="000000"/>
-                </a:solidFill>
-                <a:effectLst/>
-                <a:latin typeface="Arial"/>
-                <a:cs typeface="Arial"/>
-              </a:rPr>
-              <a:t>RMSE comparison and model selection. </a:t>
-            </a:r>
-          </a:p>
-          <a:p>
-            <a:pPr marL="493395" lvl="1" fontAlgn="base">
-              <a:lnSpc>
-                <a:spcPct val="100000"/>
-              </a:lnSpc>
-            </a:pPr>
-            <a:r>
-              <a:rPr lang="en-US" sz="2000" b="0" i="0" dirty="0">
-                <a:solidFill>
-                  <a:srgbClr val="000000"/>
-                </a:solidFill>
-                <a:effectLst/>
-                <a:latin typeface="Arial"/>
-                <a:cs typeface="Arial"/>
-              </a:rPr>
-              <a:t>Key insights from the best model. </a:t>
-            </a:r>
-            <a:endParaRPr lang="en-US" sz="2000" dirty="0">
-              <a:latin typeface="Arial"/>
-              <a:cs typeface="Arial"/>
-            </a:endParaRPr>
-          </a:p>
-          <a:p>
-            <a:pPr marL="0" indent="0" algn="l" rtl="0" fontAlgn="base">
-              <a:lnSpc>
-                <a:spcPct val="100000"/>
-              </a:lnSpc>
-              <a:buNone/>
-            </a:pPr>
-            <a:r>
-              <a:rPr lang="en-US" b="1" i="0" dirty="0">
-                <a:solidFill>
-                  <a:srgbClr val="000000"/>
-                </a:solidFill>
-                <a:effectLst/>
-                <a:latin typeface="Arial"/>
-                <a:cs typeface="Arial"/>
-              </a:rPr>
-              <a:t>Speaker Notes:</a:t>
-            </a:r>
-            <a:r>
-              <a:rPr lang="en-US" b="0" i="0" dirty="0">
-                <a:solidFill>
-                  <a:srgbClr val="000000"/>
-                </a:solidFill>
-                <a:effectLst/>
-                <a:latin typeface="Arial"/>
-                <a:cs typeface="Arial"/>
-              </a:rPr>
-              <a:t> </a:t>
-            </a:r>
-            <a:endParaRPr lang="en-US" dirty="0">
-              <a:solidFill>
-                <a:srgbClr val="000000"/>
-              </a:solidFill>
-              <a:latin typeface="Arial"/>
-              <a:cs typeface="Arial"/>
-            </a:endParaRPr>
-          </a:p>
-          <a:p>
-            <a:pPr marL="493395" lvl="1" algn="l" rtl="0" fontAlgn="base">
-              <a:lnSpc>
-                <a:spcPct val="100000"/>
-              </a:lnSpc>
-            </a:pPr>
-            <a:r>
-              <a:rPr lang="en-US" sz="2000" b="0" i="0" dirty="0">
-                <a:solidFill>
-                  <a:srgbClr val="000000"/>
-                </a:solidFill>
-                <a:effectLst/>
-                <a:latin typeface="Arial"/>
-                <a:cs typeface="Arial"/>
-              </a:rPr>
-              <a:t>Explain why you selected the best model. </a:t>
-            </a:r>
-          </a:p>
-          <a:p>
-            <a:pPr marL="493395" lvl="1" algn="l" rtl="0" fontAlgn="base">
-              <a:lnSpc>
-                <a:spcPct val="100000"/>
-              </a:lnSpc>
-            </a:pPr>
-            <a:r>
-              <a:rPr lang="en-US" sz="2000" b="0" i="0" dirty="0">
-                <a:solidFill>
-                  <a:srgbClr val="000000"/>
-                </a:solidFill>
-                <a:effectLst/>
-                <a:latin typeface="Arial"/>
-                <a:cs typeface="Arial"/>
-              </a:rPr>
-              <a:t>Interpret the RMSE and discuss its implications for decision-making. </a:t>
-            </a:r>
-          </a:p>
-          <a:p>
-            <a:pPr marL="493395" lvl="1" algn="l" rtl="0" fontAlgn="base">
-              <a:lnSpc>
-                <a:spcPct val="100000"/>
-              </a:lnSpc>
-            </a:pPr>
-            <a:r>
-              <a:rPr lang="en-US" sz="2000" b="0" i="0" dirty="0">
-                <a:solidFill>
-                  <a:srgbClr val="000000"/>
-                </a:solidFill>
-                <a:effectLst/>
-                <a:latin typeface="Arial"/>
-                <a:cs typeface="Arial"/>
-              </a:rPr>
-              <a:t>Consider the $6,500 threshold and the potential range of actual sales. </a:t>
-            </a:r>
-          </a:p>
-          <a:p>
-            <a:pPr marL="493395" lvl="1" algn="l" rtl="0" fontAlgn="base">
-              <a:lnSpc>
-                <a:spcPct val="100000"/>
-              </a:lnSpc>
-            </a:pPr>
-            <a:endParaRPr lang="en-US" sz="2000" b="0" i="0" dirty="0">
-              <a:solidFill>
-                <a:srgbClr val="000000"/>
-              </a:solidFill>
-              <a:effectLst/>
-              <a:latin typeface="Arial"/>
-              <a:cs typeface="Arial"/>
-            </a:endParaRPr>
-          </a:p>
-          <a:p>
-            <a:pPr marL="493395" lvl="1" algn="l" rtl="0" fontAlgn="base">
-              <a:lnSpc>
-                <a:spcPct val="100000"/>
-              </a:lnSpc>
-            </a:pPr>
-            <a:endParaRPr lang="en-US" sz="2000" b="0" i="0" dirty="0">
-              <a:solidFill>
-                <a:srgbClr val="000000"/>
-              </a:solidFill>
-              <a:effectLst/>
-              <a:latin typeface="Arial"/>
-              <a:cs typeface="Arial"/>
-            </a:endParaRPr>
-          </a:p>
-          <a:p>
-            <a:pPr marL="493395" lvl="1" algn="l" rtl="0" fontAlgn="base">
-              <a:lnSpc>
-                <a:spcPct val="100000"/>
-              </a:lnSpc>
-            </a:pPr>
-            <a:endParaRPr lang="en-US" sz="2000" b="0" i="0" dirty="0">
-              <a:solidFill>
-                <a:srgbClr val="000000"/>
-              </a:solidFill>
-              <a:effectLst/>
-              <a:latin typeface="Arial"/>
-              <a:cs typeface="Arial"/>
-            </a:endParaRPr>
-          </a:p>
-          <a:p>
-            <a:pPr algn="l" rtl="0" fontAlgn="base">
-              <a:lnSpc>
-                <a:spcPct val="100000"/>
-              </a:lnSpc>
-              <a:buFont typeface="Arial" panose="020B0604020202020204" pitchFamily="34" charset="0"/>
-              <a:buNone/>
-            </a:pPr>
-            <a:r>
-              <a:rPr lang="en-US" dirty="0"/>
-              <a:t>In this step we use multiple linear regression to model the relationship between a target variable and a set of features. In our model, the target variable is sales, and the features are </a:t>
-            </a:r>
-            <a:r>
-              <a:rPr lang="en-US" b="0" i="0" dirty="0">
-                <a:solidFill>
-                  <a:srgbClr val="000000"/>
-                </a:solidFill>
-                <a:effectLst/>
-                <a:latin typeface="Arial"/>
-                <a:cs typeface="Arial"/>
-              </a:rPr>
-              <a:t>Facebook ad spend, Instagram ad spend, and discount rate. We calculated Root Mean Square Error (RMSE) to represent how far, on average, the model’s predictions are from the actual values. In other words, </a:t>
-            </a:r>
-          </a:p>
-          <a:p>
-            <a:pPr algn="l" rtl="0" fontAlgn="base">
-              <a:lnSpc>
-                <a:spcPct val="100000"/>
-              </a:lnSpc>
-              <a:buFont typeface="Arial" panose="020B0604020202020204" pitchFamily="34" charset="0"/>
-              <a:buNone/>
-            </a:pPr>
-            <a:endParaRPr lang="en-US" b="0" i="0" dirty="0">
-              <a:solidFill>
-                <a:srgbClr val="000000"/>
-              </a:solidFill>
-              <a:effectLst/>
-              <a:latin typeface="Arial"/>
-              <a:cs typeface="Arial"/>
-            </a:endParaRPr>
-          </a:p>
-          <a:p>
-            <a:pPr algn="l" rtl="0" fontAlgn="base">
-              <a:lnSpc>
-                <a:spcPct val="100000"/>
-              </a:lnSpc>
-              <a:buFont typeface="Arial" panose="020B0604020202020204" pitchFamily="34" charset="0"/>
-              <a:buNone/>
-            </a:pPr>
-            <a:endParaRPr lang="en-US" b="0" i="0" dirty="0">
-              <a:solidFill>
-                <a:srgbClr val="000000"/>
-              </a:solidFill>
-              <a:effectLst/>
-              <a:latin typeface="Arial"/>
-              <a:cs typeface="Arial"/>
-            </a:endParaRPr>
-          </a:p>
-          <a:p>
-            <a:pPr algn="l" rtl="0" fontAlgn="base">
-              <a:lnSpc>
-                <a:spcPct val="100000"/>
-              </a:lnSpc>
-              <a:buFont typeface="Arial" panose="020B0604020202020204" pitchFamily="34" charset="0"/>
-              <a:buNone/>
-            </a:pPr>
-            <a:endParaRPr lang="en-US" b="0" i="0" dirty="0">
-              <a:solidFill>
-                <a:srgbClr val="000000"/>
-              </a:solidFill>
-              <a:effectLst/>
-              <a:latin typeface="Arial"/>
-              <a:cs typeface="Arial"/>
-            </a:endParaRPr>
-          </a:p>
-          <a:p>
-            <a:pPr algn="l" rtl="0" fontAlgn="base">
-              <a:lnSpc>
-                <a:spcPct val="100000"/>
-              </a:lnSpc>
-              <a:buFont typeface="Arial" panose="020B0604020202020204" pitchFamily="34" charset="0"/>
-              <a:buNone/>
-            </a:pPr>
-            <a:r>
-              <a:rPr lang="en-US" sz="1200" b="0" i="0" kern="1200" dirty="0">
-                <a:solidFill>
-                  <a:schemeClr val="tx1"/>
-                </a:solidFill>
-                <a:effectLst/>
-                <a:latin typeface="+mn-lt"/>
-                <a:ea typeface="+mn-ea"/>
-                <a:cs typeface="+mn-cs"/>
-              </a:rPr>
-              <a:t>However, in a real-world setting, continued monitoring and potential model improvements are always advisable.</a:t>
-            </a:r>
-            <a:endParaRPr lang="en-US" dirty="0"/>
-          </a:p>
-          <a:p>
-            <a:endParaRPr lang="en-US" dirty="0"/>
-          </a:p>
-        </p:txBody>
-      </p:sp>
-      <p:sp>
-        <p:nvSpPr>
-          <p:cNvPr id="4" name="Slide Number Placeholder 3"/>
+        </p:txBody>
+      </p:sp>
+      <p:sp>
+        <p:nvSpPr>
+          <p:cNvPr id="4" name="Slide Number Placeholder 3">
+            <a:extLst>
+              <a:ext uri="{FF2B5EF4-FFF2-40B4-BE49-F238E27FC236}">
+                <a16:creationId xmlns:a16="http://schemas.microsoft.com/office/drawing/2014/main" id="{A39466A8-BD9D-513B-9CC3-FD30AE6FE1F7}"/>
+              </a:ext>
+            </a:extLst>
+          </p:cNvPr>
           <p:cNvSpPr>
             <a:spLocks noGrp="1"/>
           </p:cNvSpPr>
@@ -2650,7 +3618,7 @@
     </p:spTree>
     <p:extLst>
       <p:ext uri="{BB962C8B-B14F-4D97-AF65-F5344CB8AC3E}">
-        <p14:creationId xmlns:p14="http://schemas.microsoft.com/office/powerpoint/2010/main" val="1258461964"/>
+        <p14:creationId xmlns:p14="http://schemas.microsoft.com/office/powerpoint/2010/main" val="3578517686"/>
       </p:ext>
     </p:extLst>
   </p:cSld>
@@ -2704,14 +3672,15 @@
           <a:bodyPr/>
           <a:lstStyle/>
           <a:p>
-            <a:pPr marL="0" indent="0" algn="l" rtl="0" fontAlgn="base">
+            <a:pPr algn="l" rtl="0" fontAlgn="base">
               <a:lnSpc>
                 <a:spcPct val="100000"/>
               </a:lnSpc>
+              <a:buFont typeface="Arial" panose="020B0604020202020204" pitchFamily="34" charset="0"/>
               <a:buNone/>
             </a:pPr>
             <a:r>
-              <a:rPr lang="en-US" b="1" i="0" dirty="0">
+              <a:rPr lang="en-US" b="0" i="0" dirty="0">
                 <a:solidFill>
                   <a:srgbClr val="000000"/>
                 </a:solidFill>
@@ -2719,8 +3688,17 @@
                 <a:latin typeface="Arial"/>
                 <a:cs typeface="Arial"/>
               </a:rPr>
-              <a:t>Analysis Task:</a:t>
-            </a:r>
+              <a:t>Next, we will evaluate performance of the simple linear regression by analyzing residuals. On the slide we can see two plots. The plot on the left (Residuals vs Fitted Values) shows residuals from a linear relationship. The residuals are randomly scattered around the horizontal axis (zero lane), indicating that the simple linear regression model from the previous step is a good fit for the data. It also shows that the residuals have a consistent spread, which indicates that the model’s residuals are evenly distributed.</a:t>
+            </a:r>
+          </a:p>
+          <a:p>
+            <a:pPr algn="l" rtl="0" fontAlgn="base">
+              <a:lnSpc>
+                <a:spcPct val="100000"/>
+              </a:lnSpc>
+              <a:buFont typeface="Arial" panose="020B0604020202020204" pitchFamily="34" charset="0"/>
+              <a:buNone/>
+            </a:pPr>
             <a:r>
               <a:rPr lang="en-US" b="0" i="0" dirty="0">
                 <a:solidFill>
@@ -2730,518 +3708,20 @@
                 <a:latin typeface="Arial"/>
                 <a:cs typeface="Arial"/>
               </a:rPr>
-              <a:t> </a:t>
-            </a:r>
-            <a:endParaRPr lang="en-US" dirty="0"/>
-          </a:p>
-          <a:p>
-            <a:pPr marL="493395" lvl="1" fontAlgn="base">
-              <a:lnSpc>
-                <a:spcPct val="100000"/>
-              </a:lnSpc>
-            </a:pPr>
-            <a:r>
-              <a:rPr lang="en-US" sz="2000" dirty="0">
-                <a:solidFill>
-                  <a:srgbClr val="000000"/>
-                </a:solidFill>
-                <a:latin typeface="Arial"/>
-                <a:ea typeface="+mn-lt"/>
-                <a:cs typeface="+mn-lt"/>
+              <a:t>The plot on the right, Q-Q Plot of Residuals, help us to indicate if the model’s residuals are normally distributed. In practice, minor deviations are often acceptable, especially in large datasets. As we can see from the plot, we do not have significant deviations from the line. A few points near -1.5 a little bit far from the line might indicate outliers, which can affect normality, but overall pattern shows the residuals are likely normally distributed and small deviations are usually acceptable. T</a:t>
+            </a:r>
+            <a:r>
+              <a:rPr lang="en-US" sz="1200" b="0" i="0" kern="1200" dirty="0">
+                <a:solidFill>
+                  <a:schemeClr val="tx1"/>
+                </a:solidFill>
+                <a:effectLst/>
+                <a:latin typeface="+mn-lt"/>
+                <a:ea typeface="+mn-ea"/>
+                <a:cs typeface="+mn-cs"/>
               </a:rPr>
-              <a:t>Estimate the average and median monthly sales by running </a:t>
-            </a:r>
-            <a:r>
-              <a:rPr lang="en-US" sz="2000" b="0" i="0" dirty="0">
-                <a:solidFill>
-                  <a:srgbClr val="000000"/>
-                </a:solidFill>
-                <a:effectLst/>
-                <a:latin typeface="Arial"/>
-                <a:ea typeface="+mn-lt"/>
-                <a:cs typeface="+mn-lt"/>
-              </a:rPr>
-              <a:t>1,000 simulations</a:t>
-            </a:r>
-            <a:r>
-              <a:rPr lang="en-US" sz="2000" dirty="0">
-                <a:solidFill>
-                  <a:srgbClr val="000000"/>
-                </a:solidFill>
-                <a:latin typeface="Arial"/>
-                <a:ea typeface="+mn-lt"/>
-                <a:cs typeface="+mn-lt"/>
-              </a:rPr>
-              <a:t>. </a:t>
-            </a:r>
-          </a:p>
-          <a:p>
-            <a:pPr lvl="2">
-              <a:lnSpc>
-                <a:spcPct val="100000"/>
-              </a:lnSpc>
-              <a:buFont typeface="Wingdings" panose="020B0604020202020204" pitchFamily="34" charset="0"/>
-              <a:buChar char="Ø"/>
-            </a:pPr>
-            <a:r>
-              <a:rPr lang="en-US" sz="2000" dirty="0">
-                <a:solidFill>
-                  <a:srgbClr val="000000"/>
-                </a:solidFill>
-                <a:latin typeface="Arial"/>
-                <a:ea typeface="+mn-lt"/>
-                <a:cs typeface="+mn-lt"/>
-              </a:rPr>
-              <a:t>Assume that daily</a:t>
-            </a:r>
-            <a:r>
-              <a:rPr lang="en-US" sz="2000" b="0" i="0" dirty="0">
-                <a:solidFill>
-                  <a:srgbClr val="000000"/>
-                </a:solidFill>
-                <a:effectLst/>
-                <a:latin typeface="Arial"/>
-                <a:ea typeface="+mn-lt"/>
-                <a:cs typeface="+mn-lt"/>
-              </a:rPr>
-              <a:t> sales </a:t>
-            </a:r>
-            <a:r>
-              <a:rPr lang="en-US" sz="2000" dirty="0">
-                <a:solidFill>
-                  <a:srgbClr val="000000"/>
-                </a:solidFill>
-                <a:latin typeface="Arial"/>
-                <a:ea typeface="+mn-lt"/>
-                <a:cs typeface="+mn-lt"/>
-              </a:rPr>
-              <a:t>follow </a:t>
-            </a:r>
-            <a:r>
-              <a:rPr lang="en-US" sz="2000" b="0" i="0" dirty="0">
-                <a:solidFill>
-                  <a:srgbClr val="000000"/>
-                </a:solidFill>
-                <a:effectLst/>
-                <a:latin typeface="Arial"/>
-                <a:ea typeface="+mn-lt"/>
-                <a:cs typeface="+mn-lt"/>
-              </a:rPr>
-              <a:t>a uniform distribution </a:t>
-            </a:r>
-            <a:r>
-              <a:rPr lang="en-US" sz="2000" dirty="0">
-                <a:solidFill>
-                  <a:srgbClr val="000000"/>
-                </a:solidFill>
-                <a:latin typeface="Arial"/>
-                <a:ea typeface="+mn-lt"/>
-                <a:cs typeface="+mn-lt"/>
-              </a:rPr>
-              <a:t>within the minimum and maximum sales values </a:t>
-            </a:r>
-            <a:r>
-              <a:rPr lang="en-US" sz="2000" dirty="0" err="1">
-                <a:solidFill>
-                  <a:srgbClr val="000000"/>
-                </a:solidFill>
-                <a:latin typeface="Arial"/>
-                <a:ea typeface="+mn-lt"/>
-                <a:cs typeface="+mn-lt"/>
-              </a:rPr>
-              <a:t>TechGear</a:t>
-            </a:r>
-            <a:r>
-              <a:rPr lang="en-US" sz="2000" dirty="0">
-                <a:solidFill>
-                  <a:srgbClr val="000000"/>
-                </a:solidFill>
-                <a:latin typeface="Arial"/>
-                <a:ea typeface="+mn-lt"/>
-                <a:cs typeface="+mn-lt"/>
-              </a:rPr>
-              <a:t> experienced over the last 60 months.  </a:t>
-            </a:r>
-            <a:endParaRPr lang="en-US" sz="2000" dirty="0">
-              <a:latin typeface="Arial"/>
-              <a:cs typeface="Arial"/>
-            </a:endParaRPr>
-          </a:p>
-          <a:p>
-            <a:pPr lvl="2">
-              <a:lnSpc>
-                <a:spcPct val="100000"/>
-              </a:lnSpc>
-              <a:buFont typeface="Wingdings" panose="020B0604020202020204" pitchFamily="34" charset="0"/>
-              <a:buChar char="Ø"/>
-            </a:pPr>
-            <a:r>
-              <a:rPr lang="en-US" sz="2000" dirty="0">
-                <a:solidFill>
-                  <a:srgbClr val="000000"/>
-                </a:solidFill>
-                <a:latin typeface="Arial"/>
-                <a:ea typeface="+mn-lt"/>
-                <a:cs typeface="+mn-lt"/>
-              </a:rPr>
-              <a:t>Use a </a:t>
-            </a:r>
-            <a:r>
-              <a:rPr lang="en-US" sz="2000" b="0" i="0" dirty="0">
-                <a:solidFill>
-                  <a:srgbClr val="000000"/>
-                </a:solidFill>
-                <a:effectLst/>
-                <a:latin typeface="Arial"/>
-                <a:ea typeface="+mn-lt"/>
-                <a:cs typeface="+mn-lt"/>
-              </a:rPr>
-              <a:t>random seed </a:t>
-            </a:r>
-            <a:r>
-              <a:rPr lang="en-US" sz="2000" dirty="0">
-                <a:solidFill>
-                  <a:srgbClr val="000000"/>
-                </a:solidFill>
-                <a:latin typeface="Arial"/>
-                <a:ea typeface="+mn-lt"/>
-                <a:cs typeface="+mn-lt"/>
-              </a:rPr>
-              <a:t>value of </a:t>
-            </a:r>
-            <a:r>
-              <a:rPr lang="en-US" sz="2000" b="0" i="0" dirty="0">
-                <a:solidFill>
-                  <a:srgbClr val="000000"/>
-                </a:solidFill>
-                <a:effectLst/>
-                <a:latin typeface="Arial"/>
-                <a:ea typeface="+mn-lt"/>
-                <a:cs typeface="+mn-lt"/>
-              </a:rPr>
-              <a:t>42</a:t>
-            </a:r>
-            <a:r>
-              <a:rPr lang="en-US" sz="2000" dirty="0">
-                <a:solidFill>
-                  <a:srgbClr val="000000"/>
-                </a:solidFill>
-                <a:latin typeface="Arial"/>
-                <a:ea typeface="+mn-lt"/>
-                <a:cs typeface="+mn-lt"/>
-              </a:rPr>
-              <a:t>. </a:t>
-            </a:r>
-            <a:endParaRPr lang="en-US" sz="2000" dirty="0">
-              <a:latin typeface="Arial"/>
-              <a:cs typeface="Arial"/>
-            </a:endParaRPr>
-          </a:p>
-          <a:p>
-            <a:pPr marL="493395" lvl="1">
-              <a:lnSpc>
-                <a:spcPct val="100000"/>
-              </a:lnSpc>
-            </a:pPr>
-            <a:r>
-              <a:rPr lang="en-US" sz="2000" dirty="0">
-                <a:solidFill>
-                  <a:srgbClr val="000000"/>
-                </a:solidFill>
-                <a:latin typeface="Arial"/>
-                <a:ea typeface="+mn-lt"/>
-                <a:cs typeface="+mn-lt"/>
-              </a:rPr>
-              <a:t>Interpret the standard deviation of </a:t>
-            </a:r>
-            <a:r>
-              <a:rPr lang="en-US" sz="2000" b="0" i="0" dirty="0">
-                <a:solidFill>
-                  <a:srgbClr val="000000"/>
-                </a:solidFill>
-                <a:effectLst/>
-                <a:latin typeface="Arial"/>
-                <a:ea typeface="+mn-lt"/>
-                <a:cs typeface="+mn-lt"/>
-              </a:rPr>
-              <a:t>the </a:t>
-            </a:r>
-            <a:r>
-              <a:rPr lang="en-US" sz="2000" dirty="0">
-                <a:solidFill>
-                  <a:srgbClr val="000000"/>
-                </a:solidFill>
-                <a:latin typeface="Arial"/>
-                <a:ea typeface="+mn-lt"/>
-                <a:cs typeface="+mn-lt"/>
-              </a:rPr>
-              <a:t>simulated </a:t>
-            </a:r>
-            <a:r>
-              <a:rPr lang="en-US" sz="2000" b="0" i="0" dirty="0">
-                <a:solidFill>
-                  <a:srgbClr val="000000"/>
-                </a:solidFill>
-                <a:effectLst/>
-                <a:latin typeface="Arial"/>
-                <a:ea typeface="+mn-lt"/>
-                <a:cs typeface="+mn-lt"/>
-              </a:rPr>
-              <a:t>monthly sales and </a:t>
-            </a:r>
-            <a:r>
-              <a:rPr lang="en-US" sz="2000" dirty="0">
-                <a:solidFill>
-                  <a:srgbClr val="000000"/>
-                </a:solidFill>
-                <a:latin typeface="Arial"/>
-                <a:ea typeface="+mn-lt"/>
-                <a:cs typeface="+mn-lt"/>
-              </a:rPr>
-              <a:t>explain its significance in understanding </a:t>
-            </a:r>
-            <a:r>
-              <a:rPr lang="en-US" sz="2000" b="0" i="0" dirty="0">
-                <a:solidFill>
-                  <a:srgbClr val="000000"/>
-                </a:solidFill>
-                <a:effectLst/>
-                <a:latin typeface="Arial"/>
-                <a:ea typeface="+mn-lt"/>
-                <a:cs typeface="+mn-lt"/>
-              </a:rPr>
-              <a:t>the </a:t>
-            </a:r>
-            <a:r>
-              <a:rPr lang="en-US" sz="2000" dirty="0">
-                <a:solidFill>
-                  <a:srgbClr val="000000"/>
-                </a:solidFill>
-                <a:latin typeface="Arial"/>
-                <a:ea typeface="+mn-lt"/>
-                <a:cs typeface="+mn-lt"/>
-              </a:rPr>
-              <a:t>variability of </a:t>
-            </a:r>
-            <a:r>
-              <a:rPr lang="en-US" sz="2000" dirty="0" err="1">
-                <a:solidFill>
-                  <a:srgbClr val="000000"/>
-                </a:solidFill>
-                <a:latin typeface="Arial"/>
-                <a:ea typeface="+mn-lt"/>
-                <a:cs typeface="+mn-lt"/>
-              </a:rPr>
-              <a:t>TechGear's</a:t>
-            </a:r>
-            <a:r>
-              <a:rPr lang="en-US" sz="2000" dirty="0">
-                <a:solidFill>
-                  <a:srgbClr val="000000"/>
-                </a:solidFill>
-                <a:latin typeface="Arial"/>
-                <a:ea typeface="+mn-lt"/>
-                <a:cs typeface="+mn-lt"/>
-              </a:rPr>
-              <a:t> sales</a:t>
-            </a:r>
-            <a:r>
-              <a:rPr lang="en-US" sz="2000" b="0" i="0" dirty="0">
-                <a:solidFill>
-                  <a:srgbClr val="000000"/>
-                </a:solidFill>
-                <a:effectLst/>
-                <a:latin typeface="Arial"/>
-                <a:ea typeface="+mn-lt"/>
-                <a:cs typeface="+mn-lt"/>
-              </a:rPr>
-              <a:t>.</a:t>
-            </a:r>
-            <a:r>
-              <a:rPr lang="en-US" sz="2000" dirty="0">
-                <a:solidFill>
-                  <a:srgbClr val="000000"/>
-                </a:solidFill>
-                <a:latin typeface="Arial"/>
-                <a:ea typeface="+mn-lt"/>
-                <a:cs typeface="+mn-lt"/>
-              </a:rPr>
-              <a:t> </a:t>
-            </a:r>
-            <a:endParaRPr lang="en-US" sz="2000" dirty="0">
-              <a:latin typeface="Arial"/>
-              <a:cs typeface="Arial"/>
-            </a:endParaRPr>
-          </a:p>
-          <a:p>
-            <a:pPr marL="0" indent="0">
-              <a:lnSpc>
-                <a:spcPct val="100000"/>
-              </a:lnSpc>
-              <a:buNone/>
-            </a:pPr>
-            <a:r>
-              <a:rPr lang="en-US" b="1" dirty="0">
-                <a:solidFill>
-                  <a:srgbClr val="000000"/>
-                </a:solidFill>
-                <a:latin typeface="Arial"/>
-                <a:ea typeface="+mn-lt"/>
-                <a:cs typeface="Arial"/>
-              </a:rPr>
-              <a:t>Slide</a:t>
-            </a:r>
-            <a:r>
-              <a:rPr lang="en-US" b="1" i="0" dirty="0">
-                <a:solidFill>
-                  <a:srgbClr val="000000"/>
-                </a:solidFill>
-                <a:effectLst/>
-                <a:latin typeface="Arial"/>
-                <a:cs typeface="Arial"/>
-              </a:rPr>
-              <a:t> Content:</a:t>
-            </a:r>
-            <a:r>
-              <a:rPr lang="en-US" b="0" i="0" dirty="0">
-                <a:solidFill>
-                  <a:srgbClr val="000000"/>
-                </a:solidFill>
-                <a:effectLst/>
-                <a:latin typeface="Arial"/>
-                <a:cs typeface="Arial"/>
-              </a:rPr>
-              <a:t> </a:t>
-            </a:r>
-            <a:endParaRPr lang="en-US" dirty="0">
-              <a:solidFill>
-                <a:srgbClr val="000000"/>
-              </a:solidFill>
-              <a:latin typeface="Arial"/>
-              <a:cs typeface="Arial"/>
-            </a:endParaRPr>
-          </a:p>
-          <a:p>
-            <a:pPr marL="493395" lvl="1" algn="l" rtl="0" fontAlgn="base">
-              <a:lnSpc>
-                <a:spcPct val="100000"/>
-              </a:lnSpc>
-            </a:pPr>
-            <a:r>
-              <a:rPr lang="en-US" sz="2000" b="0" i="0" dirty="0">
-                <a:solidFill>
-                  <a:srgbClr val="000000"/>
-                </a:solidFill>
-                <a:effectLst/>
-                <a:latin typeface="Arial"/>
-                <a:cs typeface="Arial"/>
-              </a:rPr>
-              <a:t>Histogram and summary statistics (average, median, and standard deviation). </a:t>
-            </a:r>
-          </a:p>
-          <a:p>
-            <a:pPr marL="493395" lvl="1" algn="l" rtl="0" fontAlgn="base">
-              <a:lnSpc>
-                <a:spcPct val="100000"/>
-              </a:lnSpc>
-            </a:pPr>
-            <a:r>
-              <a:rPr lang="en-US" sz="2000" b="0" i="0" dirty="0">
-                <a:solidFill>
-                  <a:srgbClr val="000000"/>
-                </a:solidFill>
-                <a:effectLst/>
-                <a:latin typeface="Arial"/>
-                <a:cs typeface="Arial"/>
-              </a:rPr>
-              <a:t>Key insights on sales variability. </a:t>
-            </a:r>
-          </a:p>
-          <a:p>
-            <a:pPr marL="0" indent="0" algn="l" rtl="0" fontAlgn="base">
-              <a:lnSpc>
-                <a:spcPct val="100000"/>
-              </a:lnSpc>
-              <a:buNone/>
-            </a:pPr>
-            <a:r>
-              <a:rPr lang="en-US" b="1" i="0" dirty="0">
-                <a:solidFill>
-                  <a:srgbClr val="000000"/>
-                </a:solidFill>
-                <a:effectLst/>
-                <a:latin typeface="Arial"/>
-                <a:cs typeface="Arial"/>
-              </a:rPr>
-              <a:t>Speaker Notes:</a:t>
-            </a:r>
-            <a:r>
-              <a:rPr lang="en-US" b="0" i="0" dirty="0">
-                <a:solidFill>
-                  <a:srgbClr val="000000"/>
-                </a:solidFill>
-                <a:effectLst/>
-                <a:latin typeface="Arial"/>
-                <a:cs typeface="Arial"/>
-              </a:rPr>
-              <a:t> </a:t>
-            </a:r>
-            <a:endParaRPr lang="en-US" dirty="0">
-              <a:solidFill>
-                <a:srgbClr val="000000"/>
-              </a:solidFill>
-              <a:latin typeface="Arial"/>
-              <a:cs typeface="Arial"/>
-            </a:endParaRPr>
-          </a:p>
-          <a:p>
-            <a:pPr marL="493395" lvl="1" algn="l" rtl="0" fontAlgn="base">
-              <a:lnSpc>
-                <a:spcPct val="100000"/>
-              </a:lnSpc>
-            </a:pPr>
-            <a:r>
-              <a:rPr lang="en-US" sz="2000" b="0" i="0" dirty="0">
-                <a:solidFill>
-                  <a:srgbClr val="000000"/>
-                </a:solidFill>
-                <a:effectLst/>
-                <a:latin typeface="Arial"/>
-                <a:cs typeface="Arial"/>
-              </a:rPr>
-              <a:t>Explain the significance of the average, median, and standard deviation. </a:t>
-            </a:r>
-          </a:p>
-          <a:p>
-            <a:pPr marL="493395" lvl="1" algn="l" rtl="0" fontAlgn="base">
-              <a:lnSpc>
-                <a:spcPct val="100000"/>
-              </a:lnSpc>
-            </a:pPr>
-            <a:r>
-              <a:rPr lang="en-US" sz="2000" b="0" i="0" dirty="0">
-                <a:solidFill>
-                  <a:srgbClr val="000000"/>
-                </a:solidFill>
-                <a:effectLst/>
-                <a:latin typeface="Arial"/>
-                <a:cs typeface="Arial"/>
-              </a:rPr>
-              <a:t>Provide actionable insights for improving sales, budgeting, and operations based on the simulation.</a:t>
-            </a:r>
-            <a:r>
-              <a:rPr lang="en-US" b="0" i="0" dirty="0">
-                <a:solidFill>
-                  <a:srgbClr val="000000"/>
-                </a:solidFill>
-                <a:effectLst/>
-                <a:latin typeface="Arial"/>
-                <a:cs typeface="Arial"/>
-              </a:rPr>
-              <a:t> </a:t>
-            </a:r>
-          </a:p>
-          <a:p>
+              <a:t>his suggests that the assumption of normality for the residuals in the regression model is reasonably met, supporting the reliability of the model's predictions.</a:t>
+            </a:r>
             <a:endParaRPr lang="en-US" dirty="0"/>
           </a:p>
         </p:txBody>
@@ -3272,7 +3752,7 @@
     </p:spTree>
     <p:extLst>
       <p:ext uri="{BB962C8B-B14F-4D97-AF65-F5344CB8AC3E}">
-        <p14:creationId xmlns:p14="http://schemas.microsoft.com/office/powerpoint/2010/main" val="2396721358"/>
+        <p14:creationId xmlns:p14="http://schemas.microsoft.com/office/powerpoint/2010/main" val="1365575268"/>
       </p:ext>
     </p:extLst>
   </p:cSld>
@@ -3438,7 +3918,7 @@
           <a:p>
             <a:fld id="{6444479B-705B-4489-957E-7E8A228BDFA0}" type="datetime1">
               <a:rPr lang="en-US" smtClean="0"/>
-              <a:t>11/14/2025</a:t>
+              <a:t>11/15/2025</a:t>
             </a:fld>
             <a:endParaRPr lang="en-US"/>
           </a:p>
@@ -3638,7 +4118,7 @@
           <a:p>
             <a:fld id="{C07B66AD-7C08-490A-ADA4-B47E10FB2407}" type="datetime1">
               <a:rPr lang="en-US" smtClean="0"/>
-              <a:t>11/14/2025</a:t>
+              <a:t>11/15/2025</a:t>
             </a:fld>
             <a:endParaRPr lang="en-US"/>
           </a:p>
@@ -3897,7 +4377,7 @@
           <a:p>
             <a:fld id="{05B95027-4255-49E7-9841-CD21BCC99996}" type="datetime1">
               <a:rPr lang="en-US" smtClean="0"/>
-              <a:t>11/14/2025</a:t>
+              <a:t>11/15/2025</a:t>
             </a:fld>
             <a:endParaRPr lang="en-US"/>
           </a:p>
@@ -4138,7 +4618,7 @@
           <a:p>
             <a:fld id="{9F89F774-3FA6-43B8-9241-99959C8FD463}" type="datetime1">
               <a:rPr lang="en-US" smtClean="0"/>
-              <a:t>11/14/2025</a:t>
+              <a:t>11/15/2025</a:t>
             </a:fld>
             <a:endParaRPr lang="en-US"/>
           </a:p>
@@ -4465,7 +4945,7 @@
           <a:p>
             <a:fld id="{F9504452-5DCC-4FE2-A5C9-8A5EF6714D65}" type="datetime1">
               <a:rPr lang="en-US" smtClean="0"/>
-              <a:t>11/14/2025</a:t>
+              <a:t>11/15/2025</a:t>
             </a:fld>
             <a:endParaRPr lang="en-US"/>
           </a:p>
@@ -4775,7 +5255,7 @@
           <a:p>
             <a:fld id="{E579ABC2-0180-4F3A-A895-A85BC724D472}" type="datetime1">
               <a:rPr lang="en-US" smtClean="0"/>
-              <a:t>11/14/2025</a:t>
+              <a:t>11/15/2025</a:t>
             </a:fld>
             <a:endParaRPr lang="en-US"/>
           </a:p>
@@ -5193,7 +5673,7 @@
           <a:p>
             <a:fld id="{6AEEA9BA-4E8F-439E-BEA4-91FBA01E3F5F}" type="datetime1">
               <a:rPr lang="en-US" smtClean="0"/>
-              <a:t>11/14/2025</a:t>
+              <a:t>11/15/2025</a:t>
             </a:fld>
             <a:endParaRPr lang="en-US"/>
           </a:p>
@@ -5335,7 +5815,7 @@
           <a:p>
             <a:fld id="{BE15BF18-0007-481C-AA29-413124BC3EE7}" type="datetime1">
               <a:rPr lang="en-US" smtClean="0"/>
-              <a:t>11/14/2025</a:t>
+              <a:t>11/15/2025</a:t>
             </a:fld>
             <a:endParaRPr lang="en-US"/>
           </a:p>
@@ -5497,7 +5977,7 @@
           <a:p>
             <a:fld id="{09BE9870-3748-43AD-B547-02A075CB4A1D}" type="datetime1">
               <a:rPr lang="en-US" smtClean="0"/>
-              <a:t>11/14/2025</a:t>
+              <a:t>11/15/2025</a:t>
             </a:fld>
             <a:endParaRPr lang="en-US"/>
           </a:p>
@@ -5814,7 +6294,7 @@
           <a:p>
             <a:fld id="{558E7897-33C5-4F1A-9307-D068E37F3DC7}" type="datetime1">
               <a:rPr lang="en-US" smtClean="0"/>
-              <a:t>11/14/2025</a:t>
+              <a:t>11/15/2025</a:t>
             </a:fld>
             <a:endParaRPr lang="en-US"/>
           </a:p>
@@ -6109,7 +6589,7 @@
           <a:p>
             <a:fld id="{82E171BA-CC09-47C8-A6DF-F5C5CB59CEEC}" type="datetime1">
               <a:rPr lang="en-US" smtClean="0"/>
-              <a:t>11/14/2025</a:t>
+              <a:t>11/15/2025</a:t>
             </a:fld>
             <a:endParaRPr lang="en-US"/>
           </a:p>
@@ -6350,7 +6830,7 @@
           <a:p>
             <a:fld id="{7DA38F49-B3E2-4BF0-BEC7-C30D34ABBB8D}" type="datetime1">
               <a:rPr lang="en-US" smtClean="0"/>
-              <a:t>11/14/2025</a:t>
+              <a:t>11/15/2025</a:t>
             </a:fld>
             <a:endParaRPr lang="en-US"/>
           </a:p>
@@ -7122,7 +7602,7 @@
                   <a:srgbClr val="FFFFFF"/>
                 </a:solidFill>
               </a:rPr>
-              <a:t>11/11/2025</a:t>
+              <a:t>11/15/2025</a:t>
             </a:r>
           </a:p>
         </p:txBody>
@@ -7467,7 +7947,7 @@
         <p:cNvPr id="1" name="">
           <a:extLst>
             <a:ext uri="{FF2B5EF4-FFF2-40B4-BE49-F238E27FC236}">
-              <a16:creationId xmlns:a16="http://schemas.microsoft.com/office/drawing/2014/main" id="{DCBA69BA-9F59-BE48-87F0-0B76E453E0C6}"/>
+              <a16:creationId xmlns:a16="http://schemas.microsoft.com/office/drawing/2014/main" id="{A3ADFCDB-1CDE-8C49-F35C-93030DBFBEEB}"/>
             </a:ext>
           </a:extLst>
         </p:cNvPr>
@@ -7487,7 +7967,7 @@
           <p:cNvPr id="2" name="Title 1">
             <a:extLst>
               <a:ext uri="{FF2B5EF4-FFF2-40B4-BE49-F238E27FC236}">
-                <a16:creationId xmlns:a16="http://schemas.microsoft.com/office/drawing/2014/main" id="{5CEA1E80-8CDA-E1D2-F0F0-21947CB4E275}"/>
+                <a16:creationId xmlns:a16="http://schemas.microsoft.com/office/drawing/2014/main" id="{5121CE4A-9BB0-AE5C-4312-097EAC8DB253}"/>
               </a:ext>
             </a:extLst>
           </p:cNvPr>
@@ -7500,173 +7980,38 @@
         </p:nvSpPr>
         <p:spPr>
           <a:xfrm>
-            <a:off x="650535" y="252806"/>
-            <a:ext cx="10890929" cy="1097280"/>
+            <a:off x="640079" y="353292"/>
+            <a:ext cx="10890929" cy="644235"/>
           </a:xfrm>
         </p:spPr>
         <p:txBody>
-          <a:bodyPr/>
-          <a:lstStyle/>
-          <a:p>
-            <a:r>
-              <a:rPr lang="en-US" sz="4200" b="1" i="0" dirty="0">
-                <a:solidFill>
-                  <a:srgbClr val="0F4761"/>
-                </a:solidFill>
-                <a:effectLst/>
-                <a:latin typeface="Arial"/>
-                <a:cs typeface="Arial"/>
-              </a:rPr>
-              <a:t>Linear Programming (Question 9)</a:t>
-            </a:r>
-            <a:r>
-              <a:rPr lang="en-US" sz="4200" b="0" i="0" dirty="0">
-                <a:solidFill>
-                  <a:srgbClr val="0F4761"/>
-                </a:solidFill>
-                <a:effectLst/>
-                <a:latin typeface="Arial"/>
-                <a:cs typeface="Arial"/>
-              </a:rPr>
-              <a:t> </a:t>
-            </a:r>
-            <a:endParaRPr lang="en-US" sz="4200">
-              <a:latin typeface="Arial"/>
-              <a:cs typeface="Arial"/>
-            </a:endParaRPr>
-          </a:p>
-        </p:txBody>
-      </p:sp>
-      <p:sp>
-        <p:nvSpPr>
-          <p:cNvPr id="3" name="Content Placeholder 2">
-            <a:extLst>
-              <a:ext uri="{FF2B5EF4-FFF2-40B4-BE49-F238E27FC236}">
-                <a16:creationId xmlns:a16="http://schemas.microsoft.com/office/drawing/2014/main" id="{D793DEB0-17DC-2C7B-84BD-3D65DBBC3635}"/>
-              </a:ext>
-            </a:extLst>
-          </p:cNvPr>
-          <p:cNvSpPr>
-            <a:spLocks noGrp="1"/>
-          </p:cNvSpPr>
-          <p:nvPr>
-            <p:ph idx="1"/>
-          </p:nvPr>
-        </p:nvSpPr>
-        <p:spPr>
-          <a:xfrm>
-            <a:off x="640080" y="1656678"/>
-            <a:ext cx="10890928" cy="4542954"/>
-          </a:xfrm>
-        </p:spPr>
-        <p:txBody>
-          <a:bodyPr vert="horz" lIns="91440" tIns="45720" rIns="91440" bIns="45720" rtlCol="0" anchor="t">
-            <a:normAutofit/>
+          <a:bodyPr>
+            <a:normAutofit fontScale="90000"/>
           </a:bodyPr>
           <a:lstStyle/>
           <a:p>
-            <a:pPr marL="0" indent="0" algn="l" rtl="0" fontAlgn="base">
-              <a:lnSpc>
-                <a:spcPts val="1657"/>
-              </a:lnSpc>
-              <a:spcAft>
-                <a:spcPts val="800"/>
-              </a:spcAft>
-              <a:buNone/>
-            </a:pPr>
-            <a:endParaRPr lang="en-US" b="0" i="0" dirty="0">
-              <a:solidFill>
-                <a:srgbClr val="000000"/>
-              </a:solidFill>
-              <a:effectLst/>
-              <a:latin typeface="Arial"/>
-              <a:cs typeface="Arial"/>
-            </a:endParaRPr>
-          </a:p>
-        </p:txBody>
-      </p:sp>
-    </p:spTree>
-    <p:extLst>
-      <p:ext uri="{BB962C8B-B14F-4D97-AF65-F5344CB8AC3E}">
-        <p14:creationId xmlns:p14="http://schemas.microsoft.com/office/powerpoint/2010/main" val="1504570548"/>
-      </p:ext>
-    </p:extLst>
-  </p:cSld>
-  <p:clrMapOvr>
-    <a:masterClrMapping/>
-  </p:clrMapOvr>
-</p:sld>
-</file>
-
-<file path=ppt/slides/slide2.xml><?xml version="1.0" encoding="utf-8"?>
-<p:sld xmlns:a="http://schemas.openxmlformats.org/drawingml/2006/main" xmlns:r="http://schemas.openxmlformats.org/officeDocument/2006/relationships" xmlns:p="http://schemas.openxmlformats.org/presentationml/2006/main">
-  <p:cSld>
-    <p:spTree>
-      <p:nvGrpSpPr>
-        <p:cNvPr id="1" name=""/>
-        <p:cNvGrpSpPr/>
-        <p:nvPr/>
-      </p:nvGrpSpPr>
-      <p:grpSpPr>
-        <a:xfrm>
-          <a:off x="0" y="0"/>
-          <a:ext cx="0" cy="0"/>
-          <a:chOff x="0" y="0"/>
-          <a:chExt cx="0" cy="0"/>
-        </a:xfrm>
-      </p:grpSpPr>
-      <p:sp>
-        <p:nvSpPr>
-          <p:cNvPr id="2" name="Title 1">
-            <a:extLst>
-              <a:ext uri="{FF2B5EF4-FFF2-40B4-BE49-F238E27FC236}">
-                <a16:creationId xmlns:a16="http://schemas.microsoft.com/office/drawing/2014/main" id="{3A7FAC75-872E-C916-E7FD-7CCFCE69AAC7}"/>
-              </a:ext>
-            </a:extLst>
-          </p:cNvPr>
-          <p:cNvSpPr>
-            <a:spLocks noGrp="1"/>
-          </p:cNvSpPr>
-          <p:nvPr>
-            <p:ph type="title"/>
-          </p:nvPr>
-        </p:nvSpPr>
-        <p:spPr>
-          <a:xfrm>
-            <a:off x="650535" y="252806"/>
-            <a:ext cx="10890929" cy="1097280"/>
-          </a:xfrm>
-        </p:spPr>
-        <p:txBody>
-          <a:bodyPr>
-            <a:noAutofit/>
-          </a:bodyPr>
-          <a:lstStyle/>
-          <a:p>
-            <a:r>
-              <a:rPr lang="en-US" b="1" i="0" dirty="0">
-                <a:solidFill>
-                  <a:srgbClr val="0F4761"/>
-                </a:solidFill>
-                <a:effectLst/>
-                <a:latin typeface="Arial"/>
-                <a:cs typeface="Arial"/>
+            <a:r>
+              <a:rPr lang="en-US" dirty="0">
+                <a:solidFill>
+                  <a:schemeClr val="tx2">
+                    <a:lumMod val="90000"/>
+                    <a:lumOff val="10000"/>
+                  </a:schemeClr>
+                </a:solidFill>
+                <a:latin typeface="Arial" panose="020B0604020202020204" pitchFamily="34" charset="0"/>
+                <a:cs typeface="Arial" panose="020B0604020202020204" pitchFamily="34" charset="0"/>
               </a:rPr>
-              <a:t>Data Exploration and Summary</a:t>
-            </a:r>
-            <a:endParaRPr lang="en-US" dirty="0">
-              <a:latin typeface="Arial"/>
-              <a:cs typeface="Arial"/>
-            </a:endParaRPr>
+              <a:t>Python code snippets</a:t>
+            </a:r>
           </a:p>
         </p:txBody>
       </p:sp>
       <p:pic>
         <p:nvPicPr>
-          <p:cNvPr id="7" name="Picture 6">
-            <a:extLst>
-              <a:ext uri="{FF2B5EF4-FFF2-40B4-BE49-F238E27FC236}">
-                <a16:creationId xmlns:a16="http://schemas.microsoft.com/office/drawing/2014/main" id="{E1FF8C53-CC14-DCA2-ADF9-7BD1D315E294}"/>
+          <p:cNvPr id="10" name="Picture 9">
+            <a:extLst>
+              <a:ext uri="{FF2B5EF4-FFF2-40B4-BE49-F238E27FC236}">
+                <a16:creationId xmlns:a16="http://schemas.microsoft.com/office/drawing/2014/main" id="{53550897-0A73-A64E-33E7-696DF0270076}"/>
               </a:ext>
             </a:extLst>
           </p:cNvPr>
@@ -7683,8 +8028,8 @@
         </p:blipFill>
         <p:spPr>
           <a:xfrm>
-            <a:off x="650535" y="1469829"/>
-            <a:ext cx="11158673" cy="4593514"/>
+            <a:off x="640078" y="1199284"/>
+            <a:ext cx="5455921" cy="5356360"/>
           </a:xfrm>
           <a:prstGeom prst="rect">
             <a:avLst/>
@@ -7694,7 +8039,7 @@
     </p:spTree>
     <p:extLst>
       <p:ext uri="{BB962C8B-B14F-4D97-AF65-F5344CB8AC3E}">
-        <p14:creationId xmlns:p14="http://schemas.microsoft.com/office/powerpoint/2010/main" val="3660653339"/>
+        <p14:creationId xmlns:p14="http://schemas.microsoft.com/office/powerpoint/2010/main" val="2868333856"/>
       </p:ext>
     </p:extLst>
   </p:cSld>
@@ -7704,560 +8049,7 @@
 </p:sld>
 </file>
 
-<file path=ppt/slides/slide3.xml><?xml version="1.0" encoding="utf-8"?>
-<p:sld xmlns:a="http://schemas.openxmlformats.org/drawingml/2006/main" xmlns:r="http://schemas.openxmlformats.org/officeDocument/2006/relationships" xmlns:p="http://schemas.openxmlformats.org/presentationml/2006/main">
-  <p:cSld>
-    <p:spTree>
-      <p:nvGrpSpPr>
-        <p:cNvPr id="1" name="">
-          <a:extLst>
-            <a:ext uri="{FF2B5EF4-FFF2-40B4-BE49-F238E27FC236}">
-              <a16:creationId xmlns:a16="http://schemas.microsoft.com/office/drawing/2014/main" id="{353DB039-BB64-631C-2BCA-CE0F6D79F543}"/>
-            </a:ext>
-          </a:extLst>
-        </p:cNvPr>
-        <p:cNvGrpSpPr/>
-        <p:nvPr/>
-      </p:nvGrpSpPr>
-      <p:grpSpPr>
-        <a:xfrm>
-          <a:off x="0" y="0"/>
-          <a:ext cx="0" cy="0"/>
-          <a:chOff x="0" y="0"/>
-          <a:chExt cx="0" cy="0"/>
-        </a:xfrm>
-      </p:grpSpPr>
-      <p:sp>
-        <p:nvSpPr>
-          <p:cNvPr id="2" name="Title 1">
-            <a:extLst>
-              <a:ext uri="{FF2B5EF4-FFF2-40B4-BE49-F238E27FC236}">
-                <a16:creationId xmlns:a16="http://schemas.microsoft.com/office/drawing/2014/main" id="{935E04CD-232B-9EF8-BA47-2AE6EA02D55B}"/>
-              </a:ext>
-            </a:extLst>
-          </p:cNvPr>
-          <p:cNvSpPr>
-            <a:spLocks noGrp="1"/>
-          </p:cNvSpPr>
-          <p:nvPr>
-            <p:ph type="title"/>
-          </p:nvPr>
-        </p:nvSpPr>
-        <p:spPr>
-          <a:xfrm>
-            <a:off x="650535" y="252806"/>
-            <a:ext cx="10890929" cy="1097280"/>
-          </a:xfrm>
-        </p:spPr>
-        <p:txBody>
-          <a:bodyPr>
-            <a:normAutofit/>
-          </a:bodyPr>
-          <a:lstStyle/>
-          <a:p>
-            <a:r>
-              <a:rPr lang="en-US" sz="4200" b="1" i="0" dirty="0">
-                <a:solidFill>
-                  <a:srgbClr val="0F4761"/>
-                </a:solidFill>
-                <a:effectLst/>
-                <a:latin typeface="Arial"/>
-                <a:cs typeface="Arial"/>
-              </a:rPr>
-              <a:t>Visualizing Relationships</a:t>
-            </a:r>
-            <a:endParaRPr lang="en-US" sz="4200" dirty="0">
-              <a:latin typeface="Arial"/>
-              <a:cs typeface="Arial"/>
-            </a:endParaRPr>
-          </a:p>
-        </p:txBody>
-      </p:sp>
-      <p:pic>
-        <p:nvPicPr>
-          <p:cNvPr id="4" name="Picture 3">
-            <a:extLst>
-              <a:ext uri="{FF2B5EF4-FFF2-40B4-BE49-F238E27FC236}">
-                <a16:creationId xmlns:a16="http://schemas.microsoft.com/office/drawing/2014/main" id="{BF4E099B-9EE3-9684-BF37-EA70EF09316C}"/>
-              </a:ext>
-            </a:extLst>
-          </p:cNvPr>
-          <p:cNvPicPr>
-            <a:picLocks noChangeAspect="1"/>
-          </p:cNvPicPr>
-          <p:nvPr/>
-        </p:nvPicPr>
-        <p:blipFill>
-          <a:blip r:embed="rId3"/>
-          <a:stretch>
-            <a:fillRect/>
-          </a:stretch>
-        </p:blipFill>
-        <p:spPr>
-          <a:xfrm>
-            <a:off x="156054" y="1350087"/>
-            <a:ext cx="3948113" cy="3148844"/>
-          </a:xfrm>
-          <a:prstGeom prst="rect">
-            <a:avLst/>
-          </a:prstGeom>
-        </p:spPr>
-      </p:pic>
-      <p:pic>
-        <p:nvPicPr>
-          <p:cNvPr id="6" name="Picture 5">
-            <a:extLst>
-              <a:ext uri="{FF2B5EF4-FFF2-40B4-BE49-F238E27FC236}">
-                <a16:creationId xmlns:a16="http://schemas.microsoft.com/office/drawing/2014/main" id="{C5F5CB21-5082-015C-188D-BFEFC7FB7324}"/>
-              </a:ext>
-            </a:extLst>
-          </p:cNvPr>
-          <p:cNvPicPr>
-            <a:picLocks noChangeAspect="1"/>
-          </p:cNvPicPr>
-          <p:nvPr/>
-        </p:nvPicPr>
-        <p:blipFill>
-          <a:blip r:embed="rId4"/>
-          <a:stretch>
-            <a:fillRect/>
-          </a:stretch>
-        </p:blipFill>
-        <p:spPr>
-          <a:xfrm>
-            <a:off x="4141403" y="1350087"/>
-            <a:ext cx="3986229" cy="3148844"/>
-          </a:xfrm>
-          <a:prstGeom prst="rect">
-            <a:avLst/>
-          </a:prstGeom>
-        </p:spPr>
-      </p:pic>
-      <p:pic>
-        <p:nvPicPr>
-          <p:cNvPr id="8" name="Picture 7">
-            <a:extLst>
-              <a:ext uri="{FF2B5EF4-FFF2-40B4-BE49-F238E27FC236}">
-                <a16:creationId xmlns:a16="http://schemas.microsoft.com/office/drawing/2014/main" id="{4502AF92-76FB-70F1-003B-3200A05115E9}"/>
-              </a:ext>
-            </a:extLst>
-          </p:cNvPr>
-          <p:cNvPicPr>
-            <a:picLocks noChangeAspect="1"/>
-          </p:cNvPicPr>
-          <p:nvPr/>
-        </p:nvPicPr>
-        <p:blipFill>
-          <a:blip r:embed="rId5"/>
-          <a:stretch>
-            <a:fillRect/>
-          </a:stretch>
-        </p:blipFill>
-        <p:spPr>
-          <a:xfrm>
-            <a:off x="8127632" y="1350088"/>
-            <a:ext cx="4030518" cy="3148843"/>
-          </a:xfrm>
-          <a:prstGeom prst="rect">
-            <a:avLst/>
-          </a:prstGeom>
-        </p:spPr>
-      </p:pic>
-    </p:spTree>
-    <p:extLst>
-      <p:ext uri="{BB962C8B-B14F-4D97-AF65-F5344CB8AC3E}">
-        <p14:creationId xmlns:p14="http://schemas.microsoft.com/office/powerpoint/2010/main" val="2885826472"/>
-      </p:ext>
-    </p:extLst>
-  </p:cSld>
-  <p:clrMapOvr>
-    <a:masterClrMapping/>
-  </p:clrMapOvr>
-</p:sld>
-</file>
-
-<file path=ppt/slides/slide4.xml><?xml version="1.0" encoding="utf-8"?>
-<p:sld xmlns:a="http://schemas.openxmlformats.org/drawingml/2006/main" xmlns:r="http://schemas.openxmlformats.org/officeDocument/2006/relationships" xmlns:p="http://schemas.openxmlformats.org/presentationml/2006/main">
-  <p:cSld>
-    <p:spTree>
-      <p:nvGrpSpPr>
-        <p:cNvPr id="1" name="">
-          <a:extLst>
-            <a:ext uri="{FF2B5EF4-FFF2-40B4-BE49-F238E27FC236}">
-              <a16:creationId xmlns:a16="http://schemas.microsoft.com/office/drawing/2014/main" id="{E62D2FA5-5280-9486-DD3B-01B1ADD0811C}"/>
-            </a:ext>
-          </a:extLst>
-        </p:cNvPr>
-        <p:cNvGrpSpPr/>
-        <p:nvPr/>
-      </p:nvGrpSpPr>
-      <p:grpSpPr>
-        <a:xfrm>
-          <a:off x="0" y="0"/>
-          <a:ext cx="0" cy="0"/>
-          <a:chOff x="0" y="0"/>
-          <a:chExt cx="0" cy="0"/>
-        </a:xfrm>
-      </p:grpSpPr>
-      <p:sp>
-        <p:nvSpPr>
-          <p:cNvPr id="2" name="Title 1">
-            <a:extLst>
-              <a:ext uri="{FF2B5EF4-FFF2-40B4-BE49-F238E27FC236}">
-                <a16:creationId xmlns:a16="http://schemas.microsoft.com/office/drawing/2014/main" id="{6C4183B7-8F8B-E7D5-45A9-A7BD49BAA002}"/>
-              </a:ext>
-            </a:extLst>
-          </p:cNvPr>
-          <p:cNvSpPr>
-            <a:spLocks noGrp="1"/>
-          </p:cNvSpPr>
-          <p:nvPr>
-            <p:ph type="title"/>
-          </p:nvPr>
-        </p:nvSpPr>
-        <p:spPr>
-          <a:xfrm>
-            <a:off x="650535" y="252806"/>
-            <a:ext cx="10890929" cy="1097280"/>
-          </a:xfrm>
-        </p:spPr>
-        <p:txBody>
-          <a:bodyPr>
-            <a:normAutofit/>
-          </a:bodyPr>
-          <a:lstStyle/>
-          <a:p>
-            <a:r>
-              <a:rPr lang="en-US" sz="4200" b="1" i="0" dirty="0">
-                <a:solidFill>
-                  <a:srgbClr val="0F4761"/>
-                </a:solidFill>
-                <a:effectLst/>
-                <a:latin typeface="Arial"/>
-                <a:cs typeface="Arial"/>
-              </a:rPr>
-              <a:t>Simple Linear Regression</a:t>
-            </a:r>
-            <a:endParaRPr lang="en-US" sz="4200" dirty="0">
-              <a:latin typeface="Arial"/>
-              <a:cs typeface="Arial"/>
-            </a:endParaRPr>
-          </a:p>
-        </p:txBody>
-      </p:sp>
-      <p:pic>
-        <p:nvPicPr>
-          <p:cNvPr id="5" name="Picture 4">
-            <a:extLst>
-              <a:ext uri="{FF2B5EF4-FFF2-40B4-BE49-F238E27FC236}">
-                <a16:creationId xmlns:a16="http://schemas.microsoft.com/office/drawing/2014/main" id="{0036C824-7C9A-CCD3-6E25-4FF7AA260659}"/>
-              </a:ext>
-            </a:extLst>
-          </p:cNvPr>
-          <p:cNvPicPr>
-            <a:picLocks noChangeAspect="1"/>
-          </p:cNvPicPr>
-          <p:nvPr/>
-        </p:nvPicPr>
-        <p:blipFill>
-          <a:blip r:embed="rId3"/>
-          <a:stretch>
-            <a:fillRect/>
-          </a:stretch>
-        </p:blipFill>
-        <p:spPr>
-          <a:xfrm>
-            <a:off x="5346219" y="1039091"/>
-            <a:ext cx="6637963" cy="4158202"/>
-          </a:xfrm>
-          <a:prstGeom prst="rect">
-            <a:avLst/>
-          </a:prstGeom>
-        </p:spPr>
-      </p:pic>
-      <p:sp>
-        <p:nvSpPr>
-          <p:cNvPr id="6" name="TextBox 5">
-            <a:extLst>
-              <a:ext uri="{FF2B5EF4-FFF2-40B4-BE49-F238E27FC236}">
-                <a16:creationId xmlns:a16="http://schemas.microsoft.com/office/drawing/2014/main" id="{E9084D92-A356-A2D1-19A0-D309E788F237}"/>
-              </a:ext>
-            </a:extLst>
-          </p:cNvPr>
-          <p:cNvSpPr txBox="1"/>
-          <p:nvPr/>
-        </p:nvSpPr>
-        <p:spPr>
-          <a:xfrm>
-            <a:off x="454170" y="1350086"/>
-            <a:ext cx="4969885" cy="4216539"/>
-          </a:xfrm>
-          <a:prstGeom prst="rect">
-            <a:avLst/>
-          </a:prstGeom>
-          <a:noFill/>
-        </p:spPr>
-        <p:txBody>
-          <a:bodyPr wrap="square" rtlCol="0">
-            <a:spAutoFit/>
-          </a:bodyPr>
-          <a:lstStyle/>
-          <a:p>
-            <a:r>
-              <a:rPr lang="en-US" sz="3200" b="1" u="sng" dirty="0">
-                <a:latin typeface="Calibri"/>
-                <a:cs typeface="Calibri"/>
-              </a:rPr>
-              <a:t>y = 1141.28 + 12.86 * x</a:t>
-            </a:r>
-            <a:r>
-              <a:rPr lang="en-US" sz="3200" b="1" dirty="0">
-                <a:latin typeface="Calibri"/>
-                <a:cs typeface="Calibri"/>
-              </a:rPr>
-              <a:t> , </a:t>
-            </a:r>
-          </a:p>
-          <a:p>
-            <a:r>
-              <a:rPr lang="en-US" sz="2800" b="1" dirty="0">
-                <a:latin typeface="Calibri"/>
-                <a:cs typeface="Calibri"/>
-              </a:rPr>
-              <a:t>where x – Facebook ad spend</a:t>
-            </a:r>
-          </a:p>
-          <a:p>
-            <a:r>
-              <a:rPr lang="en-US" sz="2800" b="1" dirty="0">
-                <a:latin typeface="Calibri"/>
-                <a:cs typeface="Calibri"/>
-              </a:rPr>
-              <a:t>            y – Numer of Sales</a:t>
-            </a:r>
-          </a:p>
-          <a:p>
-            <a:endParaRPr lang="en-US" b="1" dirty="0">
-              <a:latin typeface="Calibri"/>
-              <a:cs typeface="Calibri"/>
-            </a:endParaRPr>
-          </a:p>
-          <a:p>
-            <a:endParaRPr lang="en-US" b="1" dirty="0">
-              <a:latin typeface="Calibri"/>
-              <a:cs typeface="Calibri"/>
-            </a:endParaRPr>
-          </a:p>
-          <a:p>
-            <a:r>
-              <a:rPr lang="en-US" sz="2400" b="1" dirty="0">
-                <a:latin typeface="Calibri"/>
-                <a:cs typeface="Calibri"/>
-              </a:rPr>
-              <a:t>Example:</a:t>
-            </a:r>
-          </a:p>
-          <a:p>
-            <a:r>
-              <a:rPr lang="en-US" sz="2400" b="1" dirty="0">
-                <a:latin typeface="Calibri"/>
-                <a:cs typeface="Calibri"/>
-              </a:rPr>
-              <a:t>Facebook ad spend is $300, </a:t>
-            </a:r>
-          </a:p>
-          <a:p>
-            <a:r>
-              <a:rPr lang="en-US" sz="2400" b="1" dirty="0">
-                <a:latin typeface="Calibri"/>
-                <a:cs typeface="Calibri"/>
-              </a:rPr>
-              <a:t>then y = 1141.28 + 12.86 * 300</a:t>
-            </a:r>
-          </a:p>
-          <a:p>
-            <a:r>
-              <a:rPr lang="en-US" sz="2400" b="1" dirty="0">
-                <a:latin typeface="Calibri"/>
-                <a:cs typeface="Calibri"/>
-              </a:rPr>
-              <a:t>y = 4999</a:t>
-            </a:r>
-          </a:p>
-          <a:p>
-            <a:endParaRPr lang="en-US" sz="2400" b="1" u="sng" dirty="0">
-              <a:latin typeface="Calibri"/>
-              <a:cs typeface="Calibri"/>
-            </a:endParaRPr>
-          </a:p>
-          <a:p>
-            <a:r>
-              <a:rPr lang="en-US" sz="2400" b="1" u="sng" dirty="0">
-                <a:latin typeface="Calibri"/>
-                <a:cs typeface="Calibri"/>
-              </a:rPr>
-              <a:t>Predicted Sales 4,999</a:t>
-            </a:r>
-            <a:endParaRPr lang="en-US" sz="2400" u="sng" dirty="0"/>
-          </a:p>
-        </p:txBody>
-      </p:sp>
-    </p:spTree>
-    <p:extLst>
-      <p:ext uri="{BB962C8B-B14F-4D97-AF65-F5344CB8AC3E}">
-        <p14:creationId xmlns:p14="http://schemas.microsoft.com/office/powerpoint/2010/main" val="646910953"/>
-      </p:ext>
-    </p:extLst>
-  </p:cSld>
-  <p:clrMapOvr>
-    <a:masterClrMapping/>
-  </p:clrMapOvr>
-</p:sld>
-</file>
-
-<file path=ppt/slides/slide5.xml><?xml version="1.0" encoding="utf-8"?>
-<p:sld xmlns:a="http://schemas.openxmlformats.org/drawingml/2006/main" xmlns:r="http://schemas.openxmlformats.org/officeDocument/2006/relationships" xmlns:p="http://schemas.openxmlformats.org/presentationml/2006/main">
-  <p:cSld>
-    <p:spTree>
-      <p:nvGrpSpPr>
-        <p:cNvPr id="1" name="">
-          <a:extLst>
-            <a:ext uri="{FF2B5EF4-FFF2-40B4-BE49-F238E27FC236}">
-              <a16:creationId xmlns:a16="http://schemas.microsoft.com/office/drawing/2014/main" id="{B3AA808C-018D-1CAF-D865-3031B6B8D665}"/>
-            </a:ext>
-          </a:extLst>
-        </p:cNvPr>
-        <p:cNvGrpSpPr/>
-        <p:nvPr/>
-      </p:nvGrpSpPr>
-      <p:grpSpPr>
-        <a:xfrm>
-          <a:off x="0" y="0"/>
-          <a:ext cx="0" cy="0"/>
-          <a:chOff x="0" y="0"/>
-          <a:chExt cx="0" cy="0"/>
-        </a:xfrm>
-      </p:grpSpPr>
-      <p:sp>
-        <p:nvSpPr>
-          <p:cNvPr id="2" name="Title 1">
-            <a:extLst>
-              <a:ext uri="{FF2B5EF4-FFF2-40B4-BE49-F238E27FC236}">
-                <a16:creationId xmlns:a16="http://schemas.microsoft.com/office/drawing/2014/main" id="{783975F7-8688-DAAD-BF4E-98F709ED83B1}"/>
-              </a:ext>
-            </a:extLst>
-          </p:cNvPr>
-          <p:cNvSpPr>
-            <a:spLocks noGrp="1"/>
-          </p:cNvSpPr>
-          <p:nvPr>
-            <p:ph type="title"/>
-          </p:nvPr>
-        </p:nvSpPr>
-        <p:spPr>
-          <a:xfrm>
-            <a:off x="650535" y="252806"/>
-            <a:ext cx="10890929" cy="1097280"/>
-          </a:xfrm>
-        </p:spPr>
-        <p:txBody>
-          <a:bodyPr>
-            <a:normAutofit/>
-          </a:bodyPr>
-          <a:lstStyle/>
-          <a:p>
-            <a:r>
-              <a:rPr lang="en-US" sz="4200" b="1" i="0" dirty="0">
-                <a:solidFill>
-                  <a:srgbClr val="0F4761"/>
-                </a:solidFill>
-                <a:effectLst/>
-                <a:latin typeface="Arial"/>
-                <a:cs typeface="Arial"/>
-              </a:rPr>
-              <a:t>Assessing Model Fit </a:t>
-            </a:r>
-            <a:endParaRPr lang="en-US" sz="4200" dirty="0">
-              <a:latin typeface="Arial"/>
-              <a:cs typeface="Arial"/>
-            </a:endParaRPr>
-          </a:p>
-        </p:txBody>
-      </p:sp>
-      <p:pic>
-        <p:nvPicPr>
-          <p:cNvPr id="5" name="Picture 4">
-            <a:extLst>
-              <a:ext uri="{FF2B5EF4-FFF2-40B4-BE49-F238E27FC236}">
-                <a16:creationId xmlns:a16="http://schemas.microsoft.com/office/drawing/2014/main" id="{5E5CF40C-D67E-E5A4-0C23-C188227464A3}"/>
-              </a:ext>
-            </a:extLst>
-          </p:cNvPr>
-          <p:cNvPicPr>
-            <a:picLocks noChangeAspect="1"/>
-          </p:cNvPicPr>
-          <p:nvPr/>
-        </p:nvPicPr>
-        <p:blipFill>
-          <a:blip r:embed="rId3"/>
-          <a:stretch>
-            <a:fillRect/>
-          </a:stretch>
-        </p:blipFill>
-        <p:spPr>
-          <a:xfrm>
-            <a:off x="6407999" y="1350086"/>
-            <a:ext cx="5457825" cy="4210050"/>
-          </a:xfrm>
-          <a:prstGeom prst="rect">
-            <a:avLst/>
-          </a:prstGeom>
-        </p:spPr>
-      </p:pic>
-      <p:pic>
-        <p:nvPicPr>
-          <p:cNvPr id="4" name="Picture 3">
-            <a:extLst>
-              <a:ext uri="{FF2B5EF4-FFF2-40B4-BE49-F238E27FC236}">
-                <a16:creationId xmlns:a16="http://schemas.microsoft.com/office/drawing/2014/main" id="{7A6F38F4-4A12-EDB4-65C9-9F345E526990}"/>
-              </a:ext>
-            </a:extLst>
-          </p:cNvPr>
-          <p:cNvPicPr>
-            <a:picLocks noChangeAspect="1"/>
-          </p:cNvPicPr>
-          <p:nvPr/>
-        </p:nvPicPr>
-        <p:blipFill>
-          <a:blip r:embed="rId4"/>
-          <a:stretch>
-            <a:fillRect/>
-          </a:stretch>
-        </p:blipFill>
-        <p:spPr>
-          <a:xfrm>
-            <a:off x="650535" y="1314450"/>
-            <a:ext cx="5534025" cy="4229100"/>
-          </a:xfrm>
-          <a:prstGeom prst="rect">
-            <a:avLst/>
-          </a:prstGeom>
-        </p:spPr>
-      </p:pic>
-    </p:spTree>
-    <p:extLst>
-      <p:ext uri="{BB962C8B-B14F-4D97-AF65-F5344CB8AC3E}">
-        <p14:creationId xmlns:p14="http://schemas.microsoft.com/office/powerpoint/2010/main" val="1065362478"/>
-      </p:ext>
-    </p:extLst>
-  </p:cSld>
-  <p:clrMapOvr>
-    <a:masterClrMapping/>
-  </p:clrMapOvr>
-</p:sld>
-</file>
-
-<file path=ppt/slides/slide6.xml><?xml version="1.0" encoding="utf-8"?>
+<file path=ppt/slides/slide11.xml><?xml version="1.0" encoding="utf-8"?>
 <p:sld xmlns:a="http://schemas.openxmlformats.org/drawingml/2006/main" xmlns:r="http://schemas.openxmlformats.org/officeDocument/2006/relationships" xmlns:p="http://schemas.openxmlformats.org/presentationml/2006/main">
   <p:cSld>
     <p:spTree>
@@ -9036,7 +8828,117 @@
 </p:sld>
 </file>
 
-<file path=ppt/slides/slide7.xml><?xml version="1.0" encoding="utf-8"?>
+<file path=ppt/slides/slide12.xml><?xml version="1.0" encoding="utf-8"?>
+<p:sld xmlns:a="http://schemas.openxmlformats.org/drawingml/2006/main" xmlns:r="http://schemas.openxmlformats.org/officeDocument/2006/relationships" xmlns:p="http://schemas.openxmlformats.org/presentationml/2006/main">
+  <p:cSld>
+    <p:spTree>
+      <p:nvGrpSpPr>
+        <p:cNvPr id="1" name="">
+          <a:extLst>
+            <a:ext uri="{FF2B5EF4-FFF2-40B4-BE49-F238E27FC236}">
+              <a16:creationId xmlns:a16="http://schemas.microsoft.com/office/drawing/2014/main" id="{2A4C6DDD-888B-573D-3665-4763F264F461}"/>
+            </a:ext>
+          </a:extLst>
+        </p:cNvPr>
+        <p:cNvGrpSpPr/>
+        <p:nvPr/>
+      </p:nvGrpSpPr>
+      <p:grpSpPr>
+        <a:xfrm>
+          <a:off x="0" y="0"/>
+          <a:ext cx="0" cy="0"/>
+          <a:chOff x="0" y="0"/>
+          <a:chExt cx="0" cy="0"/>
+        </a:xfrm>
+      </p:grpSpPr>
+      <p:sp>
+        <p:nvSpPr>
+          <p:cNvPr id="2" name="Title 1">
+            <a:extLst>
+              <a:ext uri="{FF2B5EF4-FFF2-40B4-BE49-F238E27FC236}">
+                <a16:creationId xmlns:a16="http://schemas.microsoft.com/office/drawing/2014/main" id="{3246A7CE-B78E-B817-2EF1-6031F81AA325}"/>
+              </a:ext>
+            </a:extLst>
+          </p:cNvPr>
+          <p:cNvSpPr>
+            <a:spLocks noGrp="1"/>
+          </p:cNvSpPr>
+          <p:nvPr>
+            <p:ph type="title"/>
+          </p:nvPr>
+        </p:nvSpPr>
+        <p:spPr>
+          <a:xfrm>
+            <a:off x="640079" y="353292"/>
+            <a:ext cx="10890929" cy="644235"/>
+          </a:xfrm>
+        </p:spPr>
+        <p:txBody>
+          <a:bodyPr>
+            <a:normAutofit fontScale="90000"/>
+          </a:bodyPr>
+          <a:lstStyle/>
+          <a:p>
+            <a:r>
+              <a:rPr lang="en-US" dirty="0">
+                <a:solidFill>
+                  <a:schemeClr val="tx2">
+                    <a:lumMod val="90000"/>
+                    <a:lumOff val="10000"/>
+                  </a:schemeClr>
+                </a:solidFill>
+                <a:latin typeface="Arial" panose="020B0604020202020204" pitchFamily="34" charset="0"/>
+                <a:cs typeface="Arial" panose="020B0604020202020204" pitchFamily="34" charset="0"/>
+              </a:rPr>
+              <a:t>Python code snippets</a:t>
+            </a:r>
+          </a:p>
+        </p:txBody>
+      </p:sp>
+      <p:pic>
+        <p:nvPicPr>
+          <p:cNvPr id="4" name="Picture 3">
+            <a:extLst>
+              <a:ext uri="{FF2B5EF4-FFF2-40B4-BE49-F238E27FC236}">
+                <a16:creationId xmlns:a16="http://schemas.microsoft.com/office/drawing/2014/main" id="{6EA1891E-C19E-C47B-4889-B250A57155A1}"/>
+              </a:ext>
+            </a:extLst>
+          </p:cNvPr>
+          <p:cNvPicPr>
+            <a:picLocks noChangeAspect="1"/>
+          </p:cNvPicPr>
+          <p:nvPr/>
+        </p:nvPicPr>
+        <p:blipFill>
+          <a:blip r:embed="rId3"/>
+          <a:stretch>
+            <a:fillRect/>
+          </a:stretch>
+        </p:blipFill>
+        <p:spPr>
+          <a:xfrm>
+            <a:off x="640079" y="1263793"/>
+            <a:ext cx="10187397" cy="5240915"/>
+          </a:xfrm>
+          <a:prstGeom prst="rect">
+            <a:avLst/>
+          </a:prstGeom>
+        </p:spPr>
+      </p:pic>
+    </p:spTree>
+    <p:extLst>
+      <p:ext uri="{BB962C8B-B14F-4D97-AF65-F5344CB8AC3E}">
+        <p14:creationId xmlns:p14="http://schemas.microsoft.com/office/powerpoint/2010/main" val="1963186221"/>
+      </p:ext>
+    </p:extLst>
+  </p:cSld>
+  <p:clrMapOvr>
+    <a:masterClrMapping/>
+  </p:clrMapOvr>
+</p:sld>
+</file>
+
+<file path=ppt/slides/slide13.xml><?xml version="1.0" encoding="utf-8"?>
 <p:sld xmlns:a="http://schemas.openxmlformats.org/drawingml/2006/main" xmlns:r="http://schemas.openxmlformats.org/officeDocument/2006/relationships" xmlns:p="http://schemas.openxmlformats.org/presentationml/2006/main">
   <p:cSld>
     <p:spTree>
@@ -9123,7 +9025,7 @@
         </p:nvSpPr>
         <p:spPr>
           <a:xfrm>
-            <a:off x="4031289" y="1381510"/>
+            <a:off x="4681825" y="1365148"/>
             <a:ext cx="3008750" cy="464730"/>
           </a:xfrm>
         </p:spPr>
@@ -9169,7 +9071,7 @@
         </p:nvSpPr>
         <p:spPr>
           <a:xfrm>
-            <a:off x="7609544" y="1366448"/>
+            <a:off x="8260080" y="1350086"/>
             <a:ext cx="3931920" cy="464730"/>
           </a:xfrm>
           <a:prstGeom prst="rect">
@@ -9386,7 +9288,7 @@
         </p:nvSpPr>
         <p:spPr>
           <a:xfrm>
-            <a:off x="1743071" y="1366448"/>
+            <a:off x="2393607" y="1350086"/>
             <a:ext cx="1877502" cy="464730"/>
           </a:xfrm>
           <a:prstGeom prst="rect">
@@ -9609,7 +9511,7 @@
         </p:blipFill>
         <p:spPr>
           <a:xfrm>
-            <a:off x="314320" y="1814816"/>
+            <a:off x="964856" y="1798454"/>
             <a:ext cx="2696489" cy="3415552"/>
           </a:xfrm>
           <a:prstGeom prst="rect">
@@ -9639,7 +9541,7 @@
         </p:blipFill>
         <p:spPr>
           <a:xfrm>
-            <a:off x="4743584" y="1814817"/>
+            <a:off x="5394120" y="1798455"/>
             <a:ext cx="1544265" cy="3415551"/>
           </a:xfrm>
           <a:prstGeom prst="rect">
@@ -9732,7 +9634,7 @@
         </p:blipFill>
         <p:spPr>
           <a:xfrm>
-            <a:off x="8020624" y="2066561"/>
+            <a:off x="8671160" y="2050199"/>
             <a:ext cx="2257232" cy="3239387"/>
           </a:xfrm>
           <a:prstGeom prst="rect">
@@ -9753,7 +9655,227 @@
 </p:sld>
 </file>
 
-<file path=ppt/slides/slide8.xml><?xml version="1.0" encoding="utf-8"?>
+<file path=ppt/slides/slide14.xml><?xml version="1.0" encoding="utf-8"?>
+<p:sld xmlns:a="http://schemas.openxmlformats.org/drawingml/2006/main" xmlns:r="http://schemas.openxmlformats.org/officeDocument/2006/relationships" xmlns:p="http://schemas.openxmlformats.org/presentationml/2006/main">
+  <p:cSld>
+    <p:spTree>
+      <p:nvGrpSpPr>
+        <p:cNvPr id="1" name="">
+          <a:extLst>
+            <a:ext uri="{FF2B5EF4-FFF2-40B4-BE49-F238E27FC236}">
+              <a16:creationId xmlns:a16="http://schemas.microsoft.com/office/drawing/2014/main" id="{8BB399DB-69A3-455D-83B4-E44E7E8A3D7D}"/>
+            </a:ext>
+          </a:extLst>
+        </p:cNvPr>
+        <p:cNvGrpSpPr/>
+        <p:nvPr/>
+      </p:nvGrpSpPr>
+      <p:grpSpPr>
+        <a:xfrm>
+          <a:off x="0" y="0"/>
+          <a:ext cx="0" cy="0"/>
+          <a:chOff x="0" y="0"/>
+          <a:chExt cx="0" cy="0"/>
+        </a:xfrm>
+      </p:grpSpPr>
+      <p:sp>
+        <p:nvSpPr>
+          <p:cNvPr id="2" name="Title 1">
+            <a:extLst>
+              <a:ext uri="{FF2B5EF4-FFF2-40B4-BE49-F238E27FC236}">
+                <a16:creationId xmlns:a16="http://schemas.microsoft.com/office/drawing/2014/main" id="{7DA93445-D6D0-5D0D-FD6A-3A4724DDD0B3}"/>
+              </a:ext>
+            </a:extLst>
+          </p:cNvPr>
+          <p:cNvSpPr>
+            <a:spLocks noGrp="1"/>
+          </p:cNvSpPr>
+          <p:nvPr>
+            <p:ph type="title"/>
+          </p:nvPr>
+        </p:nvSpPr>
+        <p:spPr>
+          <a:xfrm>
+            <a:off x="640079" y="353292"/>
+            <a:ext cx="10890929" cy="644235"/>
+          </a:xfrm>
+        </p:spPr>
+        <p:txBody>
+          <a:bodyPr>
+            <a:normAutofit fontScale="90000"/>
+          </a:bodyPr>
+          <a:lstStyle/>
+          <a:p>
+            <a:r>
+              <a:rPr lang="en-US" dirty="0">
+                <a:solidFill>
+                  <a:schemeClr val="tx2">
+                    <a:lumMod val="90000"/>
+                    <a:lumOff val="10000"/>
+                  </a:schemeClr>
+                </a:solidFill>
+                <a:latin typeface="Arial" panose="020B0604020202020204" pitchFamily="34" charset="0"/>
+                <a:cs typeface="Arial" panose="020B0604020202020204" pitchFamily="34" charset="0"/>
+              </a:rPr>
+              <a:t>Python code snippets</a:t>
+            </a:r>
+          </a:p>
+        </p:txBody>
+      </p:sp>
+      <p:pic>
+        <p:nvPicPr>
+          <p:cNvPr id="4" name="Picture 3">
+            <a:extLst>
+              <a:ext uri="{FF2B5EF4-FFF2-40B4-BE49-F238E27FC236}">
+                <a16:creationId xmlns:a16="http://schemas.microsoft.com/office/drawing/2014/main" id="{FC2252A8-2B72-B4A6-0CD8-D6A64038DC03}"/>
+              </a:ext>
+            </a:extLst>
+          </p:cNvPr>
+          <p:cNvPicPr>
+            <a:picLocks noChangeAspect="1"/>
+          </p:cNvPicPr>
+          <p:nvPr/>
+        </p:nvPicPr>
+        <p:blipFill>
+          <a:blip r:embed="rId3"/>
+          <a:stretch>
+            <a:fillRect/>
+          </a:stretch>
+        </p:blipFill>
+        <p:spPr>
+          <a:xfrm>
+            <a:off x="640079" y="1138237"/>
+            <a:ext cx="7672648" cy="5677760"/>
+          </a:xfrm>
+          <a:prstGeom prst="rect">
+            <a:avLst/>
+          </a:prstGeom>
+        </p:spPr>
+      </p:pic>
+    </p:spTree>
+    <p:extLst>
+      <p:ext uri="{BB962C8B-B14F-4D97-AF65-F5344CB8AC3E}">
+        <p14:creationId xmlns:p14="http://schemas.microsoft.com/office/powerpoint/2010/main" val="3786357164"/>
+      </p:ext>
+    </p:extLst>
+  </p:cSld>
+  <p:clrMapOvr>
+    <a:masterClrMapping/>
+  </p:clrMapOvr>
+</p:sld>
+</file>
+
+<file path=ppt/slides/slide15.xml><?xml version="1.0" encoding="utf-8"?>
+<p:sld xmlns:a="http://schemas.openxmlformats.org/drawingml/2006/main" xmlns:r="http://schemas.openxmlformats.org/officeDocument/2006/relationships" xmlns:p="http://schemas.openxmlformats.org/presentationml/2006/main">
+  <p:cSld>
+    <p:spTree>
+      <p:nvGrpSpPr>
+        <p:cNvPr id="1" name="">
+          <a:extLst>
+            <a:ext uri="{FF2B5EF4-FFF2-40B4-BE49-F238E27FC236}">
+              <a16:creationId xmlns:a16="http://schemas.microsoft.com/office/drawing/2014/main" id="{AB7E8335-1D8D-9C02-ED64-C37461177203}"/>
+            </a:ext>
+          </a:extLst>
+        </p:cNvPr>
+        <p:cNvGrpSpPr/>
+        <p:nvPr/>
+      </p:nvGrpSpPr>
+      <p:grpSpPr>
+        <a:xfrm>
+          <a:off x="0" y="0"/>
+          <a:ext cx="0" cy="0"/>
+          <a:chOff x="0" y="0"/>
+          <a:chExt cx="0" cy="0"/>
+        </a:xfrm>
+      </p:grpSpPr>
+      <p:sp>
+        <p:nvSpPr>
+          <p:cNvPr id="2" name="Title 1">
+            <a:extLst>
+              <a:ext uri="{FF2B5EF4-FFF2-40B4-BE49-F238E27FC236}">
+                <a16:creationId xmlns:a16="http://schemas.microsoft.com/office/drawing/2014/main" id="{08CACA3C-71F7-D64E-F13F-E1C31AAF40B3}"/>
+              </a:ext>
+            </a:extLst>
+          </p:cNvPr>
+          <p:cNvSpPr>
+            <a:spLocks noGrp="1"/>
+          </p:cNvSpPr>
+          <p:nvPr>
+            <p:ph type="title"/>
+          </p:nvPr>
+        </p:nvSpPr>
+        <p:spPr>
+          <a:xfrm>
+            <a:off x="640079" y="353292"/>
+            <a:ext cx="10890929" cy="644235"/>
+          </a:xfrm>
+        </p:spPr>
+        <p:txBody>
+          <a:bodyPr>
+            <a:normAutofit fontScale="90000"/>
+          </a:bodyPr>
+          <a:lstStyle/>
+          <a:p>
+            <a:r>
+              <a:rPr lang="en-US" dirty="0">
+                <a:solidFill>
+                  <a:schemeClr val="tx2">
+                    <a:lumMod val="90000"/>
+                    <a:lumOff val="10000"/>
+                  </a:schemeClr>
+                </a:solidFill>
+                <a:latin typeface="Arial" panose="020B0604020202020204" pitchFamily="34" charset="0"/>
+                <a:cs typeface="Arial" panose="020B0604020202020204" pitchFamily="34" charset="0"/>
+              </a:rPr>
+              <a:t>Python code snippets</a:t>
+            </a:r>
+          </a:p>
+        </p:txBody>
+      </p:sp>
+      <p:pic>
+        <p:nvPicPr>
+          <p:cNvPr id="4" name="Picture 3">
+            <a:extLst>
+              <a:ext uri="{FF2B5EF4-FFF2-40B4-BE49-F238E27FC236}">
+                <a16:creationId xmlns:a16="http://schemas.microsoft.com/office/drawing/2014/main" id="{E67902D4-C7B3-EB90-4373-4C7BF8EB158C}"/>
+              </a:ext>
+            </a:extLst>
+          </p:cNvPr>
+          <p:cNvPicPr>
+            <a:picLocks noChangeAspect="1"/>
+          </p:cNvPicPr>
+          <p:nvPr/>
+        </p:nvPicPr>
+        <p:blipFill>
+          <a:blip r:embed="rId3"/>
+          <a:stretch>
+            <a:fillRect/>
+          </a:stretch>
+        </p:blipFill>
+        <p:spPr>
+          <a:xfrm>
+            <a:off x="640079" y="1101436"/>
+            <a:ext cx="10127990" cy="5590309"/>
+          </a:xfrm>
+          <a:prstGeom prst="rect">
+            <a:avLst/>
+          </a:prstGeom>
+        </p:spPr>
+      </p:pic>
+    </p:spTree>
+    <p:extLst>
+      <p:ext uri="{BB962C8B-B14F-4D97-AF65-F5344CB8AC3E}">
+        <p14:creationId xmlns:p14="http://schemas.microsoft.com/office/powerpoint/2010/main" val="2339656035"/>
+      </p:ext>
+    </p:extLst>
+  </p:cSld>
+  <p:clrMapOvr>
+    <a:masterClrMapping/>
+  </p:clrMapOvr>
+</p:sld>
+</file>
+
+<file path=ppt/slides/slide16.xml><?xml version="1.0" encoding="utf-8"?>
 <p:sld xmlns:a="http://schemas.openxmlformats.org/drawingml/2006/main" xmlns:r="http://schemas.openxmlformats.org/officeDocument/2006/relationships" xmlns:p="http://schemas.openxmlformats.org/presentationml/2006/main">
   <p:cSld>
     <p:spTree>
@@ -9811,7 +9933,7 @@
                 <a:latin typeface="Arial"/>
                 <a:cs typeface="Arial"/>
               </a:rPr>
-              <a:t>Machine Learning Models (Question 7)</a:t>
+              <a:t>Machine Learning Models</a:t>
             </a:r>
             <a:r>
               <a:rPr lang="en-US" sz="4200" b="0" i="0" dirty="0">
@@ -9833,52 +9955,179 @@
       </p:sp>
       <p:sp>
         <p:nvSpPr>
-          <p:cNvPr id="3" name="Content Placeholder 2">
-            <a:extLst>
-              <a:ext uri="{FF2B5EF4-FFF2-40B4-BE49-F238E27FC236}">
-                <a16:creationId xmlns:a16="http://schemas.microsoft.com/office/drawing/2014/main" id="{7D703B0E-4DAF-8511-D024-1FB3DC5B8CD3}"/>
-              </a:ext>
-            </a:extLst>
-          </p:cNvPr>
-          <p:cNvSpPr>
-            <a:spLocks noGrp="1"/>
-          </p:cNvSpPr>
-          <p:nvPr>
-            <p:ph idx="1"/>
-          </p:nvPr>
+          <p:cNvPr id="8" name="TextBox 7">
+            <a:extLst>
+              <a:ext uri="{FF2B5EF4-FFF2-40B4-BE49-F238E27FC236}">
+                <a16:creationId xmlns:a16="http://schemas.microsoft.com/office/drawing/2014/main" id="{B542F681-0CE2-E32D-AD87-924918EBB5DE}"/>
+              </a:ext>
+            </a:extLst>
+          </p:cNvPr>
+          <p:cNvSpPr txBox="1"/>
+          <p:nvPr/>
         </p:nvSpPr>
         <p:spPr>
           <a:xfrm>
-            <a:off x="640080" y="1423162"/>
-            <a:ext cx="10890928" cy="4542954"/>
+            <a:off x="650535" y="1560398"/>
+            <a:ext cx="11046614" cy="4031873"/>
           </a:xfrm>
+          <a:prstGeom prst="rect">
+            <a:avLst/>
+          </a:prstGeom>
+          <a:noFill/>
         </p:spPr>
         <p:txBody>
-          <a:bodyPr vert="horz" lIns="91440" tIns="45720" rIns="91440" bIns="45720" rtlCol="0" anchor="t">
-            <a:noAutofit/>
+          <a:bodyPr wrap="none" rtlCol="0">
+            <a:spAutoFit/>
           </a:bodyPr>
           <a:lstStyle/>
           <a:p>
-            <a:pPr marL="264795" lvl="1" indent="0" algn="l" rtl="0" fontAlgn="base">
-              <a:lnSpc>
-                <a:spcPts val="1657"/>
-              </a:lnSpc>
-              <a:spcAft>
-                <a:spcPts val="800"/>
-              </a:spcAft>
-              <a:buNone/>
-            </a:pPr>
-            <a:endParaRPr lang="en-US" b="0" i="0" dirty="0">
+            <a:pPr algn="ctr"/>
+            <a:r>
+              <a:rPr lang="en-US" sz="3200" b="1" dirty="0">
+                <a:solidFill>
+                  <a:schemeClr val="tx2">
+                    <a:lumMod val="90000"/>
+                    <a:lumOff val="10000"/>
+                  </a:schemeClr>
+                </a:solidFill>
+                <a:latin typeface="Arial" panose="020B0604020202020204" pitchFamily="34" charset="0"/>
+                <a:cs typeface="Arial" panose="020B0604020202020204" pitchFamily="34" charset="0"/>
+              </a:rPr>
+              <a:t>Lower RMSE values indicate better model performance!</a:t>
+            </a:r>
+          </a:p>
+          <a:p>
+            <a:pPr algn="ctr"/>
+            <a:endParaRPr lang="en-US" sz="3200" b="1" dirty="0">
               <a:solidFill>
-                <a:srgbClr val="000000"/>
+                <a:schemeClr val="tx2">
+                  <a:lumMod val="90000"/>
+                  <a:lumOff val="10000"/>
+                </a:schemeClr>
               </a:solidFill>
-              <a:effectLst/>
-              <a:latin typeface="Arial"/>
-              <a:cs typeface="Arial"/>
+              <a:latin typeface="Arial" panose="020B0604020202020204" pitchFamily="34" charset="0"/>
+              <a:cs typeface="Arial" panose="020B0604020202020204" pitchFamily="34" charset="0"/>
             </a:endParaRPr>
           </a:p>
-        </p:txBody>
-      </p:sp>
+          <a:p>
+            <a:pPr algn="ctr"/>
+            <a:endParaRPr lang="en-US" sz="3200" b="1" dirty="0">
+              <a:solidFill>
+                <a:schemeClr val="tx2">
+                  <a:lumMod val="90000"/>
+                  <a:lumOff val="10000"/>
+                </a:schemeClr>
+              </a:solidFill>
+              <a:latin typeface="Arial" panose="020B0604020202020204" pitchFamily="34" charset="0"/>
+              <a:cs typeface="Arial" panose="020B0604020202020204" pitchFamily="34" charset="0"/>
+            </a:endParaRPr>
+          </a:p>
+          <a:p>
+            <a:pPr algn="ctr"/>
+            <a:endParaRPr lang="en-US" sz="3200" b="1" dirty="0">
+              <a:solidFill>
+                <a:schemeClr val="tx2">
+                  <a:lumMod val="90000"/>
+                  <a:lumOff val="10000"/>
+                </a:schemeClr>
+              </a:solidFill>
+              <a:latin typeface="Arial" panose="020B0604020202020204" pitchFamily="34" charset="0"/>
+              <a:cs typeface="Arial" panose="020B0604020202020204" pitchFamily="34" charset="0"/>
+            </a:endParaRPr>
+          </a:p>
+          <a:p>
+            <a:pPr algn="ctr"/>
+            <a:endParaRPr lang="en-US" sz="3200" b="1" dirty="0">
+              <a:solidFill>
+                <a:schemeClr val="tx2">
+                  <a:lumMod val="90000"/>
+                  <a:lumOff val="10000"/>
+                </a:schemeClr>
+              </a:solidFill>
+              <a:latin typeface="Arial" panose="020B0604020202020204" pitchFamily="34" charset="0"/>
+              <a:cs typeface="Arial" panose="020B0604020202020204" pitchFamily="34" charset="0"/>
+            </a:endParaRPr>
+          </a:p>
+          <a:p>
+            <a:pPr algn="ctr"/>
+            <a:r>
+              <a:rPr lang="en-US" sz="3200" b="1" dirty="0">
+                <a:solidFill>
+                  <a:schemeClr val="tx2">
+                    <a:lumMod val="90000"/>
+                    <a:lumOff val="10000"/>
+                  </a:schemeClr>
+                </a:solidFill>
+                <a:latin typeface="Arial" panose="020B0604020202020204" pitchFamily="34" charset="0"/>
+                <a:cs typeface="Arial" panose="020B0604020202020204" pitchFamily="34" charset="0"/>
+              </a:rPr>
+              <a:t>Multiple linear Regression Model provides more </a:t>
+            </a:r>
+          </a:p>
+          <a:p>
+            <a:pPr algn="ctr"/>
+            <a:r>
+              <a:rPr lang="en-US" sz="3200" b="1" dirty="0">
+                <a:solidFill>
+                  <a:schemeClr val="tx2">
+                    <a:lumMod val="90000"/>
+                    <a:lumOff val="10000"/>
+                  </a:schemeClr>
+                </a:solidFill>
+                <a:latin typeface="Arial" panose="020B0604020202020204" pitchFamily="34" charset="0"/>
+                <a:cs typeface="Arial" panose="020B0604020202020204" pitchFamily="34" charset="0"/>
+              </a:rPr>
+              <a:t>accurate predictions with lower error compared </a:t>
+            </a:r>
+          </a:p>
+          <a:p>
+            <a:pPr algn="ctr"/>
+            <a:r>
+              <a:rPr lang="en-US" sz="3200" b="1" dirty="0">
+                <a:solidFill>
+                  <a:schemeClr val="tx2">
+                    <a:lumMod val="90000"/>
+                    <a:lumOff val="10000"/>
+                  </a:schemeClr>
+                </a:solidFill>
+                <a:latin typeface="Arial" panose="020B0604020202020204" pitchFamily="34" charset="0"/>
+                <a:cs typeface="Arial" panose="020B0604020202020204" pitchFamily="34" charset="0"/>
+              </a:rPr>
+              <a:t>to the Decision Tree model.</a:t>
+            </a:r>
+          </a:p>
+        </p:txBody>
+      </p:sp>
+      <p:pic>
+        <p:nvPicPr>
+          <p:cNvPr id="4" name="Picture 3">
+            <a:extLst>
+              <a:ext uri="{FF2B5EF4-FFF2-40B4-BE49-F238E27FC236}">
+                <a16:creationId xmlns:a16="http://schemas.microsoft.com/office/drawing/2014/main" id="{52BD453E-4895-46C4-ED77-5E717019E0B3}"/>
+              </a:ext>
+            </a:extLst>
+          </p:cNvPr>
+          <p:cNvPicPr>
+            <a:picLocks noChangeAspect="1"/>
+          </p:cNvPicPr>
+          <p:nvPr/>
+        </p:nvPicPr>
+        <p:blipFill>
+          <a:blip r:embed="rId3"/>
+          <a:stretch>
+            <a:fillRect/>
+          </a:stretch>
+        </p:blipFill>
+        <p:spPr>
+          <a:xfrm>
+            <a:off x="825822" y="2658427"/>
+            <a:ext cx="10871327" cy="770573"/>
+          </a:xfrm>
+          <a:prstGeom prst="rect">
+            <a:avLst/>
+          </a:prstGeom>
+        </p:spPr>
+      </p:pic>
     </p:spTree>
     <p:extLst>
       <p:ext uri="{BB962C8B-B14F-4D97-AF65-F5344CB8AC3E}">
@@ -9892,7 +10141,227 @@
 </p:sld>
 </file>
 
-<file path=ppt/slides/slide9.xml><?xml version="1.0" encoding="utf-8"?>
+<file path=ppt/slides/slide17.xml><?xml version="1.0" encoding="utf-8"?>
+<p:sld xmlns:a="http://schemas.openxmlformats.org/drawingml/2006/main" xmlns:r="http://schemas.openxmlformats.org/officeDocument/2006/relationships" xmlns:p="http://schemas.openxmlformats.org/presentationml/2006/main">
+  <p:cSld>
+    <p:spTree>
+      <p:nvGrpSpPr>
+        <p:cNvPr id="1" name="">
+          <a:extLst>
+            <a:ext uri="{FF2B5EF4-FFF2-40B4-BE49-F238E27FC236}">
+              <a16:creationId xmlns:a16="http://schemas.microsoft.com/office/drawing/2014/main" id="{AF0A23C4-3404-8405-A4EF-D4477BAEEF4A}"/>
+            </a:ext>
+          </a:extLst>
+        </p:cNvPr>
+        <p:cNvGrpSpPr/>
+        <p:nvPr/>
+      </p:nvGrpSpPr>
+      <p:grpSpPr>
+        <a:xfrm>
+          <a:off x="0" y="0"/>
+          <a:ext cx="0" cy="0"/>
+          <a:chOff x="0" y="0"/>
+          <a:chExt cx="0" cy="0"/>
+        </a:xfrm>
+      </p:grpSpPr>
+      <p:sp>
+        <p:nvSpPr>
+          <p:cNvPr id="2" name="Title 1">
+            <a:extLst>
+              <a:ext uri="{FF2B5EF4-FFF2-40B4-BE49-F238E27FC236}">
+                <a16:creationId xmlns:a16="http://schemas.microsoft.com/office/drawing/2014/main" id="{E0570F3E-7901-4F92-2653-6867616F460E}"/>
+              </a:ext>
+            </a:extLst>
+          </p:cNvPr>
+          <p:cNvSpPr>
+            <a:spLocks noGrp="1"/>
+          </p:cNvSpPr>
+          <p:nvPr>
+            <p:ph type="title"/>
+          </p:nvPr>
+        </p:nvSpPr>
+        <p:spPr>
+          <a:xfrm>
+            <a:off x="640079" y="353292"/>
+            <a:ext cx="10890929" cy="644235"/>
+          </a:xfrm>
+        </p:spPr>
+        <p:txBody>
+          <a:bodyPr>
+            <a:normAutofit fontScale="90000"/>
+          </a:bodyPr>
+          <a:lstStyle/>
+          <a:p>
+            <a:r>
+              <a:rPr lang="en-US" dirty="0">
+                <a:solidFill>
+                  <a:schemeClr val="tx2">
+                    <a:lumMod val="90000"/>
+                    <a:lumOff val="10000"/>
+                  </a:schemeClr>
+                </a:solidFill>
+                <a:latin typeface="Arial" panose="020B0604020202020204" pitchFamily="34" charset="0"/>
+                <a:cs typeface="Arial" panose="020B0604020202020204" pitchFamily="34" charset="0"/>
+              </a:rPr>
+              <a:t>Python code snippets</a:t>
+            </a:r>
+          </a:p>
+        </p:txBody>
+      </p:sp>
+      <p:pic>
+        <p:nvPicPr>
+          <p:cNvPr id="4" name="Picture 3">
+            <a:extLst>
+              <a:ext uri="{FF2B5EF4-FFF2-40B4-BE49-F238E27FC236}">
+                <a16:creationId xmlns:a16="http://schemas.microsoft.com/office/drawing/2014/main" id="{E3811D1F-5912-97AD-8111-0D238AB52539}"/>
+              </a:ext>
+            </a:extLst>
+          </p:cNvPr>
+          <p:cNvPicPr>
+            <a:picLocks noChangeAspect="1"/>
+          </p:cNvPicPr>
+          <p:nvPr/>
+        </p:nvPicPr>
+        <p:blipFill>
+          <a:blip r:embed="rId3"/>
+          <a:stretch>
+            <a:fillRect/>
+          </a:stretch>
+        </p:blipFill>
+        <p:spPr>
+          <a:xfrm>
+            <a:off x="665818" y="1259031"/>
+            <a:ext cx="8104109" cy="5184351"/>
+          </a:xfrm>
+          <a:prstGeom prst="rect">
+            <a:avLst/>
+          </a:prstGeom>
+        </p:spPr>
+      </p:pic>
+    </p:spTree>
+    <p:extLst>
+      <p:ext uri="{BB962C8B-B14F-4D97-AF65-F5344CB8AC3E}">
+        <p14:creationId xmlns:p14="http://schemas.microsoft.com/office/powerpoint/2010/main" val="120739263"/>
+      </p:ext>
+    </p:extLst>
+  </p:cSld>
+  <p:clrMapOvr>
+    <a:masterClrMapping/>
+  </p:clrMapOvr>
+</p:sld>
+</file>
+
+<file path=ppt/slides/slide18.xml><?xml version="1.0" encoding="utf-8"?>
+<p:sld xmlns:a="http://schemas.openxmlformats.org/drawingml/2006/main" xmlns:r="http://schemas.openxmlformats.org/officeDocument/2006/relationships" xmlns:p="http://schemas.openxmlformats.org/presentationml/2006/main">
+  <p:cSld>
+    <p:spTree>
+      <p:nvGrpSpPr>
+        <p:cNvPr id="1" name="">
+          <a:extLst>
+            <a:ext uri="{FF2B5EF4-FFF2-40B4-BE49-F238E27FC236}">
+              <a16:creationId xmlns:a16="http://schemas.microsoft.com/office/drawing/2014/main" id="{A8A772AA-9893-A3FD-323E-52AC6B1E4B5C}"/>
+            </a:ext>
+          </a:extLst>
+        </p:cNvPr>
+        <p:cNvGrpSpPr/>
+        <p:nvPr/>
+      </p:nvGrpSpPr>
+      <p:grpSpPr>
+        <a:xfrm>
+          <a:off x="0" y="0"/>
+          <a:ext cx="0" cy="0"/>
+          <a:chOff x="0" y="0"/>
+          <a:chExt cx="0" cy="0"/>
+        </a:xfrm>
+      </p:grpSpPr>
+      <p:sp>
+        <p:nvSpPr>
+          <p:cNvPr id="2" name="Title 1">
+            <a:extLst>
+              <a:ext uri="{FF2B5EF4-FFF2-40B4-BE49-F238E27FC236}">
+                <a16:creationId xmlns:a16="http://schemas.microsoft.com/office/drawing/2014/main" id="{F3604EED-E034-3729-F292-A64A2ACF0F8E}"/>
+              </a:ext>
+            </a:extLst>
+          </p:cNvPr>
+          <p:cNvSpPr>
+            <a:spLocks noGrp="1"/>
+          </p:cNvSpPr>
+          <p:nvPr>
+            <p:ph type="title"/>
+          </p:nvPr>
+        </p:nvSpPr>
+        <p:spPr>
+          <a:xfrm>
+            <a:off x="640079" y="353292"/>
+            <a:ext cx="10890929" cy="644235"/>
+          </a:xfrm>
+        </p:spPr>
+        <p:txBody>
+          <a:bodyPr>
+            <a:normAutofit fontScale="90000"/>
+          </a:bodyPr>
+          <a:lstStyle/>
+          <a:p>
+            <a:r>
+              <a:rPr lang="en-US" dirty="0">
+                <a:solidFill>
+                  <a:schemeClr val="tx2">
+                    <a:lumMod val="90000"/>
+                    <a:lumOff val="10000"/>
+                  </a:schemeClr>
+                </a:solidFill>
+                <a:latin typeface="Arial" panose="020B0604020202020204" pitchFamily="34" charset="0"/>
+                <a:cs typeface="Arial" panose="020B0604020202020204" pitchFamily="34" charset="0"/>
+              </a:rPr>
+              <a:t>Python code snippets</a:t>
+            </a:r>
+          </a:p>
+        </p:txBody>
+      </p:sp>
+      <p:pic>
+        <p:nvPicPr>
+          <p:cNvPr id="4" name="Picture 3">
+            <a:extLst>
+              <a:ext uri="{FF2B5EF4-FFF2-40B4-BE49-F238E27FC236}">
+                <a16:creationId xmlns:a16="http://schemas.microsoft.com/office/drawing/2014/main" id="{785F81E5-98D5-201F-D55D-DCECCD288926}"/>
+              </a:ext>
+            </a:extLst>
+          </p:cNvPr>
+          <p:cNvPicPr>
+            <a:picLocks noChangeAspect="1"/>
+          </p:cNvPicPr>
+          <p:nvPr/>
+        </p:nvPicPr>
+        <p:blipFill>
+          <a:blip r:embed="rId3"/>
+          <a:stretch>
+            <a:fillRect/>
+          </a:stretch>
+        </p:blipFill>
+        <p:spPr>
+          <a:xfrm>
+            <a:off x="640079" y="1156421"/>
+            <a:ext cx="9626139" cy="5471557"/>
+          </a:xfrm>
+          <a:prstGeom prst="rect">
+            <a:avLst/>
+          </a:prstGeom>
+        </p:spPr>
+      </p:pic>
+    </p:spTree>
+    <p:extLst>
+      <p:ext uri="{BB962C8B-B14F-4D97-AF65-F5344CB8AC3E}">
+        <p14:creationId xmlns:p14="http://schemas.microsoft.com/office/powerpoint/2010/main" val="3630732425"/>
+      </p:ext>
+    </p:extLst>
+  </p:cSld>
+  <p:clrMapOvr>
+    <a:masterClrMapping/>
+  </p:clrMapOvr>
+</p:sld>
+</file>
+
+<file path=ppt/slides/slide19.xml><?xml version="1.0" encoding="utf-8"?>
 <p:sld xmlns:a="http://schemas.openxmlformats.org/drawingml/2006/main" xmlns:r="http://schemas.openxmlformats.org/officeDocument/2006/relationships" xmlns:p="http://schemas.openxmlformats.org/presentationml/2006/main">
   <p:cSld>
     <p:spTree>
@@ -9950,7 +10419,7 @@
                 <a:latin typeface="Arial"/>
                 <a:cs typeface="Arial"/>
               </a:rPr>
-              <a:t>Monte Carlo Simulation (Question 8)</a:t>
+              <a:t>Monte Carlo Simulation</a:t>
             </a:r>
             <a:r>
               <a:rPr lang="en-US" sz="4200" b="0" i="0" dirty="0">
@@ -9963,55 +10432,170 @@
               </a:rPr>
               <a:t> </a:t>
             </a:r>
-            <a:endParaRPr lang="en-US" sz="4200">
+            <a:endParaRPr lang="en-US" sz="4200" dirty="0">
               <a:latin typeface="Arial"/>
               <a:cs typeface="Arial"/>
             </a:endParaRPr>
           </a:p>
         </p:txBody>
       </p:sp>
-      <p:sp>
-        <p:nvSpPr>
-          <p:cNvPr id="3" name="Content Placeholder 2">
-            <a:extLst>
-              <a:ext uri="{FF2B5EF4-FFF2-40B4-BE49-F238E27FC236}">
-                <a16:creationId xmlns:a16="http://schemas.microsoft.com/office/drawing/2014/main" id="{F9C1A13D-58E7-2F5E-68B1-96686E3E48FA}"/>
-              </a:ext>
-            </a:extLst>
-          </p:cNvPr>
-          <p:cNvSpPr>
-            <a:spLocks noGrp="1"/>
-          </p:cNvSpPr>
-          <p:nvPr>
-            <p:ph idx="1"/>
-          </p:nvPr>
-        </p:nvSpPr>
+      <p:pic>
+        <p:nvPicPr>
+          <p:cNvPr id="7" name="Picture 6">
+            <a:extLst>
+              <a:ext uri="{FF2B5EF4-FFF2-40B4-BE49-F238E27FC236}">
+                <a16:creationId xmlns:a16="http://schemas.microsoft.com/office/drawing/2014/main" id="{5591E178-E340-36D4-C1C8-7560D3EC9340}"/>
+              </a:ext>
+            </a:extLst>
+          </p:cNvPr>
+          <p:cNvPicPr>
+            <a:picLocks noChangeAspect="1"/>
+          </p:cNvPicPr>
+          <p:nvPr/>
+        </p:nvPicPr>
+        <p:blipFill>
+          <a:blip r:embed="rId3"/>
+          <a:stretch>
+            <a:fillRect/>
+          </a:stretch>
+        </p:blipFill>
         <p:spPr>
           <a:xfrm>
-            <a:off x="652370" y="1349420"/>
-            <a:ext cx="10890928" cy="4542954"/>
+            <a:off x="158495" y="1092067"/>
+            <a:ext cx="6981635" cy="5513127"/>
           </a:xfrm>
+          <a:prstGeom prst="rect">
+            <a:avLst/>
+          </a:prstGeom>
         </p:spPr>
-        <p:txBody>
-          <a:bodyPr vert="horz" lIns="91440" tIns="45720" rIns="91440" bIns="45720" rtlCol="0" anchor="t">
-            <a:noAutofit/>
+      </p:pic>
+      <p:sp>
+        <p:nvSpPr>
+          <p:cNvPr id="10" name="TextBox 9">
+            <a:extLst>
+              <a:ext uri="{FF2B5EF4-FFF2-40B4-BE49-F238E27FC236}">
+                <a16:creationId xmlns:a16="http://schemas.microsoft.com/office/drawing/2014/main" id="{9DC05CBB-4EC3-C0C5-216E-F0604D971265}"/>
+              </a:ext>
+            </a:extLst>
+          </p:cNvPr>
+          <p:cNvSpPr txBox="1"/>
+          <p:nvPr/>
+        </p:nvSpPr>
+        <p:spPr>
+          <a:xfrm>
+            <a:off x="7009701" y="1898726"/>
+            <a:ext cx="5182299" cy="3539430"/>
+          </a:xfrm>
+          <a:prstGeom prst="rect">
+            <a:avLst/>
+          </a:prstGeom>
+          <a:noFill/>
+        </p:spPr>
+        <p:txBody>
+          <a:bodyPr wrap="square" rtlCol="0">
+            <a:spAutoFit/>
           </a:bodyPr>
           <a:lstStyle/>
           <a:p>
-            <a:pPr marL="0" indent="0" algn="l" rtl="0" fontAlgn="base">
-              <a:lnSpc>
-                <a:spcPct val="100000"/>
-              </a:lnSpc>
-              <a:buNone/>
-            </a:pPr>
-            <a:endParaRPr lang="en-US" b="0" i="0" dirty="0">
+            <a:r>
+              <a:rPr lang="en-US" sz="2800" dirty="0">
+                <a:solidFill>
+                  <a:schemeClr val="tx2">
+                    <a:lumMod val="90000"/>
+                    <a:lumOff val="10000"/>
+                  </a:schemeClr>
+                </a:solidFill>
+                <a:latin typeface="Arial" panose="020B0604020202020204" pitchFamily="34" charset="0"/>
+                <a:cs typeface="Arial" panose="020B0604020202020204" pitchFamily="34" charset="0"/>
+              </a:rPr>
+              <a:t>Estimated Average Monthly Revenue: </a:t>
+            </a:r>
+            <a:r>
+              <a:rPr lang="en-US" sz="2800" b="1" dirty="0">
+                <a:solidFill>
+                  <a:srgbClr val="FF0000"/>
+                </a:solidFill>
+                <a:latin typeface="Arial" panose="020B0604020202020204" pitchFamily="34" charset="0"/>
+                <a:cs typeface="Arial" panose="020B0604020202020204" pitchFamily="34" charset="0"/>
+              </a:rPr>
+              <a:t>$149,890.15</a:t>
+            </a:r>
+          </a:p>
+          <a:p>
+            <a:endParaRPr lang="en-US" sz="2800" dirty="0">
               <a:solidFill>
-                <a:srgbClr val="000000"/>
+                <a:schemeClr val="tx2">
+                  <a:lumMod val="90000"/>
+                  <a:lumOff val="10000"/>
+                </a:schemeClr>
               </a:solidFill>
-              <a:effectLst/>
-              <a:latin typeface="Arial"/>
-              <a:cs typeface="Arial"/>
+              <a:latin typeface="Arial" panose="020B0604020202020204" pitchFamily="34" charset="0"/>
+              <a:cs typeface="Arial" panose="020B0604020202020204" pitchFamily="34" charset="0"/>
             </a:endParaRPr>
+          </a:p>
+          <a:p>
+            <a:r>
+              <a:rPr lang="en-US" sz="2800" dirty="0">
+                <a:solidFill>
+                  <a:schemeClr val="tx2">
+                    <a:lumMod val="90000"/>
+                    <a:lumOff val="10000"/>
+                  </a:schemeClr>
+                </a:solidFill>
+                <a:latin typeface="Arial" panose="020B0604020202020204" pitchFamily="34" charset="0"/>
+                <a:cs typeface="Arial" panose="020B0604020202020204" pitchFamily="34" charset="0"/>
+              </a:rPr>
+              <a:t>Median Monthly Revenue:</a:t>
+            </a:r>
+          </a:p>
+          <a:p>
+            <a:r>
+              <a:rPr lang="en-US" sz="2800" b="1" dirty="0">
+                <a:solidFill>
+                  <a:srgbClr val="00B050"/>
+                </a:solidFill>
+                <a:latin typeface="Arial" panose="020B0604020202020204" pitchFamily="34" charset="0"/>
+                <a:cs typeface="Arial" panose="020B0604020202020204" pitchFamily="34" charset="0"/>
+              </a:rPr>
+              <a:t>$149,894.50</a:t>
+            </a:r>
+          </a:p>
+          <a:p>
+            <a:endParaRPr lang="en-US" sz="2800" dirty="0">
+              <a:solidFill>
+                <a:schemeClr val="tx2">
+                  <a:lumMod val="90000"/>
+                  <a:lumOff val="10000"/>
+                </a:schemeClr>
+              </a:solidFill>
+              <a:latin typeface="Arial" panose="020B0604020202020204" pitchFamily="34" charset="0"/>
+              <a:cs typeface="Arial" panose="020B0604020202020204" pitchFamily="34" charset="0"/>
+            </a:endParaRPr>
+          </a:p>
+          <a:p>
+            <a:r>
+              <a:rPr lang="en-US" sz="2800" dirty="0">
+                <a:solidFill>
+                  <a:schemeClr val="tx2">
+                    <a:lumMod val="90000"/>
+                    <a:lumOff val="10000"/>
+                  </a:schemeClr>
+                </a:solidFill>
+                <a:latin typeface="Arial" panose="020B0604020202020204" pitchFamily="34" charset="0"/>
+                <a:cs typeface="Arial" panose="020B0604020202020204" pitchFamily="34" charset="0"/>
+              </a:rPr>
+              <a:t>Standard Deviation of Monthly Revenue: </a:t>
+            </a:r>
+            <a:r>
+              <a:rPr lang="en-US" sz="2800" b="1" dirty="0">
+                <a:solidFill>
+                  <a:srgbClr val="7030A0"/>
+                </a:solidFill>
+                <a:latin typeface="Arial" panose="020B0604020202020204" pitchFamily="34" charset="0"/>
+                <a:cs typeface="Arial" panose="020B0604020202020204" pitchFamily="34" charset="0"/>
+              </a:rPr>
+              <a:t>$8,165.60</a:t>
+            </a:r>
           </a:p>
         </p:txBody>
       </p:sp>
@@ -10019,6 +10603,1580 @@
     <p:extLst>
       <p:ext uri="{BB962C8B-B14F-4D97-AF65-F5344CB8AC3E}">
         <p14:creationId xmlns:p14="http://schemas.microsoft.com/office/powerpoint/2010/main" val="1838215934"/>
+      </p:ext>
+    </p:extLst>
+  </p:cSld>
+  <p:clrMapOvr>
+    <a:masterClrMapping/>
+  </p:clrMapOvr>
+</p:sld>
+</file>
+
+<file path=ppt/slides/slide2.xml><?xml version="1.0" encoding="utf-8"?>
+<p:sld xmlns:a="http://schemas.openxmlformats.org/drawingml/2006/main" xmlns:r="http://schemas.openxmlformats.org/officeDocument/2006/relationships" xmlns:p="http://schemas.openxmlformats.org/presentationml/2006/main">
+  <p:cSld>
+    <p:spTree>
+      <p:nvGrpSpPr>
+        <p:cNvPr id="1" name=""/>
+        <p:cNvGrpSpPr/>
+        <p:nvPr/>
+      </p:nvGrpSpPr>
+      <p:grpSpPr>
+        <a:xfrm>
+          <a:off x="0" y="0"/>
+          <a:ext cx="0" cy="0"/>
+          <a:chOff x="0" y="0"/>
+          <a:chExt cx="0" cy="0"/>
+        </a:xfrm>
+      </p:grpSpPr>
+      <p:sp>
+        <p:nvSpPr>
+          <p:cNvPr id="2" name="Title 1">
+            <a:extLst>
+              <a:ext uri="{FF2B5EF4-FFF2-40B4-BE49-F238E27FC236}">
+                <a16:creationId xmlns:a16="http://schemas.microsoft.com/office/drawing/2014/main" id="{3A7FAC75-872E-C916-E7FD-7CCFCE69AAC7}"/>
+              </a:ext>
+            </a:extLst>
+          </p:cNvPr>
+          <p:cNvSpPr>
+            <a:spLocks noGrp="1"/>
+          </p:cNvSpPr>
+          <p:nvPr>
+            <p:ph type="title"/>
+          </p:nvPr>
+        </p:nvSpPr>
+        <p:spPr>
+          <a:xfrm>
+            <a:off x="650535" y="252806"/>
+            <a:ext cx="10890929" cy="1097280"/>
+          </a:xfrm>
+        </p:spPr>
+        <p:txBody>
+          <a:bodyPr>
+            <a:noAutofit/>
+          </a:bodyPr>
+          <a:lstStyle/>
+          <a:p>
+            <a:r>
+              <a:rPr lang="en-US" b="1" i="0" dirty="0">
+                <a:solidFill>
+                  <a:srgbClr val="0F4761"/>
+                </a:solidFill>
+                <a:effectLst/>
+                <a:latin typeface="Arial"/>
+                <a:cs typeface="Arial"/>
+              </a:rPr>
+              <a:t>Data Exploration and Summary</a:t>
+            </a:r>
+            <a:endParaRPr lang="en-US" dirty="0">
+              <a:latin typeface="Arial"/>
+              <a:cs typeface="Arial"/>
+            </a:endParaRPr>
+          </a:p>
+        </p:txBody>
+      </p:sp>
+      <p:pic>
+        <p:nvPicPr>
+          <p:cNvPr id="7" name="Picture 6">
+            <a:extLst>
+              <a:ext uri="{FF2B5EF4-FFF2-40B4-BE49-F238E27FC236}">
+                <a16:creationId xmlns:a16="http://schemas.microsoft.com/office/drawing/2014/main" id="{E1FF8C53-CC14-DCA2-ADF9-7BD1D315E294}"/>
+              </a:ext>
+            </a:extLst>
+          </p:cNvPr>
+          <p:cNvPicPr>
+            <a:picLocks noChangeAspect="1"/>
+          </p:cNvPicPr>
+          <p:nvPr/>
+        </p:nvPicPr>
+        <p:blipFill>
+          <a:blip r:embed="rId3"/>
+          <a:stretch>
+            <a:fillRect/>
+          </a:stretch>
+        </p:blipFill>
+        <p:spPr>
+          <a:xfrm>
+            <a:off x="650535" y="1469829"/>
+            <a:ext cx="11158673" cy="4593514"/>
+          </a:xfrm>
+          <a:prstGeom prst="rect">
+            <a:avLst/>
+          </a:prstGeom>
+        </p:spPr>
+      </p:pic>
+    </p:spTree>
+    <p:extLst>
+      <p:ext uri="{BB962C8B-B14F-4D97-AF65-F5344CB8AC3E}">
+        <p14:creationId xmlns:p14="http://schemas.microsoft.com/office/powerpoint/2010/main" val="3660653339"/>
+      </p:ext>
+    </p:extLst>
+  </p:cSld>
+  <p:clrMapOvr>
+    <a:masterClrMapping/>
+  </p:clrMapOvr>
+</p:sld>
+</file>
+
+<file path=ppt/slides/slide20.xml><?xml version="1.0" encoding="utf-8"?>
+<p:sld xmlns:a="http://schemas.openxmlformats.org/drawingml/2006/main" xmlns:r="http://schemas.openxmlformats.org/officeDocument/2006/relationships" xmlns:p="http://schemas.openxmlformats.org/presentationml/2006/main">
+  <p:cSld>
+    <p:spTree>
+      <p:nvGrpSpPr>
+        <p:cNvPr id="1" name="">
+          <a:extLst>
+            <a:ext uri="{FF2B5EF4-FFF2-40B4-BE49-F238E27FC236}">
+              <a16:creationId xmlns:a16="http://schemas.microsoft.com/office/drawing/2014/main" id="{37D14805-4767-70CD-47F3-29596C9F1E6D}"/>
+            </a:ext>
+          </a:extLst>
+        </p:cNvPr>
+        <p:cNvGrpSpPr/>
+        <p:nvPr/>
+      </p:nvGrpSpPr>
+      <p:grpSpPr>
+        <a:xfrm>
+          <a:off x="0" y="0"/>
+          <a:ext cx="0" cy="0"/>
+          <a:chOff x="0" y="0"/>
+          <a:chExt cx="0" cy="0"/>
+        </a:xfrm>
+      </p:grpSpPr>
+      <p:sp>
+        <p:nvSpPr>
+          <p:cNvPr id="2" name="Title 1">
+            <a:extLst>
+              <a:ext uri="{FF2B5EF4-FFF2-40B4-BE49-F238E27FC236}">
+                <a16:creationId xmlns:a16="http://schemas.microsoft.com/office/drawing/2014/main" id="{FDBBA374-C1DE-E16C-9EBB-FE69BC34019B}"/>
+              </a:ext>
+            </a:extLst>
+          </p:cNvPr>
+          <p:cNvSpPr>
+            <a:spLocks noGrp="1"/>
+          </p:cNvSpPr>
+          <p:nvPr>
+            <p:ph type="title"/>
+          </p:nvPr>
+        </p:nvSpPr>
+        <p:spPr>
+          <a:xfrm>
+            <a:off x="640079" y="353292"/>
+            <a:ext cx="10890929" cy="644235"/>
+          </a:xfrm>
+        </p:spPr>
+        <p:txBody>
+          <a:bodyPr>
+            <a:normAutofit fontScale="90000"/>
+          </a:bodyPr>
+          <a:lstStyle/>
+          <a:p>
+            <a:r>
+              <a:rPr lang="en-US" dirty="0">
+                <a:solidFill>
+                  <a:schemeClr val="tx2">
+                    <a:lumMod val="90000"/>
+                    <a:lumOff val="10000"/>
+                  </a:schemeClr>
+                </a:solidFill>
+                <a:latin typeface="Arial" panose="020B0604020202020204" pitchFamily="34" charset="0"/>
+                <a:cs typeface="Arial" panose="020B0604020202020204" pitchFamily="34" charset="0"/>
+              </a:rPr>
+              <a:t>Python code snippets</a:t>
+            </a:r>
+          </a:p>
+        </p:txBody>
+      </p:sp>
+      <p:pic>
+        <p:nvPicPr>
+          <p:cNvPr id="6" name="Picture 5">
+            <a:extLst>
+              <a:ext uri="{FF2B5EF4-FFF2-40B4-BE49-F238E27FC236}">
+                <a16:creationId xmlns:a16="http://schemas.microsoft.com/office/drawing/2014/main" id="{CC8A6837-E3DB-B89B-47B6-B08A04950108}"/>
+              </a:ext>
+            </a:extLst>
+          </p:cNvPr>
+          <p:cNvPicPr>
+            <a:picLocks noChangeAspect="1"/>
+          </p:cNvPicPr>
+          <p:nvPr/>
+        </p:nvPicPr>
+        <p:blipFill>
+          <a:blip r:embed="rId3"/>
+          <a:stretch>
+            <a:fillRect/>
+          </a:stretch>
+        </p:blipFill>
+        <p:spPr>
+          <a:xfrm>
+            <a:off x="640079" y="1243012"/>
+            <a:ext cx="8705482" cy="5261696"/>
+          </a:xfrm>
+          <a:prstGeom prst="rect">
+            <a:avLst/>
+          </a:prstGeom>
+        </p:spPr>
+      </p:pic>
+    </p:spTree>
+    <p:extLst>
+      <p:ext uri="{BB962C8B-B14F-4D97-AF65-F5344CB8AC3E}">
+        <p14:creationId xmlns:p14="http://schemas.microsoft.com/office/powerpoint/2010/main" val="3929347862"/>
+      </p:ext>
+    </p:extLst>
+  </p:cSld>
+  <p:clrMapOvr>
+    <a:masterClrMapping/>
+  </p:clrMapOvr>
+</p:sld>
+</file>
+
+<file path=ppt/slides/slide21.xml><?xml version="1.0" encoding="utf-8"?>
+<p:sld xmlns:a="http://schemas.openxmlformats.org/drawingml/2006/main" xmlns:r="http://schemas.openxmlformats.org/officeDocument/2006/relationships" xmlns:p="http://schemas.openxmlformats.org/presentationml/2006/main">
+  <p:cSld>
+    <p:spTree>
+      <p:nvGrpSpPr>
+        <p:cNvPr id="1" name="">
+          <a:extLst>
+            <a:ext uri="{FF2B5EF4-FFF2-40B4-BE49-F238E27FC236}">
+              <a16:creationId xmlns:a16="http://schemas.microsoft.com/office/drawing/2014/main" id="{2D4F7D3A-A2B4-C34E-4613-4DF59990CB2F}"/>
+            </a:ext>
+          </a:extLst>
+        </p:cNvPr>
+        <p:cNvGrpSpPr/>
+        <p:nvPr/>
+      </p:nvGrpSpPr>
+      <p:grpSpPr>
+        <a:xfrm>
+          <a:off x="0" y="0"/>
+          <a:ext cx="0" cy="0"/>
+          <a:chOff x="0" y="0"/>
+          <a:chExt cx="0" cy="0"/>
+        </a:xfrm>
+      </p:grpSpPr>
+      <p:sp>
+        <p:nvSpPr>
+          <p:cNvPr id="2" name="Title 1">
+            <a:extLst>
+              <a:ext uri="{FF2B5EF4-FFF2-40B4-BE49-F238E27FC236}">
+                <a16:creationId xmlns:a16="http://schemas.microsoft.com/office/drawing/2014/main" id="{5BAFA4EE-A5D5-9B4E-78A7-DB62702A9F10}"/>
+              </a:ext>
+            </a:extLst>
+          </p:cNvPr>
+          <p:cNvSpPr>
+            <a:spLocks noGrp="1"/>
+          </p:cNvSpPr>
+          <p:nvPr>
+            <p:ph type="title"/>
+          </p:nvPr>
+        </p:nvSpPr>
+        <p:spPr>
+          <a:xfrm>
+            <a:off x="640079" y="353292"/>
+            <a:ext cx="10890929" cy="644235"/>
+          </a:xfrm>
+        </p:spPr>
+        <p:txBody>
+          <a:bodyPr>
+            <a:normAutofit fontScale="90000"/>
+          </a:bodyPr>
+          <a:lstStyle/>
+          <a:p>
+            <a:r>
+              <a:rPr lang="en-US" dirty="0">
+                <a:solidFill>
+                  <a:schemeClr val="tx2">
+                    <a:lumMod val="90000"/>
+                    <a:lumOff val="10000"/>
+                  </a:schemeClr>
+                </a:solidFill>
+                <a:latin typeface="Arial" panose="020B0604020202020204" pitchFamily="34" charset="0"/>
+                <a:cs typeface="Arial" panose="020B0604020202020204" pitchFamily="34" charset="0"/>
+              </a:rPr>
+              <a:t>Python code snippets</a:t>
+            </a:r>
+          </a:p>
+        </p:txBody>
+      </p:sp>
+      <p:pic>
+        <p:nvPicPr>
+          <p:cNvPr id="5" name="Picture 4">
+            <a:extLst>
+              <a:ext uri="{FF2B5EF4-FFF2-40B4-BE49-F238E27FC236}">
+                <a16:creationId xmlns:a16="http://schemas.microsoft.com/office/drawing/2014/main" id="{D2C19759-1624-D1D3-776F-E72D344ECA0A}"/>
+              </a:ext>
+            </a:extLst>
+          </p:cNvPr>
+          <p:cNvPicPr>
+            <a:picLocks noChangeAspect="1"/>
+          </p:cNvPicPr>
+          <p:nvPr/>
+        </p:nvPicPr>
+        <p:blipFill>
+          <a:blip r:embed="rId3"/>
+          <a:stretch>
+            <a:fillRect/>
+          </a:stretch>
+        </p:blipFill>
+        <p:spPr>
+          <a:xfrm>
+            <a:off x="640079" y="1679431"/>
+            <a:ext cx="11205891" cy="2165206"/>
+          </a:xfrm>
+          <a:prstGeom prst="rect">
+            <a:avLst/>
+          </a:prstGeom>
+        </p:spPr>
+      </p:pic>
+    </p:spTree>
+    <p:extLst>
+      <p:ext uri="{BB962C8B-B14F-4D97-AF65-F5344CB8AC3E}">
+        <p14:creationId xmlns:p14="http://schemas.microsoft.com/office/powerpoint/2010/main" val="3115737441"/>
+      </p:ext>
+    </p:extLst>
+  </p:cSld>
+  <p:clrMapOvr>
+    <a:masterClrMapping/>
+  </p:clrMapOvr>
+</p:sld>
+</file>
+
+<file path=ppt/slides/slide22.xml><?xml version="1.0" encoding="utf-8"?>
+<p:sld xmlns:a="http://schemas.openxmlformats.org/drawingml/2006/main" xmlns:r="http://schemas.openxmlformats.org/officeDocument/2006/relationships" xmlns:p="http://schemas.openxmlformats.org/presentationml/2006/main">
+  <p:cSld>
+    <p:spTree>
+      <p:nvGrpSpPr>
+        <p:cNvPr id="1" name="">
+          <a:extLst>
+            <a:ext uri="{FF2B5EF4-FFF2-40B4-BE49-F238E27FC236}">
+              <a16:creationId xmlns:a16="http://schemas.microsoft.com/office/drawing/2014/main" id="{DCBA69BA-9F59-BE48-87F0-0B76E453E0C6}"/>
+            </a:ext>
+          </a:extLst>
+        </p:cNvPr>
+        <p:cNvGrpSpPr/>
+        <p:nvPr/>
+      </p:nvGrpSpPr>
+      <p:grpSpPr>
+        <a:xfrm>
+          <a:off x="0" y="0"/>
+          <a:ext cx="0" cy="0"/>
+          <a:chOff x="0" y="0"/>
+          <a:chExt cx="0" cy="0"/>
+        </a:xfrm>
+      </p:grpSpPr>
+      <p:sp>
+        <p:nvSpPr>
+          <p:cNvPr id="2" name="Title 1">
+            <a:extLst>
+              <a:ext uri="{FF2B5EF4-FFF2-40B4-BE49-F238E27FC236}">
+                <a16:creationId xmlns:a16="http://schemas.microsoft.com/office/drawing/2014/main" id="{5CEA1E80-8CDA-E1D2-F0F0-21947CB4E275}"/>
+              </a:ext>
+            </a:extLst>
+          </p:cNvPr>
+          <p:cNvSpPr>
+            <a:spLocks noGrp="1"/>
+          </p:cNvSpPr>
+          <p:nvPr>
+            <p:ph type="title"/>
+          </p:nvPr>
+        </p:nvSpPr>
+        <p:spPr>
+          <a:xfrm>
+            <a:off x="650535" y="252806"/>
+            <a:ext cx="10890929" cy="1097280"/>
+          </a:xfrm>
+        </p:spPr>
+        <p:txBody>
+          <a:bodyPr/>
+          <a:lstStyle/>
+          <a:p>
+            <a:r>
+              <a:rPr lang="en-US" sz="4200" b="1" i="0" dirty="0">
+                <a:solidFill>
+                  <a:srgbClr val="0F4761"/>
+                </a:solidFill>
+                <a:effectLst/>
+                <a:latin typeface="Arial"/>
+                <a:cs typeface="Arial"/>
+              </a:rPr>
+              <a:t>Linear Programming</a:t>
+            </a:r>
+            <a:r>
+              <a:rPr lang="en-US" sz="4200" b="0" i="0" dirty="0">
+                <a:solidFill>
+                  <a:srgbClr val="0F4761"/>
+                </a:solidFill>
+                <a:effectLst/>
+                <a:latin typeface="Arial"/>
+                <a:cs typeface="Arial"/>
+              </a:rPr>
+              <a:t> </a:t>
+            </a:r>
+            <a:endParaRPr lang="en-US" sz="4200" dirty="0">
+              <a:latin typeface="Arial"/>
+              <a:cs typeface="Arial"/>
+            </a:endParaRPr>
+          </a:p>
+        </p:txBody>
+      </p:sp>
+      <p:pic>
+        <p:nvPicPr>
+          <p:cNvPr id="9" name="Picture 8">
+            <a:extLst>
+              <a:ext uri="{FF2B5EF4-FFF2-40B4-BE49-F238E27FC236}">
+                <a16:creationId xmlns:a16="http://schemas.microsoft.com/office/drawing/2014/main" id="{1A248131-C990-89FE-5A0B-EB8A4226CDC9}"/>
+              </a:ext>
+            </a:extLst>
+          </p:cNvPr>
+          <p:cNvPicPr>
+            <a:picLocks noChangeAspect="1"/>
+          </p:cNvPicPr>
+          <p:nvPr/>
+        </p:nvPicPr>
+        <p:blipFill>
+          <a:blip r:embed="rId3"/>
+          <a:stretch>
+            <a:fillRect/>
+          </a:stretch>
+        </p:blipFill>
+        <p:spPr>
+          <a:xfrm>
+            <a:off x="543367" y="1752353"/>
+            <a:ext cx="10998097" cy="2258538"/>
+          </a:xfrm>
+          <a:prstGeom prst="rect">
+            <a:avLst/>
+          </a:prstGeom>
+        </p:spPr>
+      </p:pic>
+    </p:spTree>
+    <p:extLst>
+      <p:ext uri="{BB962C8B-B14F-4D97-AF65-F5344CB8AC3E}">
+        <p14:creationId xmlns:p14="http://schemas.microsoft.com/office/powerpoint/2010/main" val="1504570548"/>
+      </p:ext>
+    </p:extLst>
+  </p:cSld>
+  <p:clrMapOvr>
+    <a:masterClrMapping/>
+  </p:clrMapOvr>
+</p:sld>
+</file>
+
+<file path=ppt/slides/slide23.xml><?xml version="1.0" encoding="utf-8"?>
+<p:sld xmlns:a="http://schemas.openxmlformats.org/drawingml/2006/main" xmlns:r="http://schemas.openxmlformats.org/officeDocument/2006/relationships" xmlns:p="http://schemas.openxmlformats.org/presentationml/2006/main">
+  <p:cSld>
+    <p:spTree>
+      <p:nvGrpSpPr>
+        <p:cNvPr id="1" name="">
+          <a:extLst>
+            <a:ext uri="{FF2B5EF4-FFF2-40B4-BE49-F238E27FC236}">
+              <a16:creationId xmlns:a16="http://schemas.microsoft.com/office/drawing/2014/main" id="{82CA8D65-8957-299B-2195-6EBA545C7691}"/>
+            </a:ext>
+          </a:extLst>
+        </p:cNvPr>
+        <p:cNvGrpSpPr/>
+        <p:nvPr/>
+      </p:nvGrpSpPr>
+      <p:grpSpPr>
+        <a:xfrm>
+          <a:off x="0" y="0"/>
+          <a:ext cx="0" cy="0"/>
+          <a:chOff x="0" y="0"/>
+          <a:chExt cx="0" cy="0"/>
+        </a:xfrm>
+      </p:grpSpPr>
+      <p:sp>
+        <p:nvSpPr>
+          <p:cNvPr id="2" name="Title 1">
+            <a:extLst>
+              <a:ext uri="{FF2B5EF4-FFF2-40B4-BE49-F238E27FC236}">
+                <a16:creationId xmlns:a16="http://schemas.microsoft.com/office/drawing/2014/main" id="{2BD01AAC-2F27-0F8F-801C-FCB3C216A488}"/>
+              </a:ext>
+            </a:extLst>
+          </p:cNvPr>
+          <p:cNvSpPr>
+            <a:spLocks noGrp="1"/>
+          </p:cNvSpPr>
+          <p:nvPr>
+            <p:ph type="title"/>
+          </p:nvPr>
+        </p:nvSpPr>
+        <p:spPr>
+          <a:xfrm>
+            <a:off x="640079" y="353292"/>
+            <a:ext cx="10890929" cy="644235"/>
+          </a:xfrm>
+        </p:spPr>
+        <p:txBody>
+          <a:bodyPr>
+            <a:normAutofit fontScale="90000"/>
+          </a:bodyPr>
+          <a:lstStyle/>
+          <a:p>
+            <a:r>
+              <a:rPr lang="en-US" dirty="0">
+                <a:solidFill>
+                  <a:schemeClr val="tx2">
+                    <a:lumMod val="90000"/>
+                    <a:lumOff val="10000"/>
+                  </a:schemeClr>
+                </a:solidFill>
+                <a:latin typeface="Arial" panose="020B0604020202020204" pitchFamily="34" charset="0"/>
+                <a:cs typeface="Arial" panose="020B0604020202020204" pitchFamily="34" charset="0"/>
+              </a:rPr>
+              <a:t>Python code snippets</a:t>
+            </a:r>
+          </a:p>
+        </p:txBody>
+      </p:sp>
+      <p:pic>
+        <p:nvPicPr>
+          <p:cNvPr id="3" name="Picture 2">
+            <a:extLst>
+              <a:ext uri="{FF2B5EF4-FFF2-40B4-BE49-F238E27FC236}">
+                <a16:creationId xmlns:a16="http://schemas.microsoft.com/office/drawing/2014/main" id="{F0A0E300-C05F-1F56-3014-FC8C14DFDCD1}"/>
+              </a:ext>
+            </a:extLst>
+          </p:cNvPr>
+          <p:cNvPicPr>
+            <a:picLocks noChangeAspect="1"/>
+          </p:cNvPicPr>
+          <p:nvPr/>
+        </p:nvPicPr>
+        <p:blipFill>
+          <a:blip r:embed="rId3"/>
+          <a:stretch>
+            <a:fillRect/>
+          </a:stretch>
+        </p:blipFill>
+        <p:spPr>
+          <a:xfrm>
+            <a:off x="462315" y="1122218"/>
+            <a:ext cx="5961872" cy="5019183"/>
+          </a:xfrm>
+          <a:prstGeom prst="rect">
+            <a:avLst/>
+          </a:prstGeom>
+        </p:spPr>
+      </p:pic>
+      <p:pic>
+        <p:nvPicPr>
+          <p:cNvPr id="7" name="Picture 6">
+            <a:extLst>
+              <a:ext uri="{FF2B5EF4-FFF2-40B4-BE49-F238E27FC236}">
+                <a16:creationId xmlns:a16="http://schemas.microsoft.com/office/drawing/2014/main" id="{6F3EC286-2A95-4377-078B-A4E658A3D144}"/>
+              </a:ext>
+            </a:extLst>
+          </p:cNvPr>
+          <p:cNvPicPr>
+            <a:picLocks noChangeAspect="1"/>
+          </p:cNvPicPr>
+          <p:nvPr/>
+        </p:nvPicPr>
+        <p:blipFill>
+          <a:blip r:embed="rId4"/>
+          <a:stretch>
+            <a:fillRect/>
+          </a:stretch>
+        </p:blipFill>
+        <p:spPr>
+          <a:xfrm>
+            <a:off x="6013667" y="1142033"/>
+            <a:ext cx="6178333" cy="2489776"/>
+          </a:xfrm>
+          <a:prstGeom prst="rect">
+            <a:avLst/>
+          </a:prstGeom>
+        </p:spPr>
+      </p:pic>
+    </p:spTree>
+    <p:extLst>
+      <p:ext uri="{BB962C8B-B14F-4D97-AF65-F5344CB8AC3E}">
+        <p14:creationId xmlns:p14="http://schemas.microsoft.com/office/powerpoint/2010/main" val="83280473"/>
+      </p:ext>
+    </p:extLst>
+  </p:cSld>
+  <p:clrMapOvr>
+    <a:masterClrMapping/>
+  </p:clrMapOvr>
+</p:sld>
+</file>
+
+<file path=ppt/slides/slide3.xml><?xml version="1.0" encoding="utf-8"?>
+<p:sld xmlns:a="http://schemas.openxmlformats.org/drawingml/2006/main" xmlns:r="http://schemas.openxmlformats.org/officeDocument/2006/relationships" xmlns:p="http://schemas.openxmlformats.org/presentationml/2006/main">
+  <p:cSld>
+    <p:spTree>
+      <p:nvGrpSpPr>
+        <p:cNvPr id="1" name=""/>
+        <p:cNvGrpSpPr/>
+        <p:nvPr/>
+      </p:nvGrpSpPr>
+      <p:grpSpPr>
+        <a:xfrm>
+          <a:off x="0" y="0"/>
+          <a:ext cx="0" cy="0"/>
+          <a:chOff x="0" y="0"/>
+          <a:chExt cx="0" cy="0"/>
+        </a:xfrm>
+      </p:grpSpPr>
+      <p:sp>
+        <p:nvSpPr>
+          <p:cNvPr id="2" name="Title 1">
+            <a:extLst>
+              <a:ext uri="{FF2B5EF4-FFF2-40B4-BE49-F238E27FC236}">
+                <a16:creationId xmlns:a16="http://schemas.microsoft.com/office/drawing/2014/main" id="{DAF5F5D2-5437-5B9F-3BDD-F185D73EFFCB}"/>
+              </a:ext>
+            </a:extLst>
+          </p:cNvPr>
+          <p:cNvSpPr>
+            <a:spLocks noGrp="1"/>
+          </p:cNvSpPr>
+          <p:nvPr>
+            <p:ph type="title"/>
+          </p:nvPr>
+        </p:nvSpPr>
+        <p:spPr>
+          <a:xfrm>
+            <a:off x="640079" y="353292"/>
+            <a:ext cx="10890929" cy="644235"/>
+          </a:xfrm>
+        </p:spPr>
+        <p:txBody>
+          <a:bodyPr>
+            <a:normAutofit fontScale="90000"/>
+          </a:bodyPr>
+          <a:lstStyle/>
+          <a:p>
+            <a:r>
+              <a:rPr lang="en-US" dirty="0">
+                <a:solidFill>
+                  <a:schemeClr val="tx2">
+                    <a:lumMod val="90000"/>
+                    <a:lumOff val="10000"/>
+                  </a:schemeClr>
+                </a:solidFill>
+                <a:latin typeface="Arial" panose="020B0604020202020204" pitchFamily="34" charset="0"/>
+                <a:cs typeface="Arial" panose="020B0604020202020204" pitchFamily="34" charset="0"/>
+              </a:rPr>
+              <a:t>Python code snippets</a:t>
+            </a:r>
+          </a:p>
+        </p:txBody>
+      </p:sp>
+      <p:pic>
+        <p:nvPicPr>
+          <p:cNvPr id="7" name="Picture 6">
+            <a:extLst>
+              <a:ext uri="{FF2B5EF4-FFF2-40B4-BE49-F238E27FC236}">
+                <a16:creationId xmlns:a16="http://schemas.microsoft.com/office/drawing/2014/main" id="{FBD40609-1B96-FB53-524E-3098DD669E28}"/>
+              </a:ext>
+            </a:extLst>
+          </p:cNvPr>
+          <p:cNvPicPr>
+            <a:picLocks noChangeAspect="1"/>
+          </p:cNvPicPr>
+          <p:nvPr/>
+        </p:nvPicPr>
+        <p:blipFill>
+          <a:blip r:embed="rId3"/>
+          <a:stretch>
+            <a:fillRect/>
+          </a:stretch>
+        </p:blipFill>
+        <p:spPr>
+          <a:xfrm>
+            <a:off x="640079" y="1147978"/>
+            <a:ext cx="9428450" cy="5522986"/>
+          </a:xfrm>
+          <a:prstGeom prst="rect">
+            <a:avLst/>
+          </a:prstGeom>
+        </p:spPr>
+      </p:pic>
+    </p:spTree>
+    <p:extLst>
+      <p:ext uri="{BB962C8B-B14F-4D97-AF65-F5344CB8AC3E}">
+        <p14:creationId xmlns:p14="http://schemas.microsoft.com/office/powerpoint/2010/main" val="3358663642"/>
+      </p:ext>
+    </p:extLst>
+  </p:cSld>
+  <p:clrMapOvr>
+    <a:masterClrMapping/>
+  </p:clrMapOvr>
+</p:sld>
+</file>
+
+<file path=ppt/slides/slide4.xml><?xml version="1.0" encoding="utf-8"?>
+<p:sld xmlns:a="http://schemas.openxmlformats.org/drawingml/2006/main" xmlns:r="http://schemas.openxmlformats.org/officeDocument/2006/relationships" xmlns:p="http://schemas.openxmlformats.org/presentationml/2006/main">
+  <p:cSld>
+    <p:spTree>
+      <p:nvGrpSpPr>
+        <p:cNvPr id="1" name="">
+          <a:extLst>
+            <a:ext uri="{FF2B5EF4-FFF2-40B4-BE49-F238E27FC236}">
+              <a16:creationId xmlns:a16="http://schemas.microsoft.com/office/drawing/2014/main" id="{353DB039-BB64-631C-2BCA-CE0F6D79F543}"/>
+            </a:ext>
+          </a:extLst>
+        </p:cNvPr>
+        <p:cNvGrpSpPr/>
+        <p:nvPr/>
+      </p:nvGrpSpPr>
+      <p:grpSpPr>
+        <a:xfrm>
+          <a:off x="0" y="0"/>
+          <a:ext cx="0" cy="0"/>
+          <a:chOff x="0" y="0"/>
+          <a:chExt cx="0" cy="0"/>
+        </a:xfrm>
+      </p:grpSpPr>
+      <p:sp>
+        <p:nvSpPr>
+          <p:cNvPr id="2" name="Title 1">
+            <a:extLst>
+              <a:ext uri="{FF2B5EF4-FFF2-40B4-BE49-F238E27FC236}">
+                <a16:creationId xmlns:a16="http://schemas.microsoft.com/office/drawing/2014/main" id="{935E04CD-232B-9EF8-BA47-2AE6EA02D55B}"/>
+              </a:ext>
+            </a:extLst>
+          </p:cNvPr>
+          <p:cNvSpPr>
+            <a:spLocks noGrp="1"/>
+          </p:cNvSpPr>
+          <p:nvPr>
+            <p:ph type="title"/>
+          </p:nvPr>
+        </p:nvSpPr>
+        <p:spPr>
+          <a:xfrm>
+            <a:off x="650535" y="252806"/>
+            <a:ext cx="10890929" cy="1097280"/>
+          </a:xfrm>
+        </p:spPr>
+        <p:txBody>
+          <a:bodyPr>
+            <a:normAutofit/>
+          </a:bodyPr>
+          <a:lstStyle/>
+          <a:p>
+            <a:r>
+              <a:rPr lang="en-US" sz="4200" b="1" i="0" dirty="0">
+                <a:solidFill>
+                  <a:srgbClr val="0F4761"/>
+                </a:solidFill>
+                <a:effectLst/>
+                <a:latin typeface="Arial"/>
+                <a:cs typeface="Arial"/>
+              </a:rPr>
+              <a:t>Visualizing Relationships</a:t>
+            </a:r>
+            <a:endParaRPr lang="en-US" sz="4200" dirty="0">
+              <a:latin typeface="Arial"/>
+              <a:cs typeface="Arial"/>
+            </a:endParaRPr>
+          </a:p>
+        </p:txBody>
+      </p:sp>
+      <p:pic>
+        <p:nvPicPr>
+          <p:cNvPr id="4" name="Picture 3">
+            <a:extLst>
+              <a:ext uri="{FF2B5EF4-FFF2-40B4-BE49-F238E27FC236}">
+                <a16:creationId xmlns:a16="http://schemas.microsoft.com/office/drawing/2014/main" id="{BF4E099B-9EE3-9684-BF37-EA70EF09316C}"/>
+              </a:ext>
+            </a:extLst>
+          </p:cNvPr>
+          <p:cNvPicPr>
+            <a:picLocks noChangeAspect="1"/>
+          </p:cNvPicPr>
+          <p:nvPr/>
+        </p:nvPicPr>
+        <p:blipFill>
+          <a:blip r:embed="rId3"/>
+          <a:stretch>
+            <a:fillRect/>
+          </a:stretch>
+        </p:blipFill>
+        <p:spPr>
+          <a:xfrm>
+            <a:off x="193290" y="1854578"/>
+            <a:ext cx="3948113" cy="3148844"/>
+          </a:xfrm>
+          <a:prstGeom prst="rect">
+            <a:avLst/>
+          </a:prstGeom>
+        </p:spPr>
+      </p:pic>
+      <p:pic>
+        <p:nvPicPr>
+          <p:cNvPr id="6" name="Picture 5">
+            <a:extLst>
+              <a:ext uri="{FF2B5EF4-FFF2-40B4-BE49-F238E27FC236}">
+                <a16:creationId xmlns:a16="http://schemas.microsoft.com/office/drawing/2014/main" id="{C5F5CB21-5082-015C-188D-BFEFC7FB7324}"/>
+              </a:ext>
+            </a:extLst>
+          </p:cNvPr>
+          <p:cNvPicPr>
+            <a:picLocks noChangeAspect="1"/>
+          </p:cNvPicPr>
+          <p:nvPr/>
+        </p:nvPicPr>
+        <p:blipFill>
+          <a:blip r:embed="rId4"/>
+          <a:stretch>
+            <a:fillRect/>
+          </a:stretch>
+        </p:blipFill>
+        <p:spPr>
+          <a:xfrm>
+            <a:off x="4141403" y="1854578"/>
+            <a:ext cx="3986229" cy="3148844"/>
+          </a:xfrm>
+          <a:prstGeom prst="rect">
+            <a:avLst/>
+          </a:prstGeom>
+        </p:spPr>
+      </p:pic>
+      <p:pic>
+        <p:nvPicPr>
+          <p:cNvPr id="8" name="Picture 7">
+            <a:extLst>
+              <a:ext uri="{FF2B5EF4-FFF2-40B4-BE49-F238E27FC236}">
+                <a16:creationId xmlns:a16="http://schemas.microsoft.com/office/drawing/2014/main" id="{4502AF92-76FB-70F1-003B-3200A05115E9}"/>
+              </a:ext>
+            </a:extLst>
+          </p:cNvPr>
+          <p:cNvPicPr>
+            <a:picLocks noChangeAspect="1"/>
+          </p:cNvPicPr>
+          <p:nvPr/>
+        </p:nvPicPr>
+        <p:blipFill>
+          <a:blip r:embed="rId5"/>
+          <a:stretch>
+            <a:fillRect/>
+          </a:stretch>
+        </p:blipFill>
+        <p:spPr>
+          <a:xfrm>
+            <a:off x="8089516" y="1854579"/>
+            <a:ext cx="4030518" cy="3148843"/>
+          </a:xfrm>
+          <a:prstGeom prst="rect">
+            <a:avLst/>
+          </a:prstGeom>
+        </p:spPr>
+      </p:pic>
+    </p:spTree>
+    <p:extLst>
+      <p:ext uri="{BB962C8B-B14F-4D97-AF65-F5344CB8AC3E}">
+        <p14:creationId xmlns:p14="http://schemas.microsoft.com/office/powerpoint/2010/main" val="2885826472"/>
+      </p:ext>
+    </p:extLst>
+  </p:cSld>
+  <p:clrMapOvr>
+    <a:masterClrMapping/>
+  </p:clrMapOvr>
+</p:sld>
+</file>
+
+<file path=ppt/slides/slide5.xml><?xml version="1.0" encoding="utf-8"?>
+<p:sld xmlns:a="http://schemas.openxmlformats.org/drawingml/2006/main" xmlns:r="http://schemas.openxmlformats.org/officeDocument/2006/relationships" xmlns:p="http://schemas.openxmlformats.org/presentationml/2006/main">
+  <p:cSld>
+    <p:spTree>
+      <p:nvGrpSpPr>
+        <p:cNvPr id="1" name="">
+          <a:extLst>
+            <a:ext uri="{FF2B5EF4-FFF2-40B4-BE49-F238E27FC236}">
+              <a16:creationId xmlns:a16="http://schemas.microsoft.com/office/drawing/2014/main" id="{889C3B4B-8B74-9507-B6AB-B3E65C3D8A10}"/>
+            </a:ext>
+          </a:extLst>
+        </p:cNvPr>
+        <p:cNvGrpSpPr/>
+        <p:nvPr/>
+      </p:nvGrpSpPr>
+      <p:grpSpPr>
+        <a:xfrm>
+          <a:off x="0" y="0"/>
+          <a:ext cx="0" cy="0"/>
+          <a:chOff x="0" y="0"/>
+          <a:chExt cx="0" cy="0"/>
+        </a:xfrm>
+      </p:grpSpPr>
+      <p:sp>
+        <p:nvSpPr>
+          <p:cNvPr id="2" name="Title 1">
+            <a:extLst>
+              <a:ext uri="{FF2B5EF4-FFF2-40B4-BE49-F238E27FC236}">
+                <a16:creationId xmlns:a16="http://schemas.microsoft.com/office/drawing/2014/main" id="{91FB499C-4152-B14B-7D24-C88C663A4035}"/>
+              </a:ext>
+            </a:extLst>
+          </p:cNvPr>
+          <p:cNvSpPr>
+            <a:spLocks noGrp="1"/>
+          </p:cNvSpPr>
+          <p:nvPr>
+            <p:ph type="title"/>
+          </p:nvPr>
+        </p:nvSpPr>
+        <p:spPr>
+          <a:xfrm>
+            <a:off x="640079" y="353292"/>
+            <a:ext cx="10890929" cy="644235"/>
+          </a:xfrm>
+        </p:spPr>
+        <p:txBody>
+          <a:bodyPr>
+            <a:normAutofit fontScale="90000"/>
+          </a:bodyPr>
+          <a:lstStyle/>
+          <a:p>
+            <a:r>
+              <a:rPr lang="en-US" dirty="0">
+                <a:solidFill>
+                  <a:schemeClr val="tx2">
+                    <a:lumMod val="90000"/>
+                    <a:lumOff val="10000"/>
+                  </a:schemeClr>
+                </a:solidFill>
+                <a:latin typeface="Arial" panose="020B0604020202020204" pitchFamily="34" charset="0"/>
+                <a:cs typeface="Arial" panose="020B0604020202020204" pitchFamily="34" charset="0"/>
+              </a:rPr>
+              <a:t>Python code snippets</a:t>
+            </a:r>
+          </a:p>
+        </p:txBody>
+      </p:sp>
+      <p:pic>
+        <p:nvPicPr>
+          <p:cNvPr id="11" name="Picture 10">
+            <a:extLst>
+              <a:ext uri="{FF2B5EF4-FFF2-40B4-BE49-F238E27FC236}">
+                <a16:creationId xmlns:a16="http://schemas.microsoft.com/office/drawing/2014/main" id="{5C4A2B1A-942C-06A1-DDAE-AD225D4DC86A}"/>
+              </a:ext>
+            </a:extLst>
+          </p:cNvPr>
+          <p:cNvPicPr>
+            <a:picLocks noChangeAspect="1"/>
+          </p:cNvPicPr>
+          <p:nvPr/>
+        </p:nvPicPr>
+        <p:blipFill>
+          <a:blip r:embed="rId3"/>
+          <a:stretch>
+            <a:fillRect/>
+          </a:stretch>
+        </p:blipFill>
+        <p:spPr>
+          <a:xfrm>
+            <a:off x="2306782" y="1150793"/>
+            <a:ext cx="6283938" cy="5353915"/>
+          </a:xfrm>
+          <a:prstGeom prst="rect">
+            <a:avLst/>
+          </a:prstGeom>
+        </p:spPr>
+      </p:pic>
+    </p:spTree>
+    <p:extLst>
+      <p:ext uri="{BB962C8B-B14F-4D97-AF65-F5344CB8AC3E}">
+        <p14:creationId xmlns:p14="http://schemas.microsoft.com/office/powerpoint/2010/main" val="465389113"/>
+      </p:ext>
+    </p:extLst>
+  </p:cSld>
+  <p:clrMapOvr>
+    <a:masterClrMapping/>
+  </p:clrMapOvr>
+</p:sld>
+</file>
+
+<file path=ppt/slides/slide6.xml><?xml version="1.0" encoding="utf-8"?>
+<p:sld xmlns:a="http://schemas.openxmlformats.org/drawingml/2006/main" xmlns:r="http://schemas.openxmlformats.org/officeDocument/2006/relationships" xmlns:p="http://schemas.openxmlformats.org/presentationml/2006/main">
+  <p:cSld>
+    <p:spTree>
+      <p:nvGrpSpPr>
+        <p:cNvPr id="1" name="">
+          <a:extLst>
+            <a:ext uri="{FF2B5EF4-FFF2-40B4-BE49-F238E27FC236}">
+              <a16:creationId xmlns:a16="http://schemas.microsoft.com/office/drawing/2014/main" id="{4FD86A91-BAC9-62C3-AA7B-F3541D9822CA}"/>
+            </a:ext>
+          </a:extLst>
+        </p:cNvPr>
+        <p:cNvGrpSpPr/>
+        <p:nvPr/>
+      </p:nvGrpSpPr>
+      <p:grpSpPr>
+        <a:xfrm>
+          <a:off x="0" y="0"/>
+          <a:ext cx="0" cy="0"/>
+          <a:chOff x="0" y="0"/>
+          <a:chExt cx="0" cy="0"/>
+        </a:xfrm>
+      </p:grpSpPr>
+      <p:sp>
+        <p:nvSpPr>
+          <p:cNvPr id="2" name="Title 1">
+            <a:extLst>
+              <a:ext uri="{FF2B5EF4-FFF2-40B4-BE49-F238E27FC236}">
+                <a16:creationId xmlns:a16="http://schemas.microsoft.com/office/drawing/2014/main" id="{DE77A4DB-C7C1-FAB6-814D-829087D9A1FA}"/>
+              </a:ext>
+            </a:extLst>
+          </p:cNvPr>
+          <p:cNvSpPr>
+            <a:spLocks noGrp="1"/>
+          </p:cNvSpPr>
+          <p:nvPr>
+            <p:ph type="title"/>
+          </p:nvPr>
+        </p:nvSpPr>
+        <p:spPr>
+          <a:xfrm>
+            <a:off x="640079" y="353292"/>
+            <a:ext cx="10890929" cy="644235"/>
+          </a:xfrm>
+        </p:spPr>
+        <p:txBody>
+          <a:bodyPr>
+            <a:normAutofit fontScale="90000"/>
+          </a:bodyPr>
+          <a:lstStyle/>
+          <a:p>
+            <a:r>
+              <a:rPr lang="en-US" dirty="0">
+                <a:solidFill>
+                  <a:schemeClr val="tx2">
+                    <a:lumMod val="90000"/>
+                    <a:lumOff val="10000"/>
+                  </a:schemeClr>
+                </a:solidFill>
+                <a:latin typeface="Arial" panose="020B0604020202020204" pitchFamily="34" charset="0"/>
+                <a:cs typeface="Arial" panose="020B0604020202020204" pitchFamily="34" charset="0"/>
+              </a:rPr>
+              <a:t>Python code snippets</a:t>
+            </a:r>
+          </a:p>
+        </p:txBody>
+      </p:sp>
+      <p:pic>
+        <p:nvPicPr>
+          <p:cNvPr id="13" name="Picture 12">
+            <a:extLst>
+              <a:ext uri="{FF2B5EF4-FFF2-40B4-BE49-F238E27FC236}">
+                <a16:creationId xmlns:a16="http://schemas.microsoft.com/office/drawing/2014/main" id="{DB21E18C-2FB8-E9BB-655D-8D28CF51D66B}"/>
+              </a:ext>
+            </a:extLst>
+          </p:cNvPr>
+          <p:cNvPicPr>
+            <a:picLocks noChangeAspect="1"/>
+          </p:cNvPicPr>
+          <p:nvPr/>
+        </p:nvPicPr>
+        <p:blipFill>
+          <a:blip r:embed="rId3"/>
+          <a:stretch>
+            <a:fillRect/>
+          </a:stretch>
+        </p:blipFill>
+        <p:spPr>
+          <a:xfrm>
+            <a:off x="950839" y="1711901"/>
+            <a:ext cx="8678289" cy="3608244"/>
+          </a:xfrm>
+          <a:prstGeom prst="rect">
+            <a:avLst/>
+          </a:prstGeom>
+        </p:spPr>
+      </p:pic>
+    </p:spTree>
+    <p:extLst>
+      <p:ext uri="{BB962C8B-B14F-4D97-AF65-F5344CB8AC3E}">
+        <p14:creationId xmlns:p14="http://schemas.microsoft.com/office/powerpoint/2010/main" val="4080626803"/>
+      </p:ext>
+    </p:extLst>
+  </p:cSld>
+  <p:clrMapOvr>
+    <a:masterClrMapping/>
+  </p:clrMapOvr>
+</p:sld>
+</file>
+
+<file path=ppt/slides/slide7.xml><?xml version="1.0" encoding="utf-8"?>
+<p:sld xmlns:a="http://schemas.openxmlformats.org/drawingml/2006/main" xmlns:r="http://schemas.openxmlformats.org/officeDocument/2006/relationships" xmlns:p="http://schemas.openxmlformats.org/presentationml/2006/main">
+  <p:cSld>
+    <p:spTree>
+      <p:nvGrpSpPr>
+        <p:cNvPr id="1" name="">
+          <a:extLst>
+            <a:ext uri="{FF2B5EF4-FFF2-40B4-BE49-F238E27FC236}">
+              <a16:creationId xmlns:a16="http://schemas.microsoft.com/office/drawing/2014/main" id="{E62D2FA5-5280-9486-DD3B-01B1ADD0811C}"/>
+            </a:ext>
+          </a:extLst>
+        </p:cNvPr>
+        <p:cNvGrpSpPr/>
+        <p:nvPr/>
+      </p:nvGrpSpPr>
+      <p:grpSpPr>
+        <a:xfrm>
+          <a:off x="0" y="0"/>
+          <a:ext cx="0" cy="0"/>
+          <a:chOff x="0" y="0"/>
+          <a:chExt cx="0" cy="0"/>
+        </a:xfrm>
+      </p:grpSpPr>
+      <p:sp>
+        <p:nvSpPr>
+          <p:cNvPr id="2" name="Title 1">
+            <a:extLst>
+              <a:ext uri="{FF2B5EF4-FFF2-40B4-BE49-F238E27FC236}">
+                <a16:creationId xmlns:a16="http://schemas.microsoft.com/office/drawing/2014/main" id="{6C4183B7-8F8B-E7D5-45A9-A7BD49BAA002}"/>
+              </a:ext>
+            </a:extLst>
+          </p:cNvPr>
+          <p:cNvSpPr>
+            <a:spLocks noGrp="1"/>
+          </p:cNvSpPr>
+          <p:nvPr>
+            <p:ph type="title"/>
+          </p:nvPr>
+        </p:nvSpPr>
+        <p:spPr>
+          <a:xfrm>
+            <a:off x="650535" y="252806"/>
+            <a:ext cx="10890929" cy="1097280"/>
+          </a:xfrm>
+        </p:spPr>
+        <p:txBody>
+          <a:bodyPr>
+            <a:normAutofit/>
+          </a:bodyPr>
+          <a:lstStyle/>
+          <a:p>
+            <a:r>
+              <a:rPr lang="en-US" sz="4200" b="1" i="0" dirty="0">
+                <a:solidFill>
+                  <a:srgbClr val="0F4761"/>
+                </a:solidFill>
+                <a:effectLst/>
+                <a:latin typeface="Arial"/>
+                <a:cs typeface="Arial"/>
+              </a:rPr>
+              <a:t>Simple Linear Regression</a:t>
+            </a:r>
+            <a:endParaRPr lang="en-US" sz="4200" dirty="0">
+              <a:latin typeface="Arial"/>
+              <a:cs typeface="Arial"/>
+            </a:endParaRPr>
+          </a:p>
+        </p:txBody>
+      </p:sp>
+      <p:pic>
+        <p:nvPicPr>
+          <p:cNvPr id="5" name="Picture 4">
+            <a:extLst>
+              <a:ext uri="{FF2B5EF4-FFF2-40B4-BE49-F238E27FC236}">
+                <a16:creationId xmlns:a16="http://schemas.microsoft.com/office/drawing/2014/main" id="{0036C824-7C9A-CCD3-6E25-4FF7AA260659}"/>
+              </a:ext>
+            </a:extLst>
+          </p:cNvPr>
+          <p:cNvPicPr>
+            <a:picLocks noChangeAspect="1"/>
+          </p:cNvPicPr>
+          <p:nvPr/>
+        </p:nvPicPr>
+        <p:blipFill>
+          <a:blip r:embed="rId3"/>
+          <a:stretch>
+            <a:fillRect/>
+          </a:stretch>
+        </p:blipFill>
+        <p:spPr>
+          <a:xfrm>
+            <a:off x="5346219" y="1039091"/>
+            <a:ext cx="6637963" cy="4158202"/>
+          </a:xfrm>
+          <a:prstGeom prst="rect">
+            <a:avLst/>
+          </a:prstGeom>
+        </p:spPr>
+      </p:pic>
+      <p:sp>
+        <p:nvSpPr>
+          <p:cNvPr id="6" name="TextBox 5">
+            <a:extLst>
+              <a:ext uri="{FF2B5EF4-FFF2-40B4-BE49-F238E27FC236}">
+                <a16:creationId xmlns:a16="http://schemas.microsoft.com/office/drawing/2014/main" id="{E9084D92-A356-A2D1-19A0-D309E788F237}"/>
+              </a:ext>
+            </a:extLst>
+          </p:cNvPr>
+          <p:cNvSpPr txBox="1"/>
+          <p:nvPr/>
+        </p:nvSpPr>
+        <p:spPr>
+          <a:xfrm>
+            <a:off x="454170" y="1350086"/>
+            <a:ext cx="4969885" cy="4216539"/>
+          </a:xfrm>
+          <a:prstGeom prst="rect">
+            <a:avLst/>
+          </a:prstGeom>
+          <a:noFill/>
+        </p:spPr>
+        <p:txBody>
+          <a:bodyPr wrap="square" rtlCol="0">
+            <a:spAutoFit/>
+          </a:bodyPr>
+          <a:lstStyle/>
+          <a:p>
+            <a:r>
+              <a:rPr lang="en-US" sz="3200" b="1" u="sng" dirty="0">
+                <a:latin typeface="Calibri"/>
+                <a:cs typeface="Calibri"/>
+              </a:rPr>
+              <a:t>y = 1141.28 + 12.86 * x</a:t>
+            </a:r>
+            <a:r>
+              <a:rPr lang="en-US" sz="3200" b="1" dirty="0">
+                <a:latin typeface="Calibri"/>
+                <a:cs typeface="Calibri"/>
+              </a:rPr>
+              <a:t> , </a:t>
+            </a:r>
+          </a:p>
+          <a:p>
+            <a:r>
+              <a:rPr lang="en-US" sz="2800" b="1" dirty="0">
+                <a:latin typeface="Calibri"/>
+                <a:cs typeface="Calibri"/>
+              </a:rPr>
+              <a:t>where x – Facebook ad spend</a:t>
+            </a:r>
+          </a:p>
+          <a:p>
+            <a:r>
+              <a:rPr lang="en-US" sz="2800" b="1" dirty="0">
+                <a:latin typeface="Calibri"/>
+                <a:cs typeface="Calibri"/>
+              </a:rPr>
+              <a:t>            y – Numer of Sales</a:t>
+            </a:r>
+          </a:p>
+          <a:p>
+            <a:endParaRPr lang="en-US" b="1" dirty="0">
+              <a:latin typeface="Calibri"/>
+              <a:cs typeface="Calibri"/>
+            </a:endParaRPr>
+          </a:p>
+          <a:p>
+            <a:endParaRPr lang="en-US" b="1" dirty="0">
+              <a:latin typeface="Calibri"/>
+              <a:cs typeface="Calibri"/>
+            </a:endParaRPr>
+          </a:p>
+          <a:p>
+            <a:r>
+              <a:rPr lang="en-US" sz="2400" b="1" dirty="0">
+                <a:latin typeface="Calibri"/>
+                <a:cs typeface="Calibri"/>
+              </a:rPr>
+              <a:t>Example:</a:t>
+            </a:r>
+          </a:p>
+          <a:p>
+            <a:r>
+              <a:rPr lang="en-US" sz="2400" b="1" dirty="0">
+                <a:latin typeface="Calibri"/>
+                <a:cs typeface="Calibri"/>
+              </a:rPr>
+              <a:t>Facebook ad spend is $300, </a:t>
+            </a:r>
+          </a:p>
+          <a:p>
+            <a:r>
+              <a:rPr lang="en-US" sz="2400" b="1" dirty="0">
+                <a:latin typeface="Calibri"/>
+                <a:cs typeface="Calibri"/>
+              </a:rPr>
+              <a:t>then y = 1141.28 + 12.86 * 300</a:t>
+            </a:r>
+          </a:p>
+          <a:p>
+            <a:r>
+              <a:rPr lang="en-US" sz="2400" b="1" dirty="0">
+                <a:latin typeface="Calibri"/>
+                <a:cs typeface="Calibri"/>
+              </a:rPr>
+              <a:t>y = 4999</a:t>
+            </a:r>
+          </a:p>
+          <a:p>
+            <a:endParaRPr lang="en-US" sz="2400" b="1" u="sng" dirty="0">
+              <a:latin typeface="Calibri"/>
+              <a:cs typeface="Calibri"/>
+            </a:endParaRPr>
+          </a:p>
+          <a:p>
+            <a:r>
+              <a:rPr lang="en-US" sz="2400" b="1" u="sng" dirty="0">
+                <a:latin typeface="Calibri"/>
+                <a:cs typeface="Calibri"/>
+              </a:rPr>
+              <a:t>Predicted Sales 4,999</a:t>
+            </a:r>
+            <a:endParaRPr lang="en-US" sz="2400" u="sng" dirty="0"/>
+          </a:p>
+        </p:txBody>
+      </p:sp>
+    </p:spTree>
+    <p:extLst>
+      <p:ext uri="{BB962C8B-B14F-4D97-AF65-F5344CB8AC3E}">
+        <p14:creationId xmlns:p14="http://schemas.microsoft.com/office/powerpoint/2010/main" val="646910953"/>
+      </p:ext>
+    </p:extLst>
+  </p:cSld>
+  <p:clrMapOvr>
+    <a:masterClrMapping/>
+  </p:clrMapOvr>
+</p:sld>
+</file>
+
+<file path=ppt/slides/slide8.xml><?xml version="1.0" encoding="utf-8"?>
+<p:sld xmlns:a="http://schemas.openxmlformats.org/drawingml/2006/main" xmlns:r="http://schemas.openxmlformats.org/officeDocument/2006/relationships" xmlns:p="http://schemas.openxmlformats.org/presentationml/2006/main">
+  <p:cSld>
+    <p:spTree>
+      <p:nvGrpSpPr>
+        <p:cNvPr id="1" name="">
+          <a:extLst>
+            <a:ext uri="{FF2B5EF4-FFF2-40B4-BE49-F238E27FC236}">
+              <a16:creationId xmlns:a16="http://schemas.microsoft.com/office/drawing/2014/main" id="{9C927D58-3759-65FA-284E-FEAE87CF015E}"/>
+            </a:ext>
+          </a:extLst>
+        </p:cNvPr>
+        <p:cNvGrpSpPr/>
+        <p:nvPr/>
+      </p:nvGrpSpPr>
+      <p:grpSpPr>
+        <a:xfrm>
+          <a:off x="0" y="0"/>
+          <a:ext cx="0" cy="0"/>
+          <a:chOff x="0" y="0"/>
+          <a:chExt cx="0" cy="0"/>
+        </a:xfrm>
+      </p:grpSpPr>
+      <p:sp>
+        <p:nvSpPr>
+          <p:cNvPr id="2" name="Title 1">
+            <a:extLst>
+              <a:ext uri="{FF2B5EF4-FFF2-40B4-BE49-F238E27FC236}">
+                <a16:creationId xmlns:a16="http://schemas.microsoft.com/office/drawing/2014/main" id="{835C427A-0E0B-447C-F1C2-D34F53E99DEE}"/>
+              </a:ext>
+            </a:extLst>
+          </p:cNvPr>
+          <p:cNvSpPr>
+            <a:spLocks noGrp="1"/>
+          </p:cNvSpPr>
+          <p:nvPr>
+            <p:ph type="title"/>
+          </p:nvPr>
+        </p:nvSpPr>
+        <p:spPr>
+          <a:xfrm>
+            <a:off x="640079" y="353292"/>
+            <a:ext cx="10890929" cy="644235"/>
+          </a:xfrm>
+        </p:spPr>
+        <p:txBody>
+          <a:bodyPr>
+            <a:normAutofit fontScale="90000"/>
+          </a:bodyPr>
+          <a:lstStyle/>
+          <a:p>
+            <a:r>
+              <a:rPr lang="en-US" dirty="0">
+                <a:solidFill>
+                  <a:schemeClr val="tx2">
+                    <a:lumMod val="90000"/>
+                    <a:lumOff val="10000"/>
+                  </a:schemeClr>
+                </a:solidFill>
+                <a:latin typeface="Arial" panose="020B0604020202020204" pitchFamily="34" charset="0"/>
+                <a:cs typeface="Arial" panose="020B0604020202020204" pitchFamily="34" charset="0"/>
+              </a:rPr>
+              <a:t>Python code snippets</a:t>
+            </a:r>
+          </a:p>
+        </p:txBody>
+      </p:sp>
+      <p:pic>
+        <p:nvPicPr>
+          <p:cNvPr id="4" name="Picture 3">
+            <a:extLst>
+              <a:ext uri="{FF2B5EF4-FFF2-40B4-BE49-F238E27FC236}">
+                <a16:creationId xmlns:a16="http://schemas.microsoft.com/office/drawing/2014/main" id="{41461C29-38C6-5546-A106-6BC64C73FBB7}"/>
+              </a:ext>
+            </a:extLst>
+          </p:cNvPr>
+          <p:cNvPicPr>
+            <a:picLocks noChangeAspect="1"/>
+          </p:cNvPicPr>
+          <p:nvPr/>
+        </p:nvPicPr>
+        <p:blipFill>
+          <a:blip r:embed="rId3"/>
+          <a:stretch>
+            <a:fillRect/>
+          </a:stretch>
+        </p:blipFill>
+        <p:spPr>
+          <a:xfrm>
+            <a:off x="640078" y="1310120"/>
+            <a:ext cx="10857425" cy="4862079"/>
+          </a:xfrm>
+          <a:prstGeom prst="rect">
+            <a:avLst/>
+          </a:prstGeom>
+        </p:spPr>
+      </p:pic>
+    </p:spTree>
+    <p:extLst>
+      <p:ext uri="{BB962C8B-B14F-4D97-AF65-F5344CB8AC3E}">
+        <p14:creationId xmlns:p14="http://schemas.microsoft.com/office/powerpoint/2010/main" val="4233007102"/>
+      </p:ext>
+    </p:extLst>
+  </p:cSld>
+  <p:clrMapOvr>
+    <a:masterClrMapping/>
+  </p:clrMapOvr>
+</p:sld>
+</file>
+
+<file path=ppt/slides/slide9.xml><?xml version="1.0" encoding="utf-8"?>
+<p:sld xmlns:a="http://schemas.openxmlformats.org/drawingml/2006/main" xmlns:r="http://schemas.openxmlformats.org/officeDocument/2006/relationships" xmlns:p="http://schemas.openxmlformats.org/presentationml/2006/main">
+  <p:cSld>
+    <p:spTree>
+      <p:nvGrpSpPr>
+        <p:cNvPr id="1" name="">
+          <a:extLst>
+            <a:ext uri="{FF2B5EF4-FFF2-40B4-BE49-F238E27FC236}">
+              <a16:creationId xmlns:a16="http://schemas.microsoft.com/office/drawing/2014/main" id="{B3AA808C-018D-1CAF-D865-3031B6B8D665}"/>
+            </a:ext>
+          </a:extLst>
+        </p:cNvPr>
+        <p:cNvGrpSpPr/>
+        <p:nvPr/>
+      </p:nvGrpSpPr>
+      <p:grpSpPr>
+        <a:xfrm>
+          <a:off x="0" y="0"/>
+          <a:ext cx="0" cy="0"/>
+          <a:chOff x="0" y="0"/>
+          <a:chExt cx="0" cy="0"/>
+        </a:xfrm>
+      </p:grpSpPr>
+      <p:sp>
+        <p:nvSpPr>
+          <p:cNvPr id="2" name="Title 1">
+            <a:extLst>
+              <a:ext uri="{FF2B5EF4-FFF2-40B4-BE49-F238E27FC236}">
+                <a16:creationId xmlns:a16="http://schemas.microsoft.com/office/drawing/2014/main" id="{783975F7-8688-DAAD-BF4E-98F709ED83B1}"/>
+              </a:ext>
+            </a:extLst>
+          </p:cNvPr>
+          <p:cNvSpPr>
+            <a:spLocks noGrp="1"/>
+          </p:cNvSpPr>
+          <p:nvPr>
+            <p:ph type="title"/>
+          </p:nvPr>
+        </p:nvSpPr>
+        <p:spPr>
+          <a:xfrm>
+            <a:off x="650535" y="252806"/>
+            <a:ext cx="10890929" cy="1097280"/>
+          </a:xfrm>
+        </p:spPr>
+        <p:txBody>
+          <a:bodyPr>
+            <a:normAutofit/>
+          </a:bodyPr>
+          <a:lstStyle/>
+          <a:p>
+            <a:r>
+              <a:rPr lang="en-US" sz="4200" b="1" i="0" dirty="0">
+                <a:solidFill>
+                  <a:srgbClr val="0F4761"/>
+                </a:solidFill>
+                <a:effectLst/>
+                <a:latin typeface="Arial"/>
+                <a:cs typeface="Arial"/>
+              </a:rPr>
+              <a:t>Assessing Model Fit </a:t>
+            </a:r>
+            <a:endParaRPr lang="en-US" sz="4200" dirty="0">
+              <a:latin typeface="Arial"/>
+              <a:cs typeface="Arial"/>
+            </a:endParaRPr>
+          </a:p>
+        </p:txBody>
+      </p:sp>
+      <p:pic>
+        <p:nvPicPr>
+          <p:cNvPr id="5" name="Picture 4">
+            <a:extLst>
+              <a:ext uri="{FF2B5EF4-FFF2-40B4-BE49-F238E27FC236}">
+                <a16:creationId xmlns:a16="http://schemas.microsoft.com/office/drawing/2014/main" id="{5E5CF40C-D67E-E5A4-0C23-C188227464A3}"/>
+              </a:ext>
+            </a:extLst>
+          </p:cNvPr>
+          <p:cNvPicPr>
+            <a:picLocks noChangeAspect="1"/>
+          </p:cNvPicPr>
+          <p:nvPr/>
+        </p:nvPicPr>
+        <p:blipFill>
+          <a:blip r:embed="rId3"/>
+          <a:stretch>
+            <a:fillRect/>
+          </a:stretch>
+        </p:blipFill>
+        <p:spPr>
+          <a:xfrm>
+            <a:off x="6407999" y="1350086"/>
+            <a:ext cx="5457825" cy="4210050"/>
+          </a:xfrm>
+          <a:prstGeom prst="rect">
+            <a:avLst/>
+          </a:prstGeom>
+        </p:spPr>
+      </p:pic>
+      <p:pic>
+        <p:nvPicPr>
+          <p:cNvPr id="4" name="Picture 3">
+            <a:extLst>
+              <a:ext uri="{FF2B5EF4-FFF2-40B4-BE49-F238E27FC236}">
+                <a16:creationId xmlns:a16="http://schemas.microsoft.com/office/drawing/2014/main" id="{7A6F38F4-4A12-EDB4-65C9-9F345E526990}"/>
+              </a:ext>
+            </a:extLst>
+          </p:cNvPr>
+          <p:cNvPicPr>
+            <a:picLocks noChangeAspect="1"/>
+          </p:cNvPicPr>
+          <p:nvPr/>
+        </p:nvPicPr>
+        <p:blipFill>
+          <a:blip r:embed="rId4"/>
+          <a:stretch>
+            <a:fillRect/>
+          </a:stretch>
+        </p:blipFill>
+        <p:spPr>
+          <a:xfrm>
+            <a:off x="650535" y="1314450"/>
+            <a:ext cx="5534025" cy="4229100"/>
+          </a:xfrm>
+          <a:prstGeom prst="rect">
+            <a:avLst/>
+          </a:prstGeom>
+        </p:spPr>
+      </p:pic>
+    </p:spTree>
+    <p:extLst>
+      <p:ext uri="{BB962C8B-B14F-4D97-AF65-F5344CB8AC3E}">
+        <p14:creationId xmlns:p14="http://schemas.microsoft.com/office/powerpoint/2010/main" val="1065362478"/>
       </p:ext>
     </p:extLst>
   </p:cSld>
@@ -10545,15 +12703,6 @@
 </file>
 
 <file path=customXml/item1.xml><?xml version="1.0" encoding="utf-8"?>
-<?mso-contentType ?>
-<FormTemplates xmlns="http://schemas.microsoft.com/sharepoint/v3/contenttype/forms">
-  <Display>DocumentLibraryForm</Display>
-  <Edit>DocumentLibraryForm</Edit>
-  <New>DocumentLibraryForm</New>
-</FormTemplates>
-</file>
-
-<file path=customXml/item2.xml><?xml version="1.0" encoding="utf-8"?>
 <ct:contentTypeSchema xmlns:ct="http://schemas.microsoft.com/office/2006/metadata/contentType" xmlns:ma="http://schemas.microsoft.com/office/2006/metadata/properties/metaAttributes" ct:_="" ma:_="" ma:contentTypeName="Document" ma:contentTypeID="0x010100DD084E42E705654B9CF1FB4D1B6F86C3" ma:contentTypeVersion="19" ma:contentTypeDescription="Create a new document." ma:contentTypeScope="" ma:versionID="537e09eec9479df6b3b9277a829eeea6">
   <xsd:schema xmlns:xsd="http://www.w3.org/2001/XMLSchema" xmlns:xs="http://www.w3.org/2001/XMLSchema" xmlns:p="http://schemas.microsoft.com/office/2006/metadata/properties" xmlns:ns2="cb71b97d-9a65-4f5a-80e4-73af0d9029ad" xmlns:ns3="c7bf0040-ac83-4da7-b072-3c1b65a214b3" targetNamespace="http://schemas.microsoft.com/office/2006/metadata/properties" ma:root="true" ma:fieldsID="954325e78edeaac226e03e3e0adada46" ns2:_="" ns3:_="">
     <xsd:import namespace="cb71b97d-9a65-4f5a-80e4-73af0d9029ad"/>
@@ -10817,6 +12966,15 @@
 </ct:contentTypeSchema>
 </file>
 
+<file path=customXml/item2.xml><?xml version="1.0" encoding="utf-8"?>
+<?mso-contentType ?>
+<FormTemplates xmlns="http://schemas.microsoft.com/sharepoint/v3/contenttype/forms">
+  <Display>DocumentLibraryForm</Display>
+  <Edit>DocumentLibraryForm</Edit>
+  <New>DocumentLibraryForm</New>
+</FormTemplates>
+</file>
+
 <file path=customXml/item3.xml><?xml version="1.0" encoding="utf-8"?>
 <p:properties xmlns:p="http://schemas.microsoft.com/office/2006/metadata/properties" xmlns:xsi="http://www.w3.org/2001/XMLSchema-instance" xmlns:pc="http://schemas.microsoft.com/office/infopath/2007/PartnerControls">
   <documentManagement>
@@ -10832,14 +12990,6 @@
 </file>
 
 <file path=customXml/itemProps1.xml><?xml version="1.0" encoding="utf-8"?>
-<ds:datastoreItem xmlns:ds="http://schemas.openxmlformats.org/officeDocument/2006/customXml" ds:itemID="{2F184BDE-BCF0-4A4C-AF39-985C7EC788E7}">
-  <ds:schemaRefs>
-    <ds:schemaRef ds:uri="http://schemas.microsoft.com/sharepoint/v3/contenttype/forms"/>
-  </ds:schemaRefs>
-</ds:datastoreItem>
-</file>
-
-<file path=customXml/itemProps2.xml><?xml version="1.0" encoding="utf-8"?>
 <ds:datastoreItem xmlns:ds="http://schemas.openxmlformats.org/officeDocument/2006/customXml" ds:itemID="{FE333F42-FFBA-4D39-81DC-C33E6413E0BD}">
   <ds:schemaRefs>
     <ds:schemaRef ds:uri="http://schemas.microsoft.com/office/2006/metadata/contentType"/>
@@ -10854,6 +13004,14 @@
     <ds:schemaRef ds:uri="http://purl.org/dc/elements/1.1/"/>
     <ds:schemaRef ds:uri="http://purl.org/dc/terms/"/>
     <ds:schemaRef ds:uri="http://schemas.microsoft.com/internal/obd"/>
+  </ds:schemaRefs>
+</ds:datastoreItem>
+</file>
+
+<file path=customXml/itemProps2.xml><?xml version="1.0" encoding="utf-8"?>
+<ds:datastoreItem xmlns:ds="http://schemas.openxmlformats.org/officeDocument/2006/customXml" ds:itemID="{2F184BDE-BCF0-4A4C-AF39-985C7EC788E7}">
+  <ds:schemaRefs>
+    <ds:schemaRef ds:uri="http://schemas.microsoft.com/sharepoint/v3/contenttype/forms"/>
   </ds:schemaRefs>
 </ds:datastoreItem>
 </file>
